--- a/Materiale Extra/Presentazione del progetto.pptx
+++ b/Materiale Extra/Presentazione del progetto.pptx
@@ -8,8 +8,8 @@
     <p:sldId id="256" r:id="rId2"/>
     <p:sldId id="257" r:id="rId3"/>
     <p:sldId id="258" r:id="rId4"/>
-    <p:sldId id="259" r:id="rId5"/>
-    <p:sldId id="260" r:id="rId6"/>
+    <p:sldId id="260" r:id="rId5"/>
+    <p:sldId id="259" r:id="rId6"/>
     <p:sldId id="261" r:id="rId7"/>
     <p:sldId id="275" r:id="rId8"/>
     <p:sldId id="276" r:id="rId9"/>
@@ -6247,11 +6247,14 @@
               </a:rPr>
               <a:t>Gianino</a:t>
             </a:r>
-            <a:endParaRPr lang="it-IT" sz="1600" dirty="0">
-              <a:solidFill>
-                <a:schemeClr val="tx1"/>
-              </a:solidFill>
-            </a:endParaRPr>
+            <a:r>
+              <a:rPr lang="it-IT" sz="1600" dirty="0">
+                <a:solidFill>
+                  <a:schemeClr val="tx1"/>
+                </a:solidFill>
+              </a:rPr>
+              <a:t> </a:t>
+            </a:r>
           </a:p>
           <a:p>
             <a:pPr algn="l"/>
@@ -6261,7 +6264,7 @@
                   <a:schemeClr val="tx1"/>
                 </a:solidFill>
               </a:rPr>
-              <a:t>Michele Petrocelli</a:t>
+              <a:t>Michele Claudio Petrocelli</a:t>
             </a:r>
           </a:p>
         </p:txBody>
@@ -13822,41 +13825,6 @@
           </a:p>
         </p:txBody>
       </p:sp>
-      <p:sp>
-        <p:nvSpPr>
-          <p:cNvPr id="8" name="TextBox 7">
-            <a:extLst>
-              <a:ext uri="{FF2B5EF4-FFF2-40B4-BE49-F238E27FC236}">
-                <a16:creationId xmlns:a16="http://schemas.microsoft.com/office/drawing/2014/main" id="{FF6F90C4-DF46-6B15-5599-55987A57E2D2}"/>
-              </a:ext>
-            </a:extLst>
-          </p:cNvPr>
-          <p:cNvSpPr txBox="1"/>
-          <p:nvPr/>
-        </p:nvSpPr>
-        <p:spPr>
-          <a:xfrm flipH="1">
-            <a:off x="1428006" y="3620277"/>
-            <a:ext cx="2203893" cy="369332"/>
-          </a:xfrm>
-          <a:prstGeom prst="rect">
-            <a:avLst/>
-          </a:prstGeom>
-          <a:noFill/>
-        </p:spPr>
-        <p:txBody>
-          <a:bodyPr wrap="square" rtlCol="0">
-            <a:spAutoFit/>
-          </a:bodyPr>
-          <a:lstStyle/>
-          <a:p>
-            <a:r>
-              <a:rPr lang="it-IT" dirty="0"/>
-              <a:t>IMMAGINE</a:t>
-            </a:r>
-          </a:p>
-        </p:txBody>
-      </p:sp>
     </p:spTree>
     <p:extLst>
       <p:ext uri="{BB962C8B-B14F-4D97-AF65-F5344CB8AC3E}">
@@ -14262,71 +14230,41 @@
           </a:p>
         </p:txBody>
       </p:sp>
-      <p:sp>
-        <p:nvSpPr>
-          <p:cNvPr id="5" name="Segnaposto contenuto 4">
+      <p:pic>
+        <p:nvPicPr>
+          <p:cNvPr id="7" name="Content Placeholder 6">
             <a:extLst>
               <a:ext uri="{FF2B5EF4-FFF2-40B4-BE49-F238E27FC236}">
-                <a16:creationId xmlns:a16="http://schemas.microsoft.com/office/drawing/2014/main" id="{1C6E5A50-D568-FE8F-7B37-B337BBA1806A}"/>
+                <a16:creationId xmlns:a16="http://schemas.microsoft.com/office/drawing/2014/main" id="{49246A06-62A0-4D48-BEA0-047053D43A89}"/>
               </a:ext>
             </a:extLst>
           </p:cNvPr>
-          <p:cNvSpPr>
-            <a:spLocks noGrp="1"/>
-          </p:cNvSpPr>
+          <p:cNvPicPr>
+            <a:picLocks noGrp="1" noChangeAspect="1"/>
+          </p:cNvPicPr>
           <p:nvPr>
             <p:ph sz="half" idx="2"/>
           </p:nvPr>
-        </p:nvSpPr>
+        </p:nvPicPr>
+        <p:blipFill>
+          <a:blip r:embed="rId2">
+            <a:extLst>
+              <a:ext uri="{28A0092B-C50C-407E-A947-70E740481C1C}">
+                <a14:useLocalDpi xmlns:a14="http://schemas.microsoft.com/office/drawing/2010/main" val="0"/>
+              </a:ext>
+            </a:extLst>
+          </a:blip>
+          <a:stretch>
+            <a:fillRect/>
+          </a:stretch>
+        </p:blipFill>
         <p:spPr>
           <a:xfrm>
-            <a:off x="5781674" y="2160589"/>
-            <a:ext cx="3492329" cy="3880773"/>
+            <a:off x="6194050" y="2074443"/>
+            <a:ext cx="4536701" cy="3402526"/>
           </a:xfrm>
         </p:spPr>
-        <p:txBody>
-          <a:bodyPr/>
-          <a:lstStyle/>
-          <a:p>
-            <a:endParaRPr lang="it-IT" dirty="0"/>
-          </a:p>
-        </p:txBody>
-      </p:sp>
-      <p:sp>
-        <p:nvSpPr>
-          <p:cNvPr id="4" name="CasellaDiTesto 3">
-            <a:extLst>
-              <a:ext uri="{FF2B5EF4-FFF2-40B4-BE49-F238E27FC236}">
-                <a16:creationId xmlns:a16="http://schemas.microsoft.com/office/drawing/2014/main" id="{AD9C5F65-4709-861E-7A72-29E3086F98A9}"/>
-              </a:ext>
-            </a:extLst>
-          </p:cNvPr>
-          <p:cNvSpPr txBox="1"/>
-          <p:nvPr/>
-        </p:nvSpPr>
-        <p:spPr>
-          <a:xfrm>
-            <a:off x="6579239" y="3244334"/>
-            <a:ext cx="1732327" cy="369332"/>
-          </a:xfrm>
-          <a:prstGeom prst="rect">
-            <a:avLst/>
-          </a:prstGeom>
-          <a:noFill/>
-        </p:spPr>
-        <p:txBody>
-          <a:bodyPr wrap="square" rtlCol="0">
-            <a:spAutoFit/>
-          </a:bodyPr>
-          <a:lstStyle/>
-          <a:p>
-            <a:r>
-              <a:rPr lang="it-IT" dirty="0"/>
-              <a:t>PICTURE HERE</a:t>
-            </a:r>
-          </a:p>
-        </p:txBody>
-      </p:sp>
+      </p:pic>
     </p:spTree>
     <p:extLst>
       <p:ext uri="{BB962C8B-B14F-4D97-AF65-F5344CB8AC3E}">
@@ -22142,7 +22080,12 @@
             <p:ph type="title"/>
           </p:nvPr>
         </p:nvSpPr>
-        <p:spPr/>
+        <p:spPr>
+          <a:xfrm>
+            <a:off x="658673" y="422987"/>
+            <a:ext cx="8596668" cy="1320800"/>
+          </a:xfrm>
+        </p:spPr>
         <p:txBody>
           <a:bodyPr/>
           <a:lstStyle/>
@@ -22162,7 +22105,7 @@
             </a:r>
             <a:r>
               <a:rPr lang="it-IT" dirty="0" err="1"/>
-              <a:t>proposal</a:t>
+              <a:t>Proposal</a:t>
             </a:r>
             <a:endParaRPr lang="it-IT" dirty="0"/>
           </a:p>
@@ -22173,7 +22116,7 @@
           <p:cNvPr id="4" name="Picture 3">
             <a:extLst>
               <a:ext uri="{FF2B5EF4-FFF2-40B4-BE49-F238E27FC236}">
-                <a16:creationId xmlns:a16="http://schemas.microsoft.com/office/drawing/2014/main" id="{9BBBA7F9-F60A-2C5D-A1F2-3FB3751E202B}"/>
+                <a16:creationId xmlns:a16="http://schemas.microsoft.com/office/drawing/2014/main" id="{A937875E-F5DB-0F12-6BCC-55C83DCBA47A}"/>
               </a:ext>
             </a:extLst>
           </p:cNvPr>
@@ -22184,13 +22127,13 @@
         </p:nvPicPr>
         <p:blipFill rotWithShape="1">
           <a:blip r:embed="rId2"/>
-          <a:srcRect l="1404" b="783"/>
+          <a:srcRect l="1668" t="1203" b="523"/>
           <a:stretch/>
         </p:blipFill>
         <p:spPr>
           <a:xfrm>
-            <a:off x="363893" y="1420968"/>
-            <a:ext cx="8525899" cy="4827432"/>
+            <a:off x="533570" y="1307323"/>
+            <a:ext cx="8596668" cy="4869543"/>
           </a:xfrm>
           <a:prstGeom prst="rect">
             <a:avLst/>
@@ -22200,7 +22143,7 @@
     </p:spTree>
     <p:extLst>
       <p:ext uri="{BB962C8B-B14F-4D97-AF65-F5344CB8AC3E}">
-        <p14:creationId xmlns:p14="http://schemas.microsoft.com/office/powerpoint/2010/main" val="3302964220"/>
+        <p14:creationId xmlns:p14="http://schemas.microsoft.com/office/powerpoint/2010/main" val="2139544822"/>
       </p:ext>
     </p:extLst>
   </p:cSld>
@@ -22243,12 +22186,7 @@
             <p:ph type="title"/>
           </p:nvPr>
         </p:nvSpPr>
-        <p:spPr>
-          <a:xfrm>
-            <a:off x="658673" y="422987"/>
-            <a:ext cx="8596668" cy="1320800"/>
-          </a:xfrm>
-        </p:spPr>
+        <p:spPr/>
         <p:txBody>
           <a:bodyPr/>
           <a:lstStyle/>
@@ -22264,17 +22202,17 @@
             </a:r>
             <a:r>
               <a:rPr lang="it-IT" dirty="0"/>
-              <a:t> - update</a:t>
+              <a:t> - Update</a:t>
             </a:r>
           </a:p>
         </p:txBody>
       </p:sp>
       <p:pic>
         <p:nvPicPr>
-          <p:cNvPr id="4" name="Picture 3">
+          <p:cNvPr id="5" name="Picture 4">
             <a:extLst>
               <a:ext uri="{FF2B5EF4-FFF2-40B4-BE49-F238E27FC236}">
-                <a16:creationId xmlns:a16="http://schemas.microsoft.com/office/drawing/2014/main" id="{A937875E-F5DB-0F12-6BCC-55C83DCBA47A}"/>
+                <a16:creationId xmlns:a16="http://schemas.microsoft.com/office/drawing/2014/main" id="{013A3A9F-F569-4F5A-9E4D-7057E321900A}"/>
               </a:ext>
             </a:extLst>
           </p:cNvPr>
@@ -22283,25 +22221,42 @@
           </p:cNvPicPr>
           <p:nvPr/>
         </p:nvPicPr>
-        <p:blipFill rotWithShape="1">
-          <a:blip r:embed="rId2"/>
-          <a:srcRect l="1668" t="1203" b="523"/>
-          <a:stretch/>
+        <p:blipFill>
+          <a:blip r:embed="rId2">
+            <a:extLst>
+              <a:ext uri="{28A0092B-C50C-407E-A947-70E740481C1C}">
+                <a14:useLocalDpi xmlns:a14="http://schemas.microsoft.com/office/drawing/2010/main" val="0"/>
+              </a:ext>
+            </a:extLst>
+          </a:blip>
+          <a:stretch>
+            <a:fillRect/>
+          </a:stretch>
         </p:blipFill>
         <p:spPr>
           <a:xfrm>
-            <a:off x="533570" y="1307323"/>
-            <a:ext cx="8596668" cy="4869543"/>
+            <a:off x="613237" y="1582016"/>
+            <a:ext cx="8001846" cy="4513983"/>
           </a:xfrm>
           <a:prstGeom prst="rect">
             <a:avLst/>
           </a:prstGeom>
+          <a:ln>
+            <a:noFill/>
+          </a:ln>
+          <a:effectLst>
+            <a:outerShdw blurRad="292100" dist="139700" dir="2700000" algn="tl" rotWithShape="0">
+              <a:srgbClr val="333333">
+                <a:alpha val="65000"/>
+              </a:srgbClr>
+            </a:outerShdw>
+          </a:effectLst>
         </p:spPr>
       </p:pic>
     </p:spTree>
     <p:extLst>
       <p:ext uri="{BB962C8B-B14F-4D97-AF65-F5344CB8AC3E}">
-        <p14:creationId xmlns:p14="http://schemas.microsoft.com/office/powerpoint/2010/main" val="2139544822"/>
+        <p14:creationId xmlns:p14="http://schemas.microsoft.com/office/powerpoint/2010/main" val="3302964220"/>
       </p:ext>
     </p:extLst>
   </p:cSld>

--- a/Materiale Extra/Presentazione del progetto.pptx
+++ b/Materiale Extra/Presentazione del progetto.pptx
@@ -7,32 +7,35 @@
   <p:sldIdLst>
     <p:sldId id="256" r:id="rId2"/>
     <p:sldId id="257" r:id="rId3"/>
-    <p:sldId id="258" r:id="rId4"/>
-    <p:sldId id="260" r:id="rId5"/>
-    <p:sldId id="259" r:id="rId6"/>
-    <p:sldId id="261" r:id="rId7"/>
-    <p:sldId id="275" r:id="rId8"/>
-    <p:sldId id="276" r:id="rId9"/>
-    <p:sldId id="271" r:id="rId10"/>
-    <p:sldId id="277" r:id="rId11"/>
-    <p:sldId id="278" r:id="rId12"/>
-    <p:sldId id="274" r:id="rId13"/>
-    <p:sldId id="279" r:id="rId14"/>
-    <p:sldId id="283" r:id="rId15"/>
-    <p:sldId id="281" r:id="rId16"/>
-    <p:sldId id="284" r:id="rId17"/>
-    <p:sldId id="280" r:id="rId18"/>
-    <p:sldId id="282" r:id="rId19"/>
-    <p:sldId id="285" r:id="rId20"/>
-    <p:sldId id="286" r:id="rId21"/>
-    <p:sldId id="263" r:id="rId22"/>
-    <p:sldId id="268" r:id="rId23"/>
-    <p:sldId id="264" r:id="rId24"/>
-    <p:sldId id="266" r:id="rId25"/>
-    <p:sldId id="265" r:id="rId26"/>
-    <p:sldId id="267" r:id="rId27"/>
-    <p:sldId id="269" r:id="rId28"/>
-    <p:sldId id="270" r:id="rId29"/>
+    <p:sldId id="260" r:id="rId4"/>
+    <p:sldId id="259" r:id="rId5"/>
+    <p:sldId id="261" r:id="rId6"/>
+    <p:sldId id="275" r:id="rId7"/>
+    <p:sldId id="276" r:id="rId8"/>
+    <p:sldId id="271" r:id="rId9"/>
+    <p:sldId id="277" r:id="rId10"/>
+    <p:sldId id="278" r:id="rId11"/>
+    <p:sldId id="274" r:id="rId12"/>
+    <p:sldId id="279" r:id="rId13"/>
+    <p:sldId id="283" r:id="rId14"/>
+    <p:sldId id="281" r:id="rId15"/>
+    <p:sldId id="284" r:id="rId16"/>
+    <p:sldId id="280" r:id="rId17"/>
+    <p:sldId id="282" r:id="rId18"/>
+    <p:sldId id="285" r:id="rId19"/>
+    <p:sldId id="286" r:id="rId20"/>
+    <p:sldId id="263" r:id="rId21"/>
+    <p:sldId id="268" r:id="rId22"/>
+    <p:sldId id="264" r:id="rId23"/>
+    <p:sldId id="266" r:id="rId24"/>
+    <p:sldId id="287" r:id="rId25"/>
+    <p:sldId id="288" r:id="rId26"/>
+    <p:sldId id="289" r:id="rId27"/>
+    <p:sldId id="290" r:id="rId28"/>
+    <p:sldId id="291" r:id="rId29"/>
+    <p:sldId id="267" r:id="rId30"/>
+    <p:sldId id="269" r:id="rId31"/>
+    <p:sldId id="270" r:id="rId32"/>
   </p:sldIdLst>
   <p:sldSz cx="12192000" cy="6858000"/>
   <p:notesSz cx="6858000" cy="9144000"/>
@@ -6317,988 +6320,6 @@
         </p:nvSpPr>
         <p:spPr>
           <a:xfrm>
-            <a:off x="430644" y="176282"/>
-            <a:ext cx="4339237" cy="1320800"/>
-          </a:xfrm>
-        </p:spPr>
-        <p:txBody>
-          <a:bodyPr/>
-          <a:lstStyle/>
-          <a:p>
-            <a:r>
-              <a:rPr lang="it-IT" dirty="0"/>
-              <a:t>PUT </a:t>
-            </a:r>
-            <a:r>
-              <a:rPr lang="it-IT" dirty="0" err="1"/>
-              <a:t>method</a:t>
-            </a:r>
-            <a:endParaRPr lang="it-IT" dirty="0"/>
-          </a:p>
-        </p:txBody>
-      </p:sp>
-      <p:sp>
-        <p:nvSpPr>
-          <p:cNvPr id="3" name="TextBox 2">
-            <a:extLst>
-              <a:ext uri="{FF2B5EF4-FFF2-40B4-BE49-F238E27FC236}">
-                <a16:creationId xmlns:a16="http://schemas.microsoft.com/office/drawing/2014/main" id="{65A4F1AD-6B4E-43CA-84EB-6BC8163ACBB4}"/>
-              </a:ext>
-            </a:extLst>
-          </p:cNvPr>
-          <p:cNvSpPr txBox="1"/>
-          <p:nvPr/>
-        </p:nvSpPr>
-        <p:spPr>
-          <a:xfrm>
-            <a:off x="677334" y="1544917"/>
-            <a:ext cx="3845859" cy="1754326"/>
-          </a:xfrm>
-          <a:prstGeom prst="rect">
-            <a:avLst/>
-          </a:prstGeom>
-          <a:noFill/>
-        </p:spPr>
-        <p:txBody>
-          <a:bodyPr wrap="square" rtlCol="0">
-            <a:spAutoFit/>
-          </a:bodyPr>
-          <a:lstStyle/>
-          <a:p>
-            <a:r>
-              <a:rPr lang="en-US" dirty="0"/>
-              <a:t>It communicates with all the other actors in the platform exploiting REST communication. </a:t>
-            </a:r>
-          </a:p>
-          <a:p>
-            <a:pPr marL="285750" indent="-285750">
-              <a:buFont typeface="Arial" panose="020B0604020202020204" pitchFamily="34" charset="0"/>
-              <a:buChar char="•"/>
-            </a:pPr>
-            <a:r>
-              <a:rPr lang="en-US" dirty="0"/>
-              <a:t>GET: Retrieve information</a:t>
-            </a:r>
-          </a:p>
-          <a:p>
-            <a:pPr marL="285750" indent="-285750">
-              <a:buFont typeface="Arial" panose="020B0604020202020204" pitchFamily="34" charset="0"/>
-              <a:buChar char="•"/>
-            </a:pPr>
-            <a:r>
-              <a:rPr lang="en-US" dirty="0"/>
-              <a:t>PUT: Update information</a:t>
-            </a:r>
-          </a:p>
-          <a:p>
-            <a:pPr marL="285750" indent="-285750">
-              <a:buFont typeface="Arial" panose="020B0604020202020204" pitchFamily="34" charset="0"/>
-              <a:buChar char="•"/>
-            </a:pPr>
-            <a:r>
-              <a:rPr lang="en-US" dirty="0"/>
-              <a:t>POST: Add information</a:t>
-            </a:r>
-          </a:p>
-        </p:txBody>
-      </p:sp>
-      <p:sp>
-        <p:nvSpPr>
-          <p:cNvPr id="4" name="Rectangle 3">
-            <a:extLst>
-              <a:ext uri="{FF2B5EF4-FFF2-40B4-BE49-F238E27FC236}">
-                <a16:creationId xmlns:a16="http://schemas.microsoft.com/office/drawing/2014/main" id="{36BEA4F5-6FAD-481B-AFFE-05102E1B3351}"/>
-              </a:ext>
-            </a:extLst>
-          </p:cNvPr>
-          <p:cNvSpPr/>
-          <p:nvPr/>
-        </p:nvSpPr>
-        <p:spPr>
-          <a:xfrm>
-            <a:off x="3048001" y="3429000"/>
-            <a:ext cx="1398494" cy="739588"/>
-          </a:xfrm>
-          <a:prstGeom prst="rect">
-            <a:avLst/>
-          </a:prstGeom>
-        </p:spPr>
-        <p:style>
-          <a:lnRef idx="2">
-            <a:schemeClr val="accent1">
-              <a:shade val="50000"/>
-            </a:schemeClr>
-          </a:lnRef>
-          <a:fillRef idx="1">
-            <a:schemeClr val="accent1"/>
-          </a:fillRef>
-          <a:effectRef idx="0">
-            <a:schemeClr val="accent1"/>
-          </a:effectRef>
-          <a:fontRef idx="minor">
-            <a:schemeClr val="lt1"/>
-          </a:fontRef>
-        </p:style>
-        <p:txBody>
-          <a:bodyPr rtlCol="0" anchor="ctr"/>
-          <a:lstStyle/>
-          <a:p>
-            <a:pPr algn="ctr"/>
-            <a:r>
-              <a:rPr lang="it-IT" dirty="0"/>
-              <a:t>PUT</a:t>
-            </a:r>
-          </a:p>
-        </p:txBody>
-      </p:sp>
-      <p:cxnSp>
-        <p:nvCxnSpPr>
-          <p:cNvPr id="6" name="Straight Arrow Connector 5">
-            <a:extLst>
-              <a:ext uri="{FF2B5EF4-FFF2-40B4-BE49-F238E27FC236}">
-                <a16:creationId xmlns:a16="http://schemas.microsoft.com/office/drawing/2014/main" id="{8B6BB627-E08A-41D5-A371-02E3C9DB30AA}"/>
-              </a:ext>
-            </a:extLst>
-          </p:cNvPr>
-          <p:cNvCxnSpPr>
-            <a:cxnSpLocks/>
-            <a:stCxn id="4" idx="3"/>
-            <a:endCxn id="7" idx="1"/>
-          </p:cNvCxnSpPr>
-          <p:nvPr/>
-        </p:nvCxnSpPr>
-        <p:spPr>
-          <a:xfrm flipV="1">
-            <a:off x="4446495" y="3600080"/>
-            <a:ext cx="2141830" cy="198714"/>
-          </a:xfrm>
-          <a:prstGeom prst="straightConnector1">
-            <a:avLst/>
-          </a:prstGeom>
-          <a:ln>
-            <a:tailEnd type="triangle"/>
-          </a:ln>
-        </p:spPr>
-        <p:style>
-          <a:lnRef idx="1">
-            <a:schemeClr val="accent1"/>
-          </a:lnRef>
-          <a:fillRef idx="0">
-            <a:schemeClr val="accent1"/>
-          </a:fillRef>
-          <a:effectRef idx="0">
-            <a:schemeClr val="accent1"/>
-          </a:effectRef>
-          <a:fontRef idx="minor">
-            <a:schemeClr val="tx1"/>
-          </a:fontRef>
-        </p:style>
-      </p:cxnSp>
-      <p:sp>
-        <p:nvSpPr>
-          <p:cNvPr id="7" name="TextBox 6">
-            <a:extLst>
-              <a:ext uri="{FF2B5EF4-FFF2-40B4-BE49-F238E27FC236}">
-                <a16:creationId xmlns:a16="http://schemas.microsoft.com/office/drawing/2014/main" id="{9160F1FE-ECF7-44CB-BC6D-83FB97206994}"/>
-              </a:ext>
-            </a:extLst>
-          </p:cNvPr>
-          <p:cNvSpPr txBox="1"/>
-          <p:nvPr/>
-        </p:nvSpPr>
-        <p:spPr>
-          <a:xfrm>
-            <a:off x="6588325" y="3415414"/>
-            <a:ext cx="1211233" cy="369332"/>
-          </a:xfrm>
-          <a:prstGeom prst="rect">
-            <a:avLst/>
-          </a:prstGeom>
-          <a:noFill/>
-          <a:ln w="19050">
-            <a:solidFill>
-              <a:schemeClr val="tx1"/>
-            </a:solidFill>
-          </a:ln>
-        </p:spPr>
-        <p:txBody>
-          <a:bodyPr wrap="square" rtlCol="0">
-            <a:spAutoFit/>
-          </a:bodyPr>
-          <a:lstStyle/>
-          <a:p>
-            <a:r>
-              <a:rPr lang="it-IT" dirty="0"/>
-              <a:t>IP/User</a:t>
-            </a:r>
-          </a:p>
-        </p:txBody>
-      </p:sp>
-      <p:cxnSp>
-        <p:nvCxnSpPr>
-          <p:cNvPr id="11" name="Straight Arrow Connector 10">
-            <a:extLst>
-              <a:ext uri="{FF2B5EF4-FFF2-40B4-BE49-F238E27FC236}">
-                <a16:creationId xmlns:a16="http://schemas.microsoft.com/office/drawing/2014/main" id="{97AB31B7-0F30-41A5-B8AA-6D3627F328A5}"/>
-              </a:ext>
-            </a:extLst>
-          </p:cNvPr>
-          <p:cNvCxnSpPr>
-            <a:cxnSpLocks/>
-            <a:stCxn id="4" idx="3"/>
-            <a:endCxn id="14" idx="1"/>
-          </p:cNvCxnSpPr>
-          <p:nvPr/>
-        </p:nvCxnSpPr>
-        <p:spPr>
-          <a:xfrm flipV="1">
-            <a:off x="4446495" y="2387873"/>
-            <a:ext cx="2130251" cy="1410921"/>
-          </a:xfrm>
-          <a:prstGeom prst="straightConnector1">
-            <a:avLst/>
-          </a:prstGeom>
-          <a:ln>
-            <a:tailEnd type="triangle"/>
-          </a:ln>
-        </p:spPr>
-        <p:style>
-          <a:lnRef idx="1">
-            <a:schemeClr val="accent1"/>
-          </a:lnRef>
-          <a:fillRef idx="0">
-            <a:schemeClr val="accent1"/>
-          </a:fillRef>
-          <a:effectRef idx="0">
-            <a:schemeClr val="accent1"/>
-          </a:effectRef>
-          <a:fontRef idx="minor">
-            <a:schemeClr val="tx1"/>
-          </a:fontRef>
-        </p:style>
-      </p:cxnSp>
-      <p:sp>
-        <p:nvSpPr>
-          <p:cNvPr id="14" name="TextBox 13">
-            <a:extLst>
-              <a:ext uri="{FF2B5EF4-FFF2-40B4-BE49-F238E27FC236}">
-                <a16:creationId xmlns:a16="http://schemas.microsoft.com/office/drawing/2014/main" id="{65AC1259-1DAB-4C77-9833-13421BD4289C}"/>
-              </a:ext>
-            </a:extLst>
-          </p:cNvPr>
-          <p:cNvSpPr txBox="1"/>
-          <p:nvPr/>
-        </p:nvSpPr>
-        <p:spPr>
-          <a:xfrm>
-            <a:off x="6576746" y="2203207"/>
-            <a:ext cx="1211233" cy="369332"/>
-          </a:xfrm>
-          <a:prstGeom prst="rect">
-            <a:avLst/>
-          </a:prstGeom>
-          <a:noFill/>
-          <a:ln w="19050">
-            <a:solidFill>
-              <a:schemeClr val="tx1"/>
-            </a:solidFill>
-          </a:ln>
-        </p:spPr>
-        <p:txBody>
-          <a:bodyPr wrap="square" rtlCol="0">
-            <a:spAutoFit/>
-          </a:bodyPr>
-          <a:lstStyle/>
-          <a:p>
-            <a:r>
-              <a:rPr lang="it-IT" dirty="0"/>
-              <a:t>IP/Device</a:t>
-            </a:r>
-          </a:p>
-        </p:txBody>
-      </p:sp>
-      <p:sp>
-        <p:nvSpPr>
-          <p:cNvPr id="20" name="TextBox 19">
-            <a:extLst>
-              <a:ext uri="{FF2B5EF4-FFF2-40B4-BE49-F238E27FC236}">
-                <a16:creationId xmlns:a16="http://schemas.microsoft.com/office/drawing/2014/main" id="{5127204C-2252-4E68-B42C-69F39BF3BEF9}"/>
-              </a:ext>
-            </a:extLst>
-          </p:cNvPr>
-          <p:cNvSpPr txBox="1"/>
-          <p:nvPr/>
-        </p:nvSpPr>
-        <p:spPr>
-          <a:xfrm>
-            <a:off x="6588325" y="4097230"/>
-            <a:ext cx="2215027" cy="369332"/>
-          </a:xfrm>
-          <a:prstGeom prst="rect">
-            <a:avLst/>
-          </a:prstGeom>
-          <a:noFill/>
-          <a:ln w="19050">
-            <a:solidFill>
-              <a:schemeClr val="tx1"/>
-            </a:solidFill>
-          </a:ln>
-        </p:spPr>
-        <p:txBody>
-          <a:bodyPr wrap="square" rtlCol="0">
-            <a:spAutoFit/>
-          </a:bodyPr>
-          <a:lstStyle/>
-          <a:p>
-            <a:r>
-              <a:rPr lang="it-IT" dirty="0"/>
-              <a:t>IP/</a:t>
-            </a:r>
-            <a:r>
-              <a:rPr lang="it-IT" dirty="0" err="1"/>
-              <a:t>AgendaUpdate</a:t>
-            </a:r>
-            <a:endParaRPr lang="it-IT" dirty="0"/>
-          </a:p>
-        </p:txBody>
-      </p:sp>
-      <p:cxnSp>
-        <p:nvCxnSpPr>
-          <p:cNvPr id="35" name="Straight Arrow Connector 34">
-            <a:extLst>
-              <a:ext uri="{FF2B5EF4-FFF2-40B4-BE49-F238E27FC236}">
-                <a16:creationId xmlns:a16="http://schemas.microsoft.com/office/drawing/2014/main" id="{F8B64B66-1024-438E-8AAC-BAF24C7C6185}"/>
-              </a:ext>
-            </a:extLst>
-          </p:cNvPr>
-          <p:cNvCxnSpPr>
-            <a:cxnSpLocks/>
-            <a:stCxn id="4" idx="3"/>
-            <a:endCxn id="20" idx="1"/>
-          </p:cNvCxnSpPr>
-          <p:nvPr/>
-        </p:nvCxnSpPr>
-        <p:spPr>
-          <a:xfrm>
-            <a:off x="4446495" y="3798794"/>
-            <a:ext cx="2141830" cy="483102"/>
-          </a:xfrm>
-          <a:prstGeom prst="straightConnector1">
-            <a:avLst/>
-          </a:prstGeom>
-          <a:ln>
-            <a:tailEnd type="triangle"/>
-          </a:ln>
-        </p:spPr>
-        <p:style>
-          <a:lnRef idx="1">
-            <a:schemeClr val="accent1"/>
-          </a:lnRef>
-          <a:fillRef idx="0">
-            <a:schemeClr val="accent1"/>
-          </a:fillRef>
-          <a:effectRef idx="0">
-            <a:schemeClr val="accent1"/>
-          </a:effectRef>
-          <a:fontRef idx="minor">
-            <a:schemeClr val="tx1"/>
-          </a:fontRef>
-        </p:style>
-      </p:cxnSp>
-      <p:sp>
-        <p:nvSpPr>
-          <p:cNvPr id="53" name="Rectangle 52">
-            <a:extLst>
-              <a:ext uri="{FF2B5EF4-FFF2-40B4-BE49-F238E27FC236}">
-                <a16:creationId xmlns:a16="http://schemas.microsoft.com/office/drawing/2014/main" id="{B8365639-F56A-4DD3-BA29-A6E26D39FF19}"/>
-              </a:ext>
-            </a:extLst>
-          </p:cNvPr>
-          <p:cNvSpPr/>
-          <p:nvPr/>
-        </p:nvSpPr>
-        <p:spPr>
-          <a:xfrm>
-            <a:off x="1004046" y="2672521"/>
-            <a:ext cx="555812" cy="300230"/>
-          </a:xfrm>
-          <a:prstGeom prst="rect">
-            <a:avLst/>
-          </a:prstGeom>
-          <a:noFill/>
-        </p:spPr>
-        <p:style>
-          <a:lnRef idx="2">
-            <a:schemeClr val="accent1">
-              <a:shade val="50000"/>
-            </a:schemeClr>
-          </a:lnRef>
-          <a:fillRef idx="1">
-            <a:schemeClr val="accent1"/>
-          </a:fillRef>
-          <a:effectRef idx="0">
-            <a:schemeClr val="accent1"/>
-          </a:effectRef>
-          <a:fontRef idx="minor">
-            <a:schemeClr val="lt1"/>
-          </a:fontRef>
-        </p:style>
-        <p:txBody>
-          <a:bodyPr rtlCol="0" anchor="ctr"/>
-          <a:lstStyle/>
-          <a:p>
-            <a:pPr algn="ctr"/>
-            <a:endParaRPr lang="it-IT" dirty="0"/>
-          </a:p>
-        </p:txBody>
-      </p:sp>
-      <p:sp>
-        <p:nvSpPr>
-          <p:cNvPr id="32" name="TextBox 31">
-            <a:extLst>
-              <a:ext uri="{FF2B5EF4-FFF2-40B4-BE49-F238E27FC236}">
-                <a16:creationId xmlns:a16="http://schemas.microsoft.com/office/drawing/2014/main" id="{0F1121BF-87AD-4731-B419-4FFE5637C887}"/>
-              </a:ext>
-            </a:extLst>
-          </p:cNvPr>
-          <p:cNvSpPr txBox="1"/>
-          <p:nvPr/>
-        </p:nvSpPr>
-        <p:spPr>
-          <a:xfrm>
-            <a:off x="6576746" y="4800374"/>
-            <a:ext cx="2164475" cy="369332"/>
-          </a:xfrm>
-          <a:prstGeom prst="rect">
-            <a:avLst/>
-          </a:prstGeom>
-          <a:noFill/>
-          <a:ln w="19050">
-            <a:solidFill>
-              <a:schemeClr val="tx1"/>
-            </a:solidFill>
-          </a:ln>
-        </p:spPr>
-        <p:txBody>
-          <a:bodyPr wrap="square" rtlCol="0">
-            <a:spAutoFit/>
-          </a:bodyPr>
-          <a:lstStyle/>
-          <a:p>
-            <a:r>
-              <a:rPr lang="it-IT" dirty="0"/>
-              <a:t>IP/</a:t>
-            </a:r>
-            <a:r>
-              <a:rPr lang="it-IT" dirty="0" err="1"/>
-              <a:t>AgendaRemove</a:t>
-            </a:r>
-            <a:endParaRPr lang="it-IT" dirty="0"/>
-          </a:p>
-        </p:txBody>
-      </p:sp>
-      <p:cxnSp>
-        <p:nvCxnSpPr>
-          <p:cNvPr id="34" name="Straight Arrow Connector 33">
-            <a:extLst>
-              <a:ext uri="{FF2B5EF4-FFF2-40B4-BE49-F238E27FC236}">
-                <a16:creationId xmlns:a16="http://schemas.microsoft.com/office/drawing/2014/main" id="{62BDA9D8-751A-4E91-8E02-2F5D73F91C48}"/>
-              </a:ext>
-            </a:extLst>
-          </p:cNvPr>
-          <p:cNvCxnSpPr>
-            <a:cxnSpLocks/>
-            <a:stCxn id="4" idx="3"/>
-            <a:endCxn id="32" idx="1"/>
-          </p:cNvCxnSpPr>
-          <p:nvPr/>
-        </p:nvCxnSpPr>
-        <p:spPr>
-          <a:xfrm>
-            <a:off x="4446495" y="3798794"/>
-            <a:ext cx="2130251" cy="1186246"/>
-          </a:xfrm>
-          <a:prstGeom prst="straightConnector1">
-            <a:avLst/>
-          </a:prstGeom>
-          <a:ln>
-            <a:tailEnd type="triangle"/>
-          </a:ln>
-        </p:spPr>
-        <p:style>
-          <a:lnRef idx="1">
-            <a:schemeClr val="accent1"/>
-          </a:lnRef>
-          <a:fillRef idx="0">
-            <a:schemeClr val="accent1"/>
-          </a:fillRef>
-          <a:effectRef idx="0">
-            <a:schemeClr val="accent1"/>
-          </a:effectRef>
-          <a:fontRef idx="minor">
-            <a:schemeClr val="tx1"/>
-          </a:fontRef>
-        </p:style>
-      </p:cxnSp>
-      <p:sp>
-        <p:nvSpPr>
-          <p:cNvPr id="46" name="Rectangle: Rounded Corners 45">
-            <a:extLst>
-              <a:ext uri="{FF2B5EF4-FFF2-40B4-BE49-F238E27FC236}">
-                <a16:creationId xmlns:a16="http://schemas.microsoft.com/office/drawing/2014/main" id="{AFC47225-4362-4EC1-B5B6-2C16A03E5890}"/>
-              </a:ext>
-            </a:extLst>
-          </p:cNvPr>
-          <p:cNvSpPr/>
-          <p:nvPr/>
-        </p:nvSpPr>
-        <p:spPr>
-          <a:xfrm>
-            <a:off x="9499243" y="2203207"/>
-            <a:ext cx="1476001" cy="935264"/>
-          </a:xfrm>
-          <a:prstGeom prst="roundRect">
-            <a:avLst/>
-          </a:prstGeom>
-        </p:spPr>
-        <p:style>
-          <a:lnRef idx="2">
-            <a:schemeClr val="accent1">
-              <a:shade val="50000"/>
-            </a:schemeClr>
-          </a:lnRef>
-          <a:fillRef idx="1">
-            <a:schemeClr val="accent1"/>
-          </a:fillRef>
-          <a:effectRef idx="0">
-            <a:schemeClr val="accent1"/>
-          </a:effectRef>
-          <a:fontRef idx="minor">
-            <a:schemeClr val="lt1"/>
-          </a:fontRef>
-        </p:style>
-        <p:txBody>
-          <a:bodyPr rtlCol="0" anchor="ctr"/>
-          <a:lstStyle/>
-          <a:p>
-            <a:pPr algn="ctr"/>
-            <a:r>
-              <a:rPr lang="it-IT" dirty="0" err="1"/>
-              <a:t>Methods</a:t>
-            </a:r>
-            <a:r>
-              <a:rPr lang="it-IT" dirty="0"/>
-              <a:t> </a:t>
-            </a:r>
-            <a:r>
-              <a:rPr lang="it-IT" dirty="0" err="1"/>
-              <a:t>used</a:t>
-            </a:r>
-            <a:r>
-              <a:rPr lang="it-IT" dirty="0"/>
-              <a:t> by </a:t>
-            </a:r>
-            <a:r>
-              <a:rPr lang="it-IT" dirty="0" err="1"/>
-              <a:t>sensors</a:t>
-            </a:r>
-            <a:endParaRPr lang="it-IT" dirty="0"/>
-          </a:p>
-        </p:txBody>
-      </p:sp>
-      <p:sp>
-        <p:nvSpPr>
-          <p:cNvPr id="48" name="TextBox 47">
-            <a:extLst>
-              <a:ext uri="{FF2B5EF4-FFF2-40B4-BE49-F238E27FC236}">
-                <a16:creationId xmlns:a16="http://schemas.microsoft.com/office/drawing/2014/main" id="{841877EB-96F4-4E14-8269-E51EA3C085E9}"/>
-              </a:ext>
-            </a:extLst>
-          </p:cNvPr>
-          <p:cNvSpPr txBox="1"/>
-          <p:nvPr/>
-        </p:nvSpPr>
-        <p:spPr>
-          <a:xfrm>
-            <a:off x="8152433" y="2233984"/>
-            <a:ext cx="1124311" cy="307777"/>
-          </a:xfrm>
-          <a:prstGeom prst="rect">
-            <a:avLst/>
-          </a:prstGeom>
-          <a:noFill/>
-          <a:ln>
-            <a:solidFill>
-              <a:schemeClr val="tx1"/>
-            </a:solidFill>
-            <a:prstDash val="lgDash"/>
-          </a:ln>
-        </p:spPr>
-        <p:txBody>
-          <a:bodyPr wrap="square" rtlCol="0">
-            <a:spAutoFit/>
-          </a:bodyPr>
-          <a:lstStyle/>
-          <a:p>
-            <a:r>
-              <a:rPr lang="it-IT" sz="1400" dirty="0" err="1"/>
-              <a:t>lastUpdate</a:t>
-            </a:r>
-            <a:r>
-              <a:rPr lang="it-IT" sz="1400" dirty="0"/>
-              <a:t> </a:t>
-            </a:r>
-          </a:p>
-        </p:txBody>
-      </p:sp>
-      <p:sp>
-        <p:nvSpPr>
-          <p:cNvPr id="50" name="TextBox 49">
-            <a:extLst>
-              <a:ext uri="{FF2B5EF4-FFF2-40B4-BE49-F238E27FC236}">
-                <a16:creationId xmlns:a16="http://schemas.microsoft.com/office/drawing/2014/main" id="{D3819882-B3C3-4F20-B3EA-37B64D5BA205}"/>
-              </a:ext>
-            </a:extLst>
-          </p:cNvPr>
-          <p:cNvSpPr txBox="1"/>
-          <p:nvPr/>
-        </p:nvSpPr>
-        <p:spPr>
-          <a:xfrm>
-            <a:off x="8012083" y="3446191"/>
-            <a:ext cx="1264661" cy="307777"/>
-          </a:xfrm>
-          <a:prstGeom prst="rect">
-            <a:avLst/>
-          </a:prstGeom>
-          <a:noFill/>
-          <a:ln>
-            <a:solidFill>
-              <a:schemeClr val="tx1"/>
-            </a:solidFill>
-            <a:prstDash val="lgDash"/>
-          </a:ln>
-        </p:spPr>
-        <p:txBody>
-          <a:bodyPr wrap="square" rtlCol="0">
-            <a:spAutoFit/>
-          </a:bodyPr>
-          <a:lstStyle/>
-          <a:p>
-            <a:r>
-              <a:rPr lang="it-IT" sz="1400" dirty="0" err="1"/>
-              <a:t>Battery</a:t>
-            </a:r>
-            <a:r>
-              <a:rPr lang="it-IT" sz="1400" dirty="0"/>
-              <a:t> info</a:t>
-            </a:r>
-          </a:p>
-        </p:txBody>
-      </p:sp>
-      <p:sp>
-        <p:nvSpPr>
-          <p:cNvPr id="51" name="TextBox 50">
-            <a:extLst>
-              <a:ext uri="{FF2B5EF4-FFF2-40B4-BE49-F238E27FC236}">
-                <a16:creationId xmlns:a16="http://schemas.microsoft.com/office/drawing/2014/main" id="{32F1CD30-651D-459E-91D2-766B8E749917}"/>
-              </a:ext>
-            </a:extLst>
-          </p:cNvPr>
-          <p:cNvSpPr txBox="1"/>
-          <p:nvPr/>
-        </p:nvSpPr>
-        <p:spPr>
-          <a:xfrm>
-            <a:off x="8355251" y="2686198"/>
-            <a:ext cx="718674" cy="307777"/>
-          </a:xfrm>
-          <a:prstGeom prst="rect">
-            <a:avLst/>
-          </a:prstGeom>
-          <a:noFill/>
-          <a:ln>
-            <a:solidFill>
-              <a:schemeClr val="tx1"/>
-            </a:solidFill>
-            <a:prstDash val="lgDash"/>
-          </a:ln>
-        </p:spPr>
-        <p:txBody>
-          <a:bodyPr wrap="square" rtlCol="0">
-            <a:spAutoFit/>
-          </a:bodyPr>
-          <a:lstStyle/>
-          <a:p>
-            <a:r>
-              <a:rPr lang="it-IT" sz="1400" dirty="0" err="1"/>
-              <a:t>value</a:t>
-            </a:r>
-            <a:r>
-              <a:rPr lang="it-IT" sz="1400" dirty="0"/>
-              <a:t> </a:t>
-            </a:r>
-          </a:p>
-        </p:txBody>
-      </p:sp>
-      <p:sp>
-        <p:nvSpPr>
-          <p:cNvPr id="69" name="Right Brace 68">
-            <a:extLst>
-              <a:ext uri="{FF2B5EF4-FFF2-40B4-BE49-F238E27FC236}">
-                <a16:creationId xmlns:a16="http://schemas.microsoft.com/office/drawing/2014/main" id="{D28F1892-C35E-457E-BCC9-667F5363CABF}"/>
-              </a:ext>
-            </a:extLst>
-          </p:cNvPr>
-          <p:cNvSpPr/>
-          <p:nvPr/>
-        </p:nvSpPr>
-        <p:spPr>
-          <a:xfrm>
-            <a:off x="9366420" y="3299243"/>
-            <a:ext cx="329226" cy="2095260"/>
-          </a:xfrm>
-          <a:prstGeom prst="rightBrace">
-            <a:avLst/>
-          </a:prstGeom>
-          <a:ln w="28575"/>
-        </p:spPr>
-        <p:style>
-          <a:lnRef idx="1">
-            <a:schemeClr val="accent1"/>
-          </a:lnRef>
-          <a:fillRef idx="0">
-            <a:schemeClr val="accent1"/>
-          </a:fillRef>
-          <a:effectRef idx="0">
-            <a:schemeClr val="accent1"/>
-          </a:effectRef>
-          <a:fontRef idx="minor">
-            <a:schemeClr val="tx1"/>
-          </a:fontRef>
-        </p:style>
-        <p:txBody>
-          <a:bodyPr rtlCol="0" anchor="ctr"/>
-          <a:lstStyle/>
-          <a:p>
-            <a:pPr algn="ctr"/>
-            <a:endParaRPr lang="it-IT"/>
-          </a:p>
-        </p:txBody>
-      </p:sp>
-      <p:sp>
-        <p:nvSpPr>
-          <p:cNvPr id="73" name="Rectangle: Rounded Corners 72">
-            <a:extLst>
-              <a:ext uri="{FF2B5EF4-FFF2-40B4-BE49-F238E27FC236}">
-                <a16:creationId xmlns:a16="http://schemas.microsoft.com/office/drawing/2014/main" id="{9EF1A81D-8865-43A0-999D-546DC923A85D}"/>
-              </a:ext>
-            </a:extLst>
-          </p:cNvPr>
-          <p:cNvSpPr/>
-          <p:nvPr/>
-        </p:nvSpPr>
-        <p:spPr>
-          <a:xfrm>
-            <a:off x="9901943" y="3698246"/>
-            <a:ext cx="1834599" cy="1297254"/>
-          </a:xfrm>
-          <a:prstGeom prst="roundRect">
-            <a:avLst/>
-          </a:prstGeom>
-        </p:spPr>
-        <p:style>
-          <a:lnRef idx="2">
-            <a:schemeClr val="accent1">
-              <a:shade val="50000"/>
-            </a:schemeClr>
-          </a:lnRef>
-          <a:fillRef idx="1">
-            <a:schemeClr val="accent1"/>
-          </a:fillRef>
-          <a:effectRef idx="0">
-            <a:schemeClr val="accent1"/>
-          </a:effectRef>
-          <a:fontRef idx="minor">
-            <a:schemeClr val="lt1"/>
-          </a:fontRef>
-        </p:style>
-        <p:txBody>
-          <a:bodyPr rtlCol="0" anchor="ctr"/>
-          <a:lstStyle/>
-          <a:p>
-            <a:pPr algn="ctr"/>
-            <a:r>
-              <a:rPr lang="it-IT"/>
-              <a:t>Methods </a:t>
-            </a:r>
-            <a:r>
-              <a:rPr lang="it-IT" dirty="0" err="1"/>
-              <a:t>used</a:t>
-            </a:r>
-            <a:r>
-              <a:rPr lang="it-IT" dirty="0"/>
-              <a:t> by user </a:t>
-            </a:r>
-            <a:r>
-              <a:rPr lang="it-IT" dirty="0" err="1"/>
-              <a:t>only</a:t>
-            </a:r>
-            <a:r>
-              <a:rPr lang="it-IT" dirty="0"/>
-              <a:t> </a:t>
-            </a:r>
-            <a:r>
-              <a:rPr lang="it-IT" dirty="0" err="1"/>
-              <a:t>through</a:t>
-            </a:r>
-            <a:r>
-              <a:rPr lang="it-IT" dirty="0"/>
-              <a:t> </a:t>
-            </a:r>
-            <a:r>
-              <a:rPr lang="it-IT" dirty="0" err="1"/>
-              <a:t>PostMan</a:t>
-            </a:r>
-            <a:endParaRPr lang="it-IT" dirty="0"/>
-          </a:p>
-        </p:txBody>
-      </p:sp>
-      <p:cxnSp>
-        <p:nvCxnSpPr>
-          <p:cNvPr id="47" name="Straight Arrow Connector 46">
-            <a:extLst>
-              <a:ext uri="{FF2B5EF4-FFF2-40B4-BE49-F238E27FC236}">
-                <a16:creationId xmlns:a16="http://schemas.microsoft.com/office/drawing/2014/main" id="{A86EDE2E-5B75-4373-A6BD-8D9F7763B775}"/>
-              </a:ext>
-            </a:extLst>
-          </p:cNvPr>
-          <p:cNvCxnSpPr>
-            <a:cxnSpLocks/>
-            <a:endCxn id="49" idx="1"/>
-          </p:cNvCxnSpPr>
-          <p:nvPr/>
-        </p:nvCxnSpPr>
-        <p:spPr>
-          <a:xfrm flipV="1">
-            <a:off x="4446495" y="2924111"/>
-            <a:ext cx="2130251" cy="874684"/>
-          </a:xfrm>
-          <a:prstGeom prst="straightConnector1">
-            <a:avLst/>
-          </a:prstGeom>
-          <a:ln>
-            <a:tailEnd type="triangle"/>
-          </a:ln>
-        </p:spPr>
-        <p:style>
-          <a:lnRef idx="1">
-            <a:schemeClr val="accent1"/>
-          </a:lnRef>
-          <a:fillRef idx="0">
-            <a:schemeClr val="accent1"/>
-          </a:fillRef>
-          <a:effectRef idx="0">
-            <a:schemeClr val="accent1"/>
-          </a:effectRef>
-          <a:fontRef idx="minor">
-            <a:schemeClr val="tx1"/>
-          </a:fontRef>
-        </p:style>
-      </p:cxnSp>
-      <p:sp>
-        <p:nvSpPr>
-          <p:cNvPr id="49" name="TextBox 48">
-            <a:extLst>
-              <a:ext uri="{FF2B5EF4-FFF2-40B4-BE49-F238E27FC236}">
-                <a16:creationId xmlns:a16="http://schemas.microsoft.com/office/drawing/2014/main" id="{71CE29D2-99EF-4B9D-9B19-95829412C858}"/>
-              </a:ext>
-            </a:extLst>
-          </p:cNvPr>
-          <p:cNvSpPr txBox="1"/>
-          <p:nvPr/>
-        </p:nvSpPr>
-        <p:spPr>
-          <a:xfrm>
-            <a:off x="6576746" y="2739445"/>
-            <a:ext cx="1476001" cy="369332"/>
-          </a:xfrm>
-          <a:prstGeom prst="rect">
-            <a:avLst/>
-          </a:prstGeom>
-          <a:noFill/>
-          <a:ln w="19050">
-            <a:solidFill>
-              <a:schemeClr val="tx1"/>
-            </a:solidFill>
-          </a:ln>
-        </p:spPr>
-        <p:txBody>
-          <a:bodyPr wrap="square" rtlCol="0">
-            <a:spAutoFit/>
-          </a:bodyPr>
-          <a:lstStyle/>
-          <a:p>
-            <a:r>
-              <a:rPr lang="it-IT" dirty="0"/>
-              <a:t>IP/</a:t>
-            </a:r>
-            <a:r>
-              <a:rPr lang="it-IT" dirty="0" err="1"/>
-              <a:t>Actuator</a:t>
-            </a:r>
-            <a:endParaRPr lang="it-IT" dirty="0"/>
-          </a:p>
-        </p:txBody>
-      </p:sp>
-    </p:spTree>
-    <p:extLst>
-      <p:ext uri="{BB962C8B-B14F-4D97-AF65-F5344CB8AC3E}">
-        <p14:creationId xmlns:p14="http://schemas.microsoft.com/office/powerpoint/2010/main" val="2839582268"/>
-      </p:ext>
-    </p:extLst>
-  </p:cSld>
-  <p:clrMapOvr>
-    <a:masterClrMapping/>
-  </p:clrMapOvr>
-</p:sld>
-</file>
-
-<file path=ppt/slides/slide11.xml><?xml version="1.0" encoding="utf-8"?>
-<p:sld xmlns:a="http://schemas.openxmlformats.org/drawingml/2006/main" xmlns:r="http://schemas.openxmlformats.org/officeDocument/2006/relationships" xmlns:p="http://schemas.openxmlformats.org/presentationml/2006/main">
-  <p:cSld>
-    <p:spTree>
-      <p:nvGrpSpPr>
-        <p:cNvPr id="1" name=""/>
-        <p:cNvGrpSpPr/>
-        <p:nvPr/>
-      </p:nvGrpSpPr>
-      <p:grpSpPr>
-        <a:xfrm>
-          <a:off x="0" y="0"/>
-          <a:ext cx="0" cy="0"/>
-          <a:chOff x="0" y="0"/>
-          <a:chExt cx="0" cy="0"/>
-        </a:xfrm>
-      </p:grpSpPr>
-      <p:sp>
-        <p:nvSpPr>
-          <p:cNvPr id="2" name="Title 1">
-            <a:extLst>
-              <a:ext uri="{FF2B5EF4-FFF2-40B4-BE49-F238E27FC236}">
-                <a16:creationId xmlns:a16="http://schemas.microsoft.com/office/drawing/2014/main" id="{6EA38D7D-CC50-65DA-52B6-3A515E298C8B}"/>
-              </a:ext>
-            </a:extLst>
-          </p:cNvPr>
-          <p:cNvSpPr>
-            <a:spLocks noGrp="1"/>
-          </p:cNvSpPr>
-          <p:nvPr>
-            <p:ph type="title"/>
-          </p:nvPr>
-        </p:nvSpPr>
-        <p:spPr>
-          <a:xfrm>
             <a:off x="300816" y="252933"/>
             <a:ext cx="8596668" cy="1320800"/>
           </a:xfrm>
@@ -8045,7 +7066,7 @@
 </p:sld>
 </file>
 
-<file path=ppt/slides/slide12.xml><?xml version="1.0" encoding="utf-8"?>
+<file path=ppt/slides/slide11.xml><?xml version="1.0" encoding="utf-8"?>
 <p:sld xmlns:a="http://schemas.openxmlformats.org/drawingml/2006/main" xmlns:r="http://schemas.openxmlformats.org/officeDocument/2006/relationships" xmlns:p="http://schemas.openxmlformats.org/presentationml/2006/main">
   <p:cSld>
     <p:spTree>
@@ -8581,7 +7602,7 @@
 </p:sld>
 </file>
 
-<file path=ppt/slides/slide13.xml><?xml version="1.0" encoding="utf-8"?>
+<file path=ppt/slides/slide12.xml><?xml version="1.0" encoding="utf-8"?>
 <p:sld xmlns:a="http://schemas.openxmlformats.org/drawingml/2006/main" xmlns:r="http://schemas.openxmlformats.org/officeDocument/2006/relationships" xmlns:p="http://schemas.openxmlformats.org/presentationml/2006/main">
   <p:cSld>
     <p:spTree>
@@ -8868,7 +7889,7 @@
 </p:sld>
 </file>
 
-<file path=ppt/slides/slide14.xml><?xml version="1.0" encoding="utf-8"?>
+<file path=ppt/slides/slide13.xml><?xml version="1.0" encoding="utf-8"?>
 <p:sld xmlns:a="http://schemas.openxmlformats.org/drawingml/2006/main" xmlns:r="http://schemas.openxmlformats.org/officeDocument/2006/relationships" xmlns:p="http://schemas.openxmlformats.org/presentationml/2006/main">
   <p:cSld>
     <p:spTree>
@@ -9910,7 +8931,7 @@
 </p:sld>
 </file>
 
-<file path=ppt/slides/slide15.xml><?xml version="1.0" encoding="utf-8"?>
+<file path=ppt/slides/slide14.xml><?xml version="1.0" encoding="utf-8"?>
 <p:sld xmlns:a="http://schemas.openxmlformats.org/drawingml/2006/main" xmlns:r="http://schemas.openxmlformats.org/officeDocument/2006/relationships" xmlns:p="http://schemas.openxmlformats.org/presentationml/2006/main">
   <p:cSld>
     <p:spTree>
@@ -10905,7 +9926,7 @@
 </p:sld>
 </file>
 
-<file path=ppt/slides/slide16.xml><?xml version="1.0" encoding="utf-8"?>
+<file path=ppt/slides/slide15.xml><?xml version="1.0" encoding="utf-8"?>
 <p:sld xmlns:a="http://schemas.openxmlformats.org/drawingml/2006/main" xmlns:r="http://schemas.openxmlformats.org/officeDocument/2006/relationships" xmlns:p="http://schemas.openxmlformats.org/presentationml/2006/main">
   <p:cSld>
     <p:spTree>
@@ -11288,7 +10309,7 @@
 </p:sld>
 </file>
 
-<file path=ppt/slides/slide17.xml><?xml version="1.0" encoding="utf-8"?>
+<file path=ppt/slides/slide16.xml><?xml version="1.0" encoding="utf-8"?>
 <p:sld xmlns:a="http://schemas.openxmlformats.org/drawingml/2006/main" xmlns:r="http://schemas.openxmlformats.org/officeDocument/2006/relationships" xmlns:p="http://schemas.openxmlformats.org/presentationml/2006/main">
   <p:cSld>
     <p:spTree>
@@ -11960,7 +10981,7 @@
 </p:sld>
 </file>
 
-<file path=ppt/slides/slide18.xml><?xml version="1.0" encoding="utf-8"?>
+<file path=ppt/slides/slide17.xml><?xml version="1.0" encoding="utf-8"?>
 <p:sld xmlns:a="http://schemas.openxmlformats.org/drawingml/2006/main" xmlns:r="http://schemas.openxmlformats.org/officeDocument/2006/relationships" xmlns:p="http://schemas.openxmlformats.org/presentationml/2006/main">
   <p:cSld>
     <p:spTree>
@@ -12215,7 +11236,7 @@
 </p:sld>
 </file>
 
-<file path=ppt/slides/slide19.xml><?xml version="1.0" encoding="utf-8"?>
+<file path=ppt/slides/slide18.xml><?xml version="1.0" encoding="utf-8"?>
 <p:sld xmlns:a="http://schemas.openxmlformats.org/drawingml/2006/main" xmlns:r="http://schemas.openxmlformats.org/officeDocument/2006/relationships" xmlns:p="http://schemas.openxmlformats.org/presentationml/2006/main">
   <p:cSld>
     <p:spTree>
@@ -13560,285 +12581,7 @@
 </p:sld>
 </file>
 
-<file path=ppt/slides/slide2.xml><?xml version="1.0" encoding="utf-8"?>
-<p:sld xmlns:a="http://schemas.openxmlformats.org/drawingml/2006/main" xmlns:r="http://schemas.openxmlformats.org/officeDocument/2006/relationships" xmlns:p="http://schemas.openxmlformats.org/presentationml/2006/main">
-  <p:cSld>
-    <p:spTree>
-      <p:nvGrpSpPr>
-        <p:cNvPr id="1" name=""/>
-        <p:cNvGrpSpPr/>
-        <p:nvPr/>
-      </p:nvGrpSpPr>
-      <p:grpSpPr>
-        <a:xfrm>
-          <a:off x="0" y="0"/>
-          <a:ext cx="0" cy="0"/>
-          <a:chOff x="0" y="0"/>
-          <a:chExt cx="0" cy="0"/>
-        </a:xfrm>
-      </p:grpSpPr>
-      <p:sp>
-        <p:nvSpPr>
-          <p:cNvPr id="5" name="Title 4">
-            <a:extLst>
-              <a:ext uri="{FF2B5EF4-FFF2-40B4-BE49-F238E27FC236}">
-                <a16:creationId xmlns:a16="http://schemas.microsoft.com/office/drawing/2014/main" id="{AA2E1C82-D738-324F-25F4-B2479E30D30F}"/>
-              </a:ext>
-            </a:extLst>
-          </p:cNvPr>
-          <p:cNvSpPr>
-            <a:spLocks noGrp="1"/>
-          </p:cNvSpPr>
-          <p:nvPr>
-            <p:ph type="title"/>
-          </p:nvPr>
-        </p:nvSpPr>
-        <p:spPr>
-          <a:xfrm>
-            <a:off x="602689" y="857249"/>
-            <a:ext cx="3854528" cy="1278466"/>
-          </a:xfrm>
-        </p:spPr>
-        <p:txBody>
-          <a:bodyPr>
-            <a:normAutofit/>
-          </a:bodyPr>
-          <a:lstStyle/>
-          <a:p>
-            <a:r>
-              <a:rPr lang="it-IT" sz="2400" dirty="0"/>
-              <a:t>General information </a:t>
-            </a:r>
-            <a:r>
-              <a:rPr lang="it-IT" sz="2400" dirty="0" err="1"/>
-              <a:t>about</a:t>
-            </a:r>
-            <a:r>
-              <a:rPr lang="it-IT" sz="2400" dirty="0"/>
-              <a:t> Smart </a:t>
-            </a:r>
-            <a:r>
-              <a:rPr lang="it-IT" sz="2400" dirty="0" err="1"/>
-              <a:t>Battery</a:t>
-            </a:r>
-            <a:r>
-              <a:rPr lang="it-IT" sz="2400" dirty="0"/>
-              <a:t> </a:t>
-            </a:r>
-            <a:r>
-              <a:rPr lang="it-IT" sz="2400" dirty="0" err="1"/>
-              <a:t>Charger</a:t>
-            </a:r>
-            <a:r>
-              <a:rPr lang="it-IT" sz="2400" dirty="0"/>
-              <a:t> </a:t>
-            </a:r>
-            <a:r>
-              <a:rPr lang="it-IT" sz="2400" dirty="0" err="1"/>
-              <a:t>application</a:t>
-            </a:r>
-            <a:endParaRPr lang="it-IT" sz="2400" dirty="0"/>
-          </a:p>
-        </p:txBody>
-      </p:sp>
-      <p:sp>
-        <p:nvSpPr>
-          <p:cNvPr id="6" name="Content Placeholder 5">
-            <a:extLst>
-              <a:ext uri="{FF2B5EF4-FFF2-40B4-BE49-F238E27FC236}">
-                <a16:creationId xmlns:a16="http://schemas.microsoft.com/office/drawing/2014/main" id="{7EFB8637-4CE8-38AB-A43C-5B5D9BCEF858}"/>
-              </a:ext>
-            </a:extLst>
-          </p:cNvPr>
-          <p:cNvSpPr>
-            <a:spLocks noGrp="1"/>
-          </p:cNvSpPr>
-          <p:nvPr>
-            <p:ph idx="1"/>
-          </p:nvPr>
-        </p:nvSpPr>
-        <p:spPr/>
-        <p:txBody>
-          <a:bodyPr>
-            <a:normAutofit fontScale="85000" lnSpcReduction="20000"/>
-          </a:bodyPr>
-          <a:lstStyle/>
-          <a:p>
-            <a:r>
-              <a:rPr lang="it-IT" b="1" dirty="0" err="1"/>
-              <a:t>Objective</a:t>
-            </a:r>
-            <a:r>
-              <a:rPr lang="it-IT" b="1" dirty="0"/>
-              <a:t>: </a:t>
-            </a:r>
-          </a:p>
-          <a:p>
-            <a:pPr marL="0" indent="0">
-              <a:buNone/>
-            </a:pPr>
-            <a:r>
-              <a:rPr lang="fi-FI" sz="1800" dirty="0">
-                <a:effectLst/>
-                <a:ea typeface="Arial" panose="020B0604020202020204" pitchFamily="34" charset="0"/>
-              </a:rPr>
-              <a:t>Electric vehicles are going to dominate the transport sector in the near future, but at the same time, currently, the power used to charge them is mostly produced by burning fossil fuels. This will lead to an unsustainable scenario if actions are not taken to smoothen the transition towards electric vehicles. Under the outlined point of view, this report presents a solution that has the potential to mitigate the inconveniences related to a massive diffusion of electric vehicles, that are overloading the grid power demand, long charging times, etc..</a:t>
-            </a:r>
-          </a:p>
-          <a:p>
-            <a:r>
-              <a:rPr lang="it-IT" b="1" dirty="0" err="1"/>
-              <a:t>Main</a:t>
-            </a:r>
-            <a:r>
-              <a:rPr lang="it-IT" b="1" dirty="0"/>
-              <a:t> </a:t>
-            </a:r>
-            <a:r>
-              <a:rPr lang="it-IT" b="1" dirty="0" err="1"/>
-              <a:t>characteristics</a:t>
-            </a:r>
-            <a:r>
-              <a:rPr lang="it-IT" b="1" dirty="0"/>
-              <a:t>: </a:t>
-            </a:r>
-            <a:r>
-              <a:rPr lang="fi-FI" sz="1800" b="1" dirty="0">
-                <a:effectLst/>
-                <a:ea typeface="Arial" panose="020B0604020202020204" pitchFamily="34" charset="0"/>
-              </a:rPr>
-              <a:t> </a:t>
-            </a:r>
-          </a:p>
-          <a:p>
-            <a:pPr marL="0" indent="0">
-              <a:buNone/>
-            </a:pPr>
-            <a:r>
-              <a:rPr lang="fi-FI" dirty="0"/>
-              <a:t>-  </a:t>
-            </a:r>
-            <a:r>
-              <a:rPr lang="fi-FI" sz="1800" dirty="0">
-                <a:effectLst/>
-                <a:ea typeface="Arial" panose="020B0604020202020204" pitchFamily="34" charset="0"/>
-              </a:rPr>
-              <a:t>remote control of appliances.</a:t>
-            </a:r>
-            <a:endParaRPr lang="fi-FI" dirty="0"/>
-          </a:p>
-          <a:p>
-            <a:pPr marL="0" indent="0">
-              <a:buNone/>
-            </a:pPr>
-            <a:r>
-              <a:rPr lang="it-IT" dirty="0"/>
-              <a:t>- </a:t>
-            </a:r>
-            <a:r>
-              <a:rPr lang="fi-FI" sz="1800" dirty="0">
-                <a:effectLst/>
-                <a:ea typeface="Arial" panose="020B0604020202020204" pitchFamily="34" charset="0"/>
-              </a:rPr>
-              <a:t>control strategies to minimise energy cost.</a:t>
-            </a:r>
-            <a:endParaRPr lang="it-IT" dirty="0"/>
-          </a:p>
-          <a:p>
-            <a:pPr marL="0" indent="0">
-              <a:buNone/>
-            </a:pPr>
-            <a:r>
-              <a:rPr lang="it-IT" dirty="0"/>
-              <a:t>- </a:t>
-            </a:r>
-            <a:r>
-              <a:rPr lang="fi-FI" sz="1800" dirty="0">
-                <a:effectLst/>
-                <a:ea typeface="Arial" panose="020B0604020202020204" pitchFamily="34" charset="0"/>
-              </a:rPr>
-              <a:t>end-user application for energy-awareness.</a:t>
-            </a:r>
-            <a:endParaRPr lang="it-IT" sz="1800" dirty="0">
-              <a:effectLst/>
-              <a:ea typeface="Arial" panose="020B0604020202020204" pitchFamily="34" charset="0"/>
-            </a:endParaRPr>
-          </a:p>
-          <a:p>
-            <a:pPr marL="0" indent="0">
-              <a:buNone/>
-            </a:pPr>
-            <a:r>
-              <a:rPr lang="it-IT" dirty="0"/>
-              <a:t>- </a:t>
-            </a:r>
-            <a:r>
-              <a:rPr lang="fi-FI" sz="1800" dirty="0">
-                <a:effectLst/>
-                <a:ea typeface="Arial" panose="020B0604020202020204" pitchFamily="34" charset="0"/>
-              </a:rPr>
-              <a:t>end-user application for battery autonomy. </a:t>
-            </a:r>
-            <a:endParaRPr lang="it-IT" dirty="0"/>
-          </a:p>
-          <a:p>
-            <a:pPr marL="0" indent="0">
-              <a:buNone/>
-            </a:pPr>
-            <a:r>
-              <a:rPr lang="it-IT" dirty="0"/>
-              <a:t>- </a:t>
-            </a:r>
-            <a:r>
-              <a:rPr lang="fi-FI" sz="1800" dirty="0">
-                <a:effectLst/>
-                <a:ea typeface="Arial" panose="020B0604020202020204" pitchFamily="34" charset="0"/>
-              </a:rPr>
-              <a:t>unified interfaces (i.e. REST Web Services and MQTT queues) available to enable Demand/Response.</a:t>
-            </a:r>
-            <a:endParaRPr lang="it-IT" dirty="0"/>
-          </a:p>
-          <a:p>
-            <a:r>
-              <a:rPr lang="it-IT" dirty="0"/>
-              <a:t>Stakeholders: </a:t>
-            </a:r>
-          </a:p>
-          <a:p>
-            <a:pPr marL="0" indent="0">
-              <a:buNone/>
-            </a:pPr>
-            <a:r>
-              <a:rPr lang="fi-FI" sz="1800" dirty="0">
-                <a:effectLst/>
-                <a:ea typeface="Arial" panose="020B0604020202020204" pitchFamily="34" charset="0"/>
-              </a:rPr>
-              <a:t>Smart Automotive, Smart grid, Smart Building</a:t>
-            </a:r>
-            <a:endParaRPr lang="it-IT" dirty="0"/>
-          </a:p>
-          <a:p>
-            <a:endParaRPr lang="it-IT" dirty="0"/>
-          </a:p>
-          <a:p>
-            <a:endParaRPr lang="it-IT" dirty="0"/>
-          </a:p>
-        </p:txBody>
-      </p:sp>
-    </p:spTree>
-    <p:extLst>
-      <p:ext uri="{BB962C8B-B14F-4D97-AF65-F5344CB8AC3E}">
-        <p14:creationId xmlns:p14="http://schemas.microsoft.com/office/powerpoint/2010/main" val="785049809"/>
-      </p:ext>
-    </p:extLst>
-  </p:cSld>
-  <p:clrMapOvr>
-    <a:masterClrMapping/>
-  </p:clrMapOvr>
-</p:sld>
-</file>
-
-<file path=ppt/slides/slide20.xml><?xml version="1.0" encoding="utf-8"?>
+<file path=ppt/slides/slide19.xml><?xml version="1.0" encoding="utf-8"?>
 <p:sld xmlns:a="http://schemas.openxmlformats.org/drawingml/2006/main" xmlns:r="http://schemas.openxmlformats.org/officeDocument/2006/relationships" xmlns:p="http://schemas.openxmlformats.org/presentationml/2006/main">
   <p:cSld>
     <p:spTree>
@@ -14278,7 +13021,410 @@
 </p:sld>
 </file>
 
-<file path=ppt/slides/slide21.xml><?xml version="1.0" encoding="utf-8"?>
+<file path=ppt/slides/slide2.xml><?xml version="1.0" encoding="utf-8"?>
+<p:sld xmlns:a="http://schemas.openxmlformats.org/drawingml/2006/main" xmlns:r="http://schemas.openxmlformats.org/officeDocument/2006/relationships" xmlns:p="http://schemas.openxmlformats.org/presentationml/2006/main">
+  <p:cSld>
+    <p:spTree>
+      <p:nvGrpSpPr>
+        <p:cNvPr id="1" name=""/>
+        <p:cNvGrpSpPr/>
+        <p:nvPr/>
+      </p:nvGrpSpPr>
+      <p:grpSpPr>
+        <a:xfrm>
+          <a:off x="0" y="0"/>
+          <a:ext cx="0" cy="0"/>
+          <a:chOff x="0" y="0"/>
+          <a:chExt cx="0" cy="0"/>
+        </a:xfrm>
+      </p:grpSpPr>
+      <p:sp>
+        <p:nvSpPr>
+          <p:cNvPr id="5" name="Title 4">
+            <a:extLst>
+              <a:ext uri="{FF2B5EF4-FFF2-40B4-BE49-F238E27FC236}">
+                <a16:creationId xmlns:a16="http://schemas.microsoft.com/office/drawing/2014/main" id="{AA2E1C82-D738-324F-25F4-B2479E30D30F}"/>
+              </a:ext>
+            </a:extLst>
+          </p:cNvPr>
+          <p:cNvSpPr>
+            <a:spLocks noGrp="1"/>
+          </p:cNvSpPr>
+          <p:nvPr>
+            <p:ph type="title"/>
+          </p:nvPr>
+        </p:nvSpPr>
+        <p:spPr>
+          <a:xfrm>
+            <a:off x="432360" y="514924"/>
+            <a:ext cx="3854528" cy="1278466"/>
+          </a:xfrm>
+        </p:spPr>
+        <p:txBody>
+          <a:bodyPr>
+            <a:normAutofit/>
+          </a:bodyPr>
+          <a:lstStyle/>
+          <a:p>
+            <a:r>
+              <a:rPr lang="it-IT" sz="2400" dirty="0"/>
+              <a:t>General information </a:t>
+            </a:r>
+            <a:r>
+              <a:rPr lang="it-IT" sz="2400" dirty="0" err="1"/>
+              <a:t>about</a:t>
+            </a:r>
+            <a:r>
+              <a:rPr lang="it-IT" sz="2400" dirty="0"/>
+              <a:t> Smart </a:t>
+            </a:r>
+            <a:r>
+              <a:rPr lang="it-IT" sz="2400" dirty="0" err="1"/>
+              <a:t>Battery</a:t>
+            </a:r>
+            <a:r>
+              <a:rPr lang="it-IT" sz="2400" dirty="0"/>
+              <a:t> </a:t>
+            </a:r>
+            <a:r>
+              <a:rPr lang="it-IT" sz="2400" dirty="0" err="1"/>
+              <a:t>Charger</a:t>
+            </a:r>
+            <a:r>
+              <a:rPr lang="it-IT" sz="2400" dirty="0"/>
+              <a:t> </a:t>
+            </a:r>
+            <a:r>
+              <a:rPr lang="it-IT" sz="2400" dirty="0" err="1"/>
+              <a:t>application</a:t>
+            </a:r>
+            <a:endParaRPr lang="it-IT" sz="2400" dirty="0"/>
+          </a:p>
+        </p:txBody>
+      </p:sp>
+      <p:sp>
+        <p:nvSpPr>
+          <p:cNvPr id="6" name="Content Placeholder 5">
+            <a:extLst>
+              <a:ext uri="{FF2B5EF4-FFF2-40B4-BE49-F238E27FC236}">
+                <a16:creationId xmlns:a16="http://schemas.microsoft.com/office/drawing/2014/main" id="{7EFB8637-4CE8-38AB-A43C-5B5D9BCEF858}"/>
+              </a:ext>
+            </a:extLst>
+          </p:cNvPr>
+          <p:cNvSpPr>
+            <a:spLocks noGrp="1"/>
+          </p:cNvSpPr>
+          <p:nvPr>
+            <p:ph idx="1"/>
+          </p:nvPr>
+        </p:nvSpPr>
+        <p:spPr>
+          <a:xfrm>
+            <a:off x="4966649" y="536789"/>
+            <a:ext cx="4513541" cy="5526437"/>
+          </a:xfrm>
+        </p:spPr>
+        <p:txBody>
+          <a:bodyPr>
+            <a:normAutofit fontScale="85000" lnSpcReduction="20000"/>
+          </a:bodyPr>
+          <a:lstStyle/>
+          <a:p>
+            <a:r>
+              <a:rPr lang="it-IT" b="1" dirty="0" err="1"/>
+              <a:t>Objective</a:t>
+            </a:r>
+            <a:r>
+              <a:rPr lang="it-IT" b="1" dirty="0"/>
+              <a:t>: </a:t>
+            </a:r>
+          </a:p>
+          <a:p>
+            <a:pPr marL="0" indent="0">
+              <a:buNone/>
+            </a:pPr>
+            <a:r>
+              <a:rPr lang="fi-FI" sz="1800" dirty="0">
+                <a:effectLst/>
+                <a:ea typeface="Arial" panose="020B0604020202020204" pitchFamily="34" charset="0"/>
+              </a:rPr>
+              <a:t>Electric vehicles are going to dominate the transport sector in the near future, but at the same time, currently, the power used to charge them is mostly produced by burning fossil fuels. This will lead to an unsustainable scenario if actions are not taken to smoothen the transition towards electric vehicles. Under the outlined point of view, this report presents a solution that has the potential to mitigate the inconveniences related to a massive diffusion of electric vehicles, that are overloading the grid power demand, long charging times, etc..</a:t>
+            </a:r>
+          </a:p>
+          <a:p>
+            <a:r>
+              <a:rPr lang="it-IT" b="1" dirty="0" err="1"/>
+              <a:t>Main</a:t>
+            </a:r>
+            <a:r>
+              <a:rPr lang="it-IT" b="1" dirty="0"/>
+              <a:t> </a:t>
+            </a:r>
+            <a:r>
+              <a:rPr lang="it-IT" b="1" dirty="0" err="1"/>
+              <a:t>characteristics</a:t>
+            </a:r>
+            <a:r>
+              <a:rPr lang="it-IT" b="1" dirty="0"/>
+              <a:t>: </a:t>
+            </a:r>
+            <a:r>
+              <a:rPr lang="fi-FI" sz="1800" b="1" dirty="0">
+                <a:effectLst/>
+                <a:ea typeface="Arial" panose="020B0604020202020204" pitchFamily="34" charset="0"/>
+              </a:rPr>
+              <a:t> </a:t>
+            </a:r>
+          </a:p>
+          <a:p>
+            <a:pPr marL="0" indent="0">
+              <a:buNone/>
+            </a:pPr>
+            <a:r>
+              <a:rPr lang="fi-FI" dirty="0"/>
+              <a:t>-  </a:t>
+            </a:r>
+            <a:r>
+              <a:rPr lang="fi-FI" sz="1800" dirty="0">
+                <a:effectLst/>
+                <a:ea typeface="Arial" panose="020B0604020202020204" pitchFamily="34" charset="0"/>
+              </a:rPr>
+              <a:t>remote control of appliances.</a:t>
+            </a:r>
+            <a:endParaRPr lang="fi-FI" dirty="0"/>
+          </a:p>
+          <a:p>
+            <a:pPr marL="0" indent="0">
+              <a:buNone/>
+            </a:pPr>
+            <a:r>
+              <a:rPr lang="it-IT" dirty="0"/>
+              <a:t>- </a:t>
+            </a:r>
+            <a:r>
+              <a:rPr lang="fi-FI" sz="1800" dirty="0">
+                <a:effectLst/>
+                <a:ea typeface="Arial" panose="020B0604020202020204" pitchFamily="34" charset="0"/>
+              </a:rPr>
+              <a:t>control strategies to minimise energy cost.</a:t>
+            </a:r>
+            <a:endParaRPr lang="it-IT" dirty="0"/>
+          </a:p>
+          <a:p>
+            <a:pPr marL="0" indent="0">
+              <a:buNone/>
+            </a:pPr>
+            <a:r>
+              <a:rPr lang="it-IT" dirty="0"/>
+              <a:t>- </a:t>
+            </a:r>
+            <a:r>
+              <a:rPr lang="fi-FI" sz="1800" dirty="0">
+                <a:effectLst/>
+                <a:ea typeface="Arial" panose="020B0604020202020204" pitchFamily="34" charset="0"/>
+              </a:rPr>
+              <a:t>end-user application for energy-awareness.</a:t>
+            </a:r>
+            <a:endParaRPr lang="it-IT" sz="1800" dirty="0">
+              <a:effectLst/>
+              <a:ea typeface="Arial" panose="020B0604020202020204" pitchFamily="34" charset="0"/>
+            </a:endParaRPr>
+          </a:p>
+          <a:p>
+            <a:pPr marL="0" indent="0">
+              <a:buNone/>
+            </a:pPr>
+            <a:r>
+              <a:rPr lang="it-IT" dirty="0"/>
+              <a:t>- </a:t>
+            </a:r>
+            <a:r>
+              <a:rPr lang="fi-FI" sz="1800" dirty="0">
+                <a:effectLst/>
+                <a:ea typeface="Arial" panose="020B0604020202020204" pitchFamily="34" charset="0"/>
+              </a:rPr>
+              <a:t>end-user application for battery autonomy. </a:t>
+            </a:r>
+            <a:endParaRPr lang="it-IT" dirty="0"/>
+          </a:p>
+          <a:p>
+            <a:pPr marL="0" indent="0">
+              <a:buNone/>
+            </a:pPr>
+            <a:r>
+              <a:rPr lang="it-IT" dirty="0"/>
+              <a:t>- </a:t>
+            </a:r>
+            <a:r>
+              <a:rPr lang="fi-FI" sz="1800" dirty="0">
+                <a:effectLst/>
+                <a:ea typeface="Arial" panose="020B0604020202020204" pitchFamily="34" charset="0"/>
+              </a:rPr>
+              <a:t>unified interfaces (i.e. REST Web Services and MQTT queues) available to enable Demand/Response.</a:t>
+            </a:r>
+            <a:endParaRPr lang="it-IT" dirty="0"/>
+          </a:p>
+          <a:p>
+            <a:r>
+              <a:rPr lang="it-IT" dirty="0"/>
+              <a:t>Stakeholders: </a:t>
+            </a:r>
+          </a:p>
+          <a:p>
+            <a:pPr marL="0" indent="0">
+              <a:buNone/>
+            </a:pPr>
+            <a:r>
+              <a:rPr lang="fi-FI" sz="1800" dirty="0">
+                <a:effectLst/>
+                <a:ea typeface="Arial" panose="020B0604020202020204" pitchFamily="34" charset="0"/>
+              </a:rPr>
+              <a:t>Smart Automotive, Smart grid, Smart Building</a:t>
+            </a:r>
+            <a:endParaRPr lang="it-IT" dirty="0"/>
+          </a:p>
+          <a:p>
+            <a:endParaRPr lang="it-IT" dirty="0"/>
+          </a:p>
+          <a:p>
+            <a:endParaRPr lang="it-IT" dirty="0"/>
+          </a:p>
+        </p:txBody>
+      </p:sp>
+      <p:pic>
+        <p:nvPicPr>
+          <p:cNvPr id="2" name="Picture 1">
+            <a:extLst>
+              <a:ext uri="{FF2B5EF4-FFF2-40B4-BE49-F238E27FC236}">
+                <a16:creationId xmlns:a16="http://schemas.microsoft.com/office/drawing/2014/main" id="{E92F3C19-69A3-4096-8022-1E2EDA70B59B}"/>
+              </a:ext>
+            </a:extLst>
+          </p:cNvPr>
+          <p:cNvPicPr>
+            <a:picLocks noChangeAspect="1"/>
+          </p:cNvPicPr>
+          <p:nvPr/>
+        </p:nvPicPr>
+        <p:blipFill>
+          <a:blip r:embed="rId2"/>
+          <a:stretch>
+            <a:fillRect/>
+          </a:stretch>
+        </p:blipFill>
+        <p:spPr>
+          <a:xfrm>
+            <a:off x="228507" y="2271292"/>
+            <a:ext cx="4069104" cy="2315416"/>
+          </a:xfrm>
+          <a:prstGeom prst="rect">
+            <a:avLst/>
+          </a:prstGeom>
+        </p:spPr>
+      </p:pic>
+      <p:pic>
+        <p:nvPicPr>
+          <p:cNvPr id="3" name="Picture 2">
+            <a:extLst>
+              <a:ext uri="{FF2B5EF4-FFF2-40B4-BE49-F238E27FC236}">
+                <a16:creationId xmlns:a16="http://schemas.microsoft.com/office/drawing/2014/main" id="{B5CF0E76-0858-49AA-B24A-D1532D334BFF}"/>
+              </a:ext>
+            </a:extLst>
+          </p:cNvPr>
+          <p:cNvPicPr>
+            <a:picLocks noChangeAspect="1"/>
+          </p:cNvPicPr>
+          <p:nvPr/>
+        </p:nvPicPr>
+        <p:blipFill>
+          <a:blip r:embed="rId3"/>
+          <a:stretch>
+            <a:fillRect/>
+          </a:stretch>
+        </p:blipFill>
+        <p:spPr>
+          <a:xfrm>
+            <a:off x="2359624" y="4259077"/>
+            <a:ext cx="2405532" cy="1804149"/>
+          </a:xfrm>
+          <a:prstGeom prst="rect">
+            <a:avLst/>
+          </a:prstGeom>
+          <a:solidFill>
+            <a:srgbClr val="FFFFFF">
+              <a:shade val="85000"/>
+            </a:srgbClr>
+          </a:solidFill>
+          <a:ln w="88900" cap="sq">
+            <a:solidFill>
+              <a:srgbClr val="FFFFFF"/>
+            </a:solidFill>
+            <a:miter lim="800000"/>
+          </a:ln>
+          <a:effectLst>
+            <a:outerShdw blurRad="55000" dist="18000" dir="5400000" algn="tl" rotWithShape="0">
+              <a:srgbClr val="000000">
+                <a:alpha val="40000"/>
+              </a:srgbClr>
+            </a:outerShdw>
+          </a:effectLst>
+          <a:scene3d>
+            <a:camera prst="orthographicFront"/>
+            <a:lightRig rig="twoPt" dir="t">
+              <a:rot lat="0" lon="0" rev="7200000"/>
+            </a:lightRig>
+          </a:scene3d>
+          <a:sp3d>
+            <a:bevelT w="25400" h="19050"/>
+            <a:contourClr>
+              <a:srgbClr val="FFFFFF"/>
+            </a:contourClr>
+          </a:sp3d>
+        </p:spPr>
+      </p:pic>
+      <p:pic>
+        <p:nvPicPr>
+          <p:cNvPr id="4" name="Picture 3">
+            <a:extLst>
+              <a:ext uri="{FF2B5EF4-FFF2-40B4-BE49-F238E27FC236}">
+                <a16:creationId xmlns:a16="http://schemas.microsoft.com/office/drawing/2014/main" id="{78ED6888-53A5-4507-9687-30C8CCF35C2E}"/>
+              </a:ext>
+            </a:extLst>
+          </p:cNvPr>
+          <p:cNvPicPr>
+            <a:picLocks noChangeAspect="1"/>
+          </p:cNvPicPr>
+          <p:nvPr/>
+        </p:nvPicPr>
+        <p:blipFill>
+          <a:blip r:embed="rId4"/>
+          <a:stretch>
+            <a:fillRect/>
+          </a:stretch>
+        </p:blipFill>
+        <p:spPr>
+          <a:xfrm>
+            <a:off x="74967" y="4780416"/>
+            <a:ext cx="2083164" cy="1351443"/>
+          </a:xfrm>
+          <a:prstGeom prst="rect">
+            <a:avLst/>
+          </a:prstGeom>
+        </p:spPr>
+      </p:pic>
+    </p:spTree>
+    <p:extLst>
+      <p:ext uri="{BB962C8B-B14F-4D97-AF65-F5344CB8AC3E}">
+        <p14:creationId xmlns:p14="http://schemas.microsoft.com/office/powerpoint/2010/main" val="785049809"/>
+      </p:ext>
+    </p:extLst>
+  </p:cSld>
+  <p:clrMapOvr>
+    <a:masterClrMapping/>
+  </p:clrMapOvr>
+</p:sld>
+</file>
+
+<file path=ppt/slides/slide20.xml><?xml version="1.0" encoding="utf-8"?>
 <p:sld xmlns:a="http://schemas.openxmlformats.org/drawingml/2006/main" xmlns:r="http://schemas.openxmlformats.org/officeDocument/2006/relationships" xmlns:p="http://schemas.openxmlformats.org/presentationml/2006/main">
   <p:cSld>
     <p:spTree>
@@ -15398,7 +14544,7 @@
 </p:sld>
 </file>
 
-<file path=ppt/slides/slide22.xml><?xml version="1.0" encoding="utf-8"?>
+<file path=ppt/slides/slide21.xml><?xml version="1.0" encoding="utf-8"?>
 <p:sld xmlns:a="http://schemas.openxmlformats.org/drawingml/2006/main" xmlns:r="http://schemas.openxmlformats.org/officeDocument/2006/relationships" xmlns:p="http://schemas.openxmlformats.org/presentationml/2006/main">
   <p:cSld>
     <p:spTree>
@@ -16523,7 +15669,7 @@
 </p:sld>
 </file>
 
-<file path=ppt/slides/slide23.xml><?xml version="1.0" encoding="utf-8"?>
+<file path=ppt/slides/slide22.xml><?xml version="1.0" encoding="utf-8"?>
 <p:sld xmlns:a="http://schemas.openxmlformats.org/drawingml/2006/main" xmlns:r="http://schemas.openxmlformats.org/officeDocument/2006/relationships" xmlns:p="http://schemas.openxmlformats.org/presentationml/2006/main">
   <p:cSld>
     <p:spTree>
@@ -18009,7 +17155,7 @@
 </p:sld>
 </file>
 
-<file path=ppt/slides/slide24.xml><?xml version="1.0" encoding="utf-8"?>
+<file path=ppt/slides/slide23.xml><?xml version="1.0" encoding="utf-8"?>
 <p:sld xmlns:a="http://schemas.openxmlformats.org/drawingml/2006/main" xmlns:r="http://schemas.openxmlformats.org/officeDocument/2006/relationships" xmlns:p="http://schemas.openxmlformats.org/presentationml/2006/main">
   <p:cSld>
     <p:spTree>
@@ -18921,7 +18067,7 @@
 </p:sld>
 </file>
 
-<file path=ppt/slides/slide25.xml><?xml version="1.0" encoding="utf-8"?>
+<file path=ppt/slides/slide24.xml><?xml version="1.0" encoding="utf-8"?>
 <p:sld xmlns:a="http://schemas.openxmlformats.org/drawingml/2006/main" xmlns:r="http://schemas.openxmlformats.org/officeDocument/2006/relationships" xmlns:p="http://schemas.openxmlformats.org/presentationml/2006/main">
   <p:cSld>
     <p:spTree>
@@ -18962,28 +18108,1451 @@
             <a:pPr algn="ctr"/>
             <a:r>
               <a:rPr lang="it-IT" dirty="0"/>
-              <a:t>Data </a:t>
+              <a:t>Data Analysis</a:t>
+            </a:r>
+          </a:p>
+        </p:txBody>
+      </p:sp>
+      <p:sp>
+        <p:nvSpPr>
+          <p:cNvPr id="3" name="CasellaDiTesto 2">
+            <a:extLst>
+              <a:ext uri="{FF2B5EF4-FFF2-40B4-BE49-F238E27FC236}">
+                <a16:creationId xmlns:a16="http://schemas.microsoft.com/office/drawing/2014/main" id="{F529D1BE-3A93-1F89-955C-42BDCA2F5B85}"/>
+              </a:ext>
+            </a:extLst>
+          </p:cNvPr>
+          <p:cNvSpPr txBox="1"/>
+          <p:nvPr/>
+        </p:nvSpPr>
+        <p:spPr>
+          <a:xfrm>
+            <a:off x="832876" y="1554169"/>
+            <a:ext cx="8596668" cy="2267287"/>
+          </a:xfrm>
+          <a:prstGeom prst="rect">
+            <a:avLst/>
+          </a:prstGeom>
+          <a:noFill/>
+        </p:spPr>
+        <p:txBody>
+          <a:bodyPr wrap="square" rtlCol="0">
+            <a:spAutoFit/>
+          </a:bodyPr>
+          <a:lstStyle/>
+          <a:p>
+            <a:pPr algn="ctr">
+              <a:spcBef>
+                <a:spcPts val="1000"/>
+              </a:spcBef>
+            </a:pPr>
+            <a:r>
+              <a:rPr lang="it-IT" b="1" dirty="0" err="1"/>
+              <a:t>What</a:t>
+            </a:r>
+            <a:r>
+              <a:rPr lang="it-IT" b="1" dirty="0"/>
+              <a:t> </a:t>
+            </a:r>
+            <a:r>
+              <a:rPr lang="it-IT" b="1" dirty="0" err="1"/>
+              <a:t>is</a:t>
+            </a:r>
+            <a:r>
+              <a:rPr lang="it-IT" b="1" dirty="0"/>
+              <a:t> </a:t>
+            </a:r>
+            <a:r>
+              <a:rPr lang="it-IT" b="1" dirty="0" err="1"/>
+              <a:t>it</a:t>
+            </a:r>
+            <a:r>
+              <a:rPr lang="it-IT" b="1" dirty="0"/>
+              <a:t>?</a:t>
+            </a:r>
+          </a:p>
+          <a:p>
+            <a:pPr>
+              <a:spcBef>
+                <a:spcPts val="1000"/>
+              </a:spcBef>
+            </a:pPr>
+            <a:r>
+              <a:rPr lang="it-IT" dirty="0"/>
+              <a:t>Data Analysis </a:t>
             </a:r>
             <a:r>
               <a:rPr lang="it-IT" dirty="0" err="1"/>
-              <a:t>Analisys</a:t>
+              <a:t>is</a:t>
             </a:r>
             <a:r>
               <a:rPr lang="it-IT" dirty="0"/>
-              <a:t> &amp; </a:t>
+              <a:t> the </a:t>
             </a:r>
             <a:r>
               <a:rPr lang="it-IT" dirty="0" err="1"/>
+              <a:t>block</a:t>
+            </a:r>
+            <a:r>
+              <a:rPr lang="it-IT" dirty="0"/>
+              <a:t> </a:t>
+            </a:r>
+            <a:r>
+              <a:rPr lang="it-IT" dirty="0" err="1"/>
+              <a:t>which</a:t>
+            </a:r>
+            <a:r>
+              <a:rPr lang="it-IT" dirty="0"/>
+              <a:t> </a:t>
+            </a:r>
+            <a:r>
+              <a:rPr lang="it-IT" dirty="0" err="1"/>
+              <a:t>manages</a:t>
+            </a:r>
+            <a:r>
+              <a:rPr lang="it-IT" dirty="0"/>
+              <a:t> </a:t>
+            </a:r>
+            <a:r>
+              <a:rPr lang="it-IT" dirty="0" err="1"/>
+              <a:t>all</a:t>
+            </a:r>
+            <a:r>
+              <a:rPr lang="it-IT" dirty="0"/>
+              <a:t> the energy data </a:t>
+            </a:r>
+            <a:r>
+              <a:rPr lang="it-IT" dirty="0" err="1"/>
+              <a:t>provided</a:t>
+            </a:r>
+            <a:r>
+              <a:rPr lang="it-IT" dirty="0"/>
+              <a:t> by the energy </a:t>
+            </a:r>
+            <a:r>
+              <a:rPr lang="it-IT" dirty="0" err="1"/>
+              <a:t>sensors</a:t>
+            </a:r>
+            <a:r>
+              <a:rPr lang="it-IT" dirty="0"/>
+              <a:t>. Tese information </a:t>
+            </a:r>
+            <a:r>
+              <a:rPr lang="it-IT" dirty="0" err="1"/>
+              <a:t>regards</a:t>
+            </a:r>
+            <a:r>
+              <a:rPr lang="it-IT" dirty="0"/>
+              <a:t>:</a:t>
+            </a:r>
+          </a:p>
+          <a:p>
+            <a:pPr marL="285750" indent="-285750">
+              <a:spcBef>
+                <a:spcPts val="1000"/>
+              </a:spcBef>
+              <a:buFont typeface="Wingdings" panose="05000000000000000000" pitchFamily="2" charset="2"/>
+              <a:buChar char="Ø"/>
+            </a:pPr>
+            <a:r>
+              <a:rPr lang="it-IT" dirty="0"/>
+              <a:t>The </a:t>
+            </a:r>
+            <a:r>
+              <a:rPr lang="it-IT" dirty="0" err="1"/>
+              <a:t>percentage</a:t>
+            </a:r>
+            <a:r>
+              <a:rPr lang="it-IT" dirty="0"/>
+              <a:t> of the car </a:t>
+            </a:r>
+            <a:r>
+              <a:rPr lang="it-IT" dirty="0" err="1"/>
+              <a:t>battery</a:t>
+            </a:r>
+            <a:r>
+              <a:rPr lang="it-IT" dirty="0"/>
+              <a:t>;</a:t>
+            </a:r>
+          </a:p>
+          <a:p>
+            <a:pPr marL="285750" indent="-285750">
+              <a:spcBef>
+                <a:spcPts val="1000"/>
+              </a:spcBef>
+              <a:buFont typeface="Wingdings" panose="05000000000000000000" pitchFamily="2" charset="2"/>
+              <a:buChar char="Ø"/>
+            </a:pPr>
+            <a:r>
+              <a:rPr lang="it-IT" dirty="0" err="1"/>
+              <a:t>Environmental</a:t>
+            </a:r>
+            <a:r>
+              <a:rPr lang="it-IT" dirty="0"/>
+              <a:t> temperature;</a:t>
+            </a:r>
+          </a:p>
+          <a:p>
+            <a:pPr marL="285750" indent="-285750">
+              <a:spcBef>
+                <a:spcPts val="1000"/>
+              </a:spcBef>
+              <a:buFont typeface="Wingdings" panose="05000000000000000000" pitchFamily="2" charset="2"/>
+              <a:buChar char="Ø"/>
+            </a:pPr>
+            <a:r>
+              <a:rPr lang="it-IT" dirty="0" err="1"/>
+              <a:t>Photon</a:t>
+            </a:r>
+            <a:r>
+              <a:rPr lang="it-IT" dirty="0"/>
+              <a:t>.</a:t>
+            </a:r>
+          </a:p>
+        </p:txBody>
+      </p:sp>
+      <p:sp>
+        <p:nvSpPr>
+          <p:cNvPr id="37" name="CasellaDiTesto 36">
+            <a:extLst>
+              <a:ext uri="{FF2B5EF4-FFF2-40B4-BE49-F238E27FC236}">
+                <a16:creationId xmlns:a16="http://schemas.microsoft.com/office/drawing/2014/main" id="{188175DA-03D2-D5EC-D400-3F67A0C2DFF3}"/>
+              </a:ext>
+            </a:extLst>
+          </p:cNvPr>
+          <p:cNvSpPr txBox="1"/>
+          <p:nvPr/>
+        </p:nvSpPr>
+        <p:spPr>
+          <a:xfrm>
+            <a:off x="1971210" y="4365833"/>
+            <a:ext cx="6008915" cy="1882567"/>
+          </a:xfrm>
+          <a:prstGeom prst="rect">
+            <a:avLst/>
+          </a:prstGeom>
+          <a:noFill/>
+        </p:spPr>
+        <p:txBody>
+          <a:bodyPr wrap="square" rtlCol="0">
+            <a:spAutoFit/>
+          </a:bodyPr>
+          <a:lstStyle/>
+          <a:p>
+            <a:pPr algn="ctr">
+              <a:spcBef>
+                <a:spcPts val="1000"/>
+              </a:spcBef>
+            </a:pPr>
+            <a:r>
+              <a:rPr lang="it-IT" b="1" dirty="0" err="1"/>
+              <a:t>Communication</a:t>
+            </a:r>
+            <a:r>
+              <a:rPr lang="it-IT" b="1" dirty="0"/>
+              <a:t> with:</a:t>
+            </a:r>
+          </a:p>
+          <a:p>
+            <a:pPr marL="285750" indent="-285750">
+              <a:spcBef>
+                <a:spcPts val="1000"/>
+              </a:spcBef>
+              <a:buFont typeface="Wingdings" panose="05000000000000000000" pitchFamily="2" charset="2"/>
+              <a:buChar char="q"/>
+            </a:pPr>
+            <a:r>
+              <a:rPr lang="it-IT" u="sng" dirty="0" err="1"/>
+              <a:t>Sensors</a:t>
+            </a:r>
+            <a:r>
+              <a:rPr lang="it-IT" dirty="0"/>
+              <a:t>: </a:t>
+            </a:r>
+            <a:r>
+              <a:rPr lang="it-IT" dirty="0" err="1"/>
+              <a:t>using</a:t>
+            </a:r>
+            <a:r>
+              <a:rPr lang="it-IT" dirty="0"/>
+              <a:t> the MQTT </a:t>
+            </a:r>
+            <a:r>
+              <a:rPr lang="it-IT" dirty="0" err="1"/>
+              <a:t>communication</a:t>
+            </a:r>
+            <a:r>
+              <a:rPr lang="it-IT" dirty="0"/>
+              <a:t> </a:t>
+            </a:r>
+            <a:r>
+              <a:rPr lang="it-IT" dirty="0" err="1"/>
+              <a:t>protocol</a:t>
+            </a:r>
+            <a:r>
+              <a:rPr lang="it-IT" dirty="0"/>
+              <a:t>, in </a:t>
+            </a:r>
+            <a:r>
+              <a:rPr lang="it-IT" dirty="0" err="1"/>
+              <a:t>order</a:t>
+            </a:r>
+            <a:r>
+              <a:rPr lang="it-IT" dirty="0"/>
+              <a:t> to </a:t>
+            </a:r>
+            <a:r>
+              <a:rPr lang="it-IT" dirty="0" err="1"/>
+              <a:t>retrieve</a:t>
+            </a:r>
+            <a:r>
+              <a:rPr lang="it-IT" dirty="0"/>
+              <a:t> data;</a:t>
+            </a:r>
+          </a:p>
+          <a:p>
+            <a:pPr marL="285750" indent="-285750">
+              <a:buFont typeface="Wingdings" panose="05000000000000000000" pitchFamily="2" charset="2"/>
+              <a:buChar char="q"/>
+            </a:pPr>
+            <a:endParaRPr lang="it-IT" dirty="0"/>
+          </a:p>
+          <a:p>
+            <a:pPr marL="285750" indent="-285750">
+              <a:buFont typeface="Wingdings" panose="05000000000000000000" pitchFamily="2" charset="2"/>
+              <a:buChar char="q"/>
+            </a:pPr>
+            <a:r>
+              <a:rPr lang="it-IT" u="sng" dirty="0" err="1"/>
               <a:t>ThingSpeak</a:t>
             </a:r>
-            <a:endParaRPr lang="it-IT" dirty="0"/>
+            <a:r>
+              <a:rPr lang="it-IT" u="sng" dirty="0"/>
+              <a:t> Adapter</a:t>
+            </a:r>
+            <a:r>
+              <a:rPr lang="it-IT" dirty="0"/>
+              <a:t>: </a:t>
+            </a:r>
+            <a:r>
+              <a:rPr lang="it-IT" dirty="0" err="1"/>
+              <a:t>using</a:t>
+            </a:r>
+            <a:r>
+              <a:rPr lang="it-IT" dirty="0"/>
+              <a:t> REST-full </a:t>
+            </a:r>
+            <a:r>
+              <a:rPr lang="it-IT" dirty="0" err="1"/>
+              <a:t>communication</a:t>
+            </a:r>
+            <a:r>
+              <a:rPr lang="it-IT" dirty="0"/>
+              <a:t> </a:t>
+            </a:r>
+            <a:r>
+              <a:rPr lang="it-IT" dirty="0" err="1"/>
+              <a:t>protocol</a:t>
+            </a:r>
+            <a:r>
+              <a:rPr lang="it-IT" dirty="0"/>
+              <a:t>, in </a:t>
+            </a:r>
+            <a:r>
+              <a:rPr lang="it-IT" dirty="0" err="1"/>
+              <a:t>order</a:t>
+            </a:r>
+            <a:r>
+              <a:rPr lang="it-IT" dirty="0"/>
+              <a:t> to </a:t>
+            </a:r>
+            <a:r>
+              <a:rPr lang="it-IT" dirty="0" err="1"/>
+              <a:t>provide</a:t>
+            </a:r>
+            <a:r>
+              <a:rPr lang="it-IT" dirty="0"/>
+              <a:t> the </a:t>
+            </a:r>
+            <a:r>
+              <a:rPr lang="it-IT" dirty="0" err="1"/>
+              <a:t>measurements</a:t>
+            </a:r>
+            <a:r>
+              <a:rPr lang="it-IT" dirty="0"/>
+              <a:t>.</a:t>
+            </a:r>
           </a:p>
         </p:txBody>
       </p:sp>
     </p:spTree>
     <p:extLst>
       <p:ext uri="{BB962C8B-B14F-4D97-AF65-F5344CB8AC3E}">
-        <p14:creationId xmlns:p14="http://schemas.microsoft.com/office/powerpoint/2010/main" val="2452805005"/>
+        <p14:creationId xmlns:p14="http://schemas.microsoft.com/office/powerpoint/2010/main" val="1507793149"/>
+      </p:ext>
+    </p:extLst>
+  </p:cSld>
+  <p:clrMapOvr>
+    <a:masterClrMapping/>
+  </p:clrMapOvr>
+</p:sld>
+</file>
+
+<file path=ppt/slides/slide25.xml><?xml version="1.0" encoding="utf-8"?>
+<p:sld xmlns:a="http://schemas.openxmlformats.org/drawingml/2006/main" xmlns:r="http://schemas.openxmlformats.org/officeDocument/2006/relationships" xmlns:p="http://schemas.openxmlformats.org/presentationml/2006/main">
+  <p:cSld>
+    <p:spTree>
+      <p:nvGrpSpPr>
+        <p:cNvPr id="1" name=""/>
+        <p:cNvGrpSpPr/>
+        <p:nvPr/>
+      </p:nvGrpSpPr>
+      <p:grpSpPr>
+        <a:xfrm>
+          <a:off x="0" y="0"/>
+          <a:ext cx="0" cy="0"/>
+          <a:chOff x="0" y="0"/>
+          <a:chExt cx="0" cy="0"/>
+        </a:xfrm>
+      </p:grpSpPr>
+      <p:sp>
+        <p:nvSpPr>
+          <p:cNvPr id="61" name="CasellaDiTesto 60">
+            <a:extLst>
+              <a:ext uri="{FF2B5EF4-FFF2-40B4-BE49-F238E27FC236}">
+                <a16:creationId xmlns:a16="http://schemas.microsoft.com/office/drawing/2014/main" id="{D82D4751-2630-9712-CE18-2A79996AE840}"/>
+              </a:ext>
+            </a:extLst>
+          </p:cNvPr>
+          <p:cNvSpPr txBox="1"/>
+          <p:nvPr/>
+        </p:nvSpPr>
+        <p:spPr>
+          <a:xfrm>
+            <a:off x="3555688" y="500185"/>
+            <a:ext cx="4254759" cy="646331"/>
+          </a:xfrm>
+          <a:prstGeom prst="rect">
+            <a:avLst/>
+          </a:prstGeom>
+          <a:noFill/>
+        </p:spPr>
+        <p:txBody>
+          <a:bodyPr wrap="square" rtlCol="0">
+            <a:spAutoFit/>
+          </a:bodyPr>
+          <a:lstStyle/>
+          <a:p>
+            <a:r>
+              <a:rPr kumimoji="0" lang="it-IT" sz="3600" b="0" i="0" u="none" strike="noStrike" kern="1200" cap="none" spc="0" normalizeH="0" baseline="0" noProof="0" dirty="0">
+                <a:ln>
+                  <a:noFill/>
+                </a:ln>
+                <a:solidFill>
+                  <a:srgbClr val="90C226"/>
+                </a:solidFill>
+                <a:effectLst/>
+                <a:uLnTx/>
+                <a:uFillTx/>
+                <a:latin typeface="Trebuchet MS" panose="020B0603020202020204"/>
+                <a:ea typeface="+mj-ea"/>
+                <a:cs typeface="+mj-cs"/>
+              </a:rPr>
+              <a:t>Data Analysis</a:t>
+            </a:r>
+            <a:endParaRPr lang="it-IT" dirty="0"/>
+          </a:p>
+        </p:txBody>
+      </p:sp>
+      <p:sp>
+        <p:nvSpPr>
+          <p:cNvPr id="69" name="CasellaDiTesto 68">
+            <a:extLst>
+              <a:ext uri="{FF2B5EF4-FFF2-40B4-BE49-F238E27FC236}">
+                <a16:creationId xmlns:a16="http://schemas.microsoft.com/office/drawing/2014/main" id="{4CCB5161-3DBC-50A7-A7E7-1FC770EE1885}"/>
+              </a:ext>
+            </a:extLst>
+          </p:cNvPr>
+          <p:cNvSpPr txBox="1"/>
+          <p:nvPr/>
+        </p:nvSpPr>
+        <p:spPr>
+          <a:xfrm>
+            <a:off x="1056608" y="1465027"/>
+            <a:ext cx="6345188" cy="774571"/>
+          </a:xfrm>
+          <a:prstGeom prst="rect">
+            <a:avLst/>
+          </a:prstGeom>
+          <a:noFill/>
+        </p:spPr>
+        <p:txBody>
+          <a:bodyPr wrap="square" rtlCol="0">
+            <a:spAutoFit/>
+          </a:bodyPr>
+          <a:lstStyle/>
+          <a:p>
+            <a:pPr>
+              <a:spcBef>
+                <a:spcPts val="1000"/>
+              </a:spcBef>
+            </a:pPr>
+            <a:r>
+              <a:rPr lang="it-IT" b="1" dirty="0"/>
+              <a:t>How </a:t>
+            </a:r>
+            <a:r>
+              <a:rPr lang="it-IT" b="1" dirty="0" err="1"/>
+              <a:t>does</a:t>
+            </a:r>
+            <a:r>
+              <a:rPr lang="it-IT" b="1" dirty="0"/>
+              <a:t> </a:t>
+            </a:r>
+            <a:r>
+              <a:rPr lang="it-IT" b="1" dirty="0" err="1"/>
+              <a:t>it</a:t>
+            </a:r>
+            <a:r>
+              <a:rPr lang="it-IT" b="1" dirty="0"/>
+              <a:t> </a:t>
+            </a:r>
+            <a:r>
+              <a:rPr lang="it-IT" b="1" dirty="0" err="1"/>
+              <a:t>get</a:t>
+            </a:r>
+            <a:r>
+              <a:rPr lang="it-IT" b="1" dirty="0"/>
+              <a:t> </a:t>
+            </a:r>
+            <a:r>
+              <a:rPr lang="it-IT" b="1" dirty="0" err="1"/>
+              <a:t>these</a:t>
+            </a:r>
+            <a:r>
+              <a:rPr lang="it-IT" b="1" dirty="0"/>
+              <a:t> data?</a:t>
+            </a:r>
+          </a:p>
+          <a:p>
+            <a:pPr>
+              <a:spcBef>
+                <a:spcPts val="1000"/>
+              </a:spcBef>
+            </a:pPr>
+            <a:r>
+              <a:rPr lang="it-IT" dirty="0" err="1"/>
+              <a:t>It</a:t>
+            </a:r>
+            <a:r>
+              <a:rPr lang="it-IT" dirty="0"/>
+              <a:t> </a:t>
+            </a:r>
+            <a:r>
+              <a:rPr lang="it-IT" dirty="0" err="1"/>
+              <a:t>uses</a:t>
+            </a:r>
+            <a:r>
+              <a:rPr lang="it-IT" dirty="0"/>
+              <a:t> the MQTT </a:t>
+            </a:r>
+            <a:r>
+              <a:rPr lang="it-IT" dirty="0" err="1"/>
+              <a:t>communication</a:t>
+            </a:r>
+            <a:r>
+              <a:rPr lang="it-IT" dirty="0"/>
+              <a:t> </a:t>
+            </a:r>
+            <a:r>
+              <a:rPr lang="it-IT" dirty="0" err="1"/>
+              <a:t>protocol</a:t>
+            </a:r>
+            <a:r>
+              <a:rPr lang="it-IT" dirty="0"/>
+              <a:t> </a:t>
+            </a:r>
+          </a:p>
+        </p:txBody>
+      </p:sp>
+      <p:sp>
+        <p:nvSpPr>
+          <p:cNvPr id="89" name="Rettangolo con angoli arrotondati 88">
+            <a:extLst>
+              <a:ext uri="{FF2B5EF4-FFF2-40B4-BE49-F238E27FC236}">
+                <a16:creationId xmlns:a16="http://schemas.microsoft.com/office/drawing/2014/main" id="{5FC59D74-EAC1-7A74-2C56-BE8F97A521F8}"/>
+              </a:ext>
+            </a:extLst>
+          </p:cNvPr>
+          <p:cNvSpPr/>
+          <p:nvPr/>
+        </p:nvSpPr>
+        <p:spPr>
+          <a:xfrm>
+            <a:off x="987510" y="2819576"/>
+            <a:ext cx="1412222" cy="549451"/>
+          </a:xfrm>
+          <a:prstGeom prst="roundRect">
+            <a:avLst/>
+          </a:prstGeom>
+        </p:spPr>
+        <p:style>
+          <a:lnRef idx="1">
+            <a:schemeClr val="accent6"/>
+          </a:lnRef>
+          <a:fillRef idx="2">
+            <a:schemeClr val="accent6"/>
+          </a:fillRef>
+          <a:effectRef idx="1">
+            <a:schemeClr val="accent6"/>
+          </a:effectRef>
+          <a:fontRef idx="minor">
+            <a:schemeClr val="dk1"/>
+          </a:fontRef>
+        </p:style>
+        <p:txBody>
+          <a:bodyPr rtlCol="0" anchor="ctr"/>
+          <a:lstStyle/>
+          <a:p>
+            <a:pPr algn="ctr"/>
+            <a:r>
+              <a:rPr lang="it-IT" sz="1400" dirty="0"/>
+              <a:t>Temperature </a:t>
+            </a:r>
+            <a:r>
+              <a:rPr lang="it-IT" sz="1400" dirty="0" err="1"/>
+              <a:t>sensor</a:t>
+            </a:r>
+            <a:endParaRPr lang="it-IT" sz="1400" dirty="0"/>
+          </a:p>
+        </p:txBody>
+      </p:sp>
+      <p:sp>
+        <p:nvSpPr>
+          <p:cNvPr id="90" name="Rettangolo con angoli arrotondati 89">
+            <a:extLst>
+              <a:ext uri="{FF2B5EF4-FFF2-40B4-BE49-F238E27FC236}">
+                <a16:creationId xmlns:a16="http://schemas.microsoft.com/office/drawing/2014/main" id="{A1CEF44D-D1B4-8741-9674-BB1EE93FDAE5}"/>
+              </a:ext>
+            </a:extLst>
+          </p:cNvPr>
+          <p:cNvSpPr/>
+          <p:nvPr/>
+        </p:nvSpPr>
+        <p:spPr>
+          <a:xfrm>
+            <a:off x="4872532" y="3890865"/>
+            <a:ext cx="1223468" cy="569167"/>
+          </a:xfrm>
+          <a:prstGeom prst="roundRect">
+            <a:avLst/>
+          </a:prstGeom>
+        </p:spPr>
+        <p:style>
+          <a:lnRef idx="0">
+            <a:schemeClr val="accent3"/>
+          </a:lnRef>
+          <a:fillRef idx="3">
+            <a:schemeClr val="accent3"/>
+          </a:fillRef>
+          <a:effectRef idx="3">
+            <a:schemeClr val="accent3"/>
+          </a:effectRef>
+          <a:fontRef idx="minor">
+            <a:schemeClr val="lt1"/>
+          </a:fontRef>
+        </p:style>
+        <p:txBody>
+          <a:bodyPr rtlCol="0" anchor="ctr"/>
+          <a:lstStyle/>
+          <a:p>
+            <a:pPr algn="ctr"/>
+            <a:r>
+              <a:rPr lang="it-IT" sz="1400" dirty="0"/>
+              <a:t>Message Broker</a:t>
+            </a:r>
+          </a:p>
+        </p:txBody>
+      </p:sp>
+      <p:sp>
+        <p:nvSpPr>
+          <p:cNvPr id="91" name="Rettangolo con angoli arrotondati 90">
+            <a:extLst>
+              <a:ext uri="{FF2B5EF4-FFF2-40B4-BE49-F238E27FC236}">
+                <a16:creationId xmlns:a16="http://schemas.microsoft.com/office/drawing/2014/main" id="{FC6366AD-C09D-0879-6EAD-54CB3355EAF8}"/>
+              </a:ext>
+            </a:extLst>
+          </p:cNvPr>
+          <p:cNvSpPr/>
+          <p:nvPr/>
+        </p:nvSpPr>
+        <p:spPr>
+          <a:xfrm>
+            <a:off x="910103" y="4074824"/>
+            <a:ext cx="1412222" cy="646331"/>
+          </a:xfrm>
+          <a:prstGeom prst="roundRect">
+            <a:avLst/>
+          </a:prstGeom>
+        </p:spPr>
+        <p:style>
+          <a:lnRef idx="1">
+            <a:schemeClr val="accent6"/>
+          </a:lnRef>
+          <a:fillRef idx="2">
+            <a:schemeClr val="accent6"/>
+          </a:fillRef>
+          <a:effectRef idx="1">
+            <a:schemeClr val="accent6"/>
+          </a:effectRef>
+          <a:fontRef idx="minor">
+            <a:schemeClr val="dk1"/>
+          </a:fontRef>
+        </p:style>
+        <p:txBody>
+          <a:bodyPr rtlCol="0" anchor="ctr"/>
+          <a:lstStyle/>
+          <a:p>
+            <a:pPr algn="ctr"/>
+            <a:r>
+              <a:rPr lang="it-IT" sz="1400" dirty="0" err="1"/>
+              <a:t>Photon</a:t>
+            </a:r>
+            <a:r>
+              <a:rPr lang="it-IT" sz="1400" dirty="0"/>
+              <a:t> </a:t>
+            </a:r>
+            <a:r>
+              <a:rPr lang="it-IT" sz="1400" dirty="0" err="1"/>
+              <a:t>sensor</a:t>
+            </a:r>
+            <a:endParaRPr lang="it-IT" sz="1400" dirty="0"/>
+          </a:p>
+        </p:txBody>
+      </p:sp>
+      <p:sp>
+        <p:nvSpPr>
+          <p:cNvPr id="92" name="Rettangolo con angoli arrotondati 91">
+            <a:extLst>
+              <a:ext uri="{FF2B5EF4-FFF2-40B4-BE49-F238E27FC236}">
+                <a16:creationId xmlns:a16="http://schemas.microsoft.com/office/drawing/2014/main" id="{BC6CCF73-5AAA-97C2-534C-8B8F983104F1}"/>
+              </a:ext>
+            </a:extLst>
+          </p:cNvPr>
+          <p:cNvSpPr/>
+          <p:nvPr/>
+        </p:nvSpPr>
+        <p:spPr>
+          <a:xfrm>
+            <a:off x="1126967" y="5700729"/>
+            <a:ext cx="1577846" cy="501115"/>
+          </a:xfrm>
+          <a:prstGeom prst="roundRect">
+            <a:avLst/>
+          </a:prstGeom>
+        </p:spPr>
+        <p:style>
+          <a:lnRef idx="1">
+            <a:schemeClr val="accent6"/>
+          </a:lnRef>
+          <a:fillRef idx="2">
+            <a:schemeClr val="accent6"/>
+          </a:fillRef>
+          <a:effectRef idx="1">
+            <a:schemeClr val="accent6"/>
+          </a:effectRef>
+          <a:fontRef idx="minor">
+            <a:schemeClr val="dk1"/>
+          </a:fontRef>
+        </p:style>
+        <p:txBody>
+          <a:bodyPr rtlCol="0" anchor="ctr"/>
+          <a:lstStyle/>
+          <a:p>
+            <a:pPr algn="ctr"/>
+            <a:r>
+              <a:rPr lang="it-IT" sz="1400" dirty="0" err="1"/>
+              <a:t>Battery</a:t>
+            </a:r>
+            <a:r>
+              <a:rPr lang="it-IT" sz="1400" dirty="0"/>
+              <a:t> detector</a:t>
+            </a:r>
+          </a:p>
+        </p:txBody>
+      </p:sp>
+      <p:cxnSp>
+        <p:nvCxnSpPr>
+          <p:cNvPr id="93" name="Connettore 2 92">
+            <a:extLst>
+              <a:ext uri="{FF2B5EF4-FFF2-40B4-BE49-F238E27FC236}">
+                <a16:creationId xmlns:a16="http://schemas.microsoft.com/office/drawing/2014/main" id="{5CBC5804-7CFB-895E-FE72-405C79B1642C}"/>
+              </a:ext>
+            </a:extLst>
+          </p:cNvPr>
+          <p:cNvCxnSpPr>
+            <a:cxnSpLocks/>
+          </p:cNvCxnSpPr>
+          <p:nvPr/>
+        </p:nvCxnSpPr>
+        <p:spPr>
+          <a:xfrm flipV="1">
+            <a:off x="2712432" y="4281399"/>
+            <a:ext cx="2141673" cy="1681721"/>
+          </a:xfrm>
+          <a:prstGeom prst="straightConnector1">
+            <a:avLst/>
+          </a:prstGeom>
+          <a:ln>
+            <a:tailEnd type="triangle"/>
+          </a:ln>
+        </p:spPr>
+        <p:style>
+          <a:lnRef idx="1">
+            <a:schemeClr val="dk1"/>
+          </a:lnRef>
+          <a:fillRef idx="0">
+            <a:schemeClr val="dk1"/>
+          </a:fillRef>
+          <a:effectRef idx="0">
+            <a:schemeClr val="dk1"/>
+          </a:effectRef>
+          <a:fontRef idx="minor">
+            <a:schemeClr val="tx1"/>
+          </a:fontRef>
+        </p:style>
+      </p:cxnSp>
+      <p:cxnSp>
+        <p:nvCxnSpPr>
+          <p:cNvPr id="94" name="Connettore 2 93">
+            <a:extLst>
+              <a:ext uri="{FF2B5EF4-FFF2-40B4-BE49-F238E27FC236}">
+                <a16:creationId xmlns:a16="http://schemas.microsoft.com/office/drawing/2014/main" id="{B92019FA-B951-CFAE-02FD-A3DEF472B1A5}"/>
+              </a:ext>
+            </a:extLst>
+          </p:cNvPr>
+          <p:cNvCxnSpPr>
+            <a:cxnSpLocks/>
+            <a:stCxn id="91" idx="3"/>
+            <a:endCxn id="90" idx="1"/>
+          </p:cNvCxnSpPr>
+          <p:nvPr/>
+        </p:nvCxnSpPr>
+        <p:spPr>
+          <a:xfrm flipV="1">
+            <a:off x="2322325" y="4175449"/>
+            <a:ext cx="2550207" cy="222541"/>
+          </a:xfrm>
+          <a:prstGeom prst="straightConnector1">
+            <a:avLst/>
+          </a:prstGeom>
+          <a:ln>
+            <a:tailEnd type="triangle"/>
+          </a:ln>
+        </p:spPr>
+        <p:style>
+          <a:lnRef idx="1">
+            <a:schemeClr val="dk1"/>
+          </a:lnRef>
+          <a:fillRef idx="0">
+            <a:schemeClr val="dk1"/>
+          </a:fillRef>
+          <a:effectRef idx="0">
+            <a:schemeClr val="dk1"/>
+          </a:effectRef>
+          <a:fontRef idx="minor">
+            <a:schemeClr val="tx1"/>
+          </a:fontRef>
+        </p:style>
+      </p:cxnSp>
+      <p:sp>
+        <p:nvSpPr>
+          <p:cNvPr id="95" name="Rettangolo ad angolo ripiegato 94">
+            <a:extLst>
+              <a:ext uri="{FF2B5EF4-FFF2-40B4-BE49-F238E27FC236}">
+                <a16:creationId xmlns:a16="http://schemas.microsoft.com/office/drawing/2014/main" id="{288E460E-383C-5899-C4BF-943CCF22B35A}"/>
+              </a:ext>
+            </a:extLst>
+          </p:cNvPr>
+          <p:cNvSpPr/>
+          <p:nvPr/>
+        </p:nvSpPr>
+        <p:spPr>
+          <a:xfrm rot="10800000">
+            <a:off x="3555688" y="4946246"/>
+            <a:ext cx="550506" cy="668694"/>
+          </a:xfrm>
+          <a:prstGeom prst="foldedCorner">
+            <a:avLst/>
+          </a:prstGeom>
+        </p:spPr>
+        <p:style>
+          <a:lnRef idx="1">
+            <a:schemeClr val="accent1"/>
+          </a:lnRef>
+          <a:fillRef idx="2">
+            <a:schemeClr val="accent1"/>
+          </a:fillRef>
+          <a:effectRef idx="1">
+            <a:schemeClr val="accent1"/>
+          </a:effectRef>
+          <a:fontRef idx="minor">
+            <a:schemeClr val="dk1"/>
+          </a:fontRef>
+        </p:style>
+        <p:txBody>
+          <a:bodyPr rtlCol="0" anchor="ctr"/>
+          <a:lstStyle/>
+          <a:p>
+            <a:pPr algn="r"/>
+            <a:endParaRPr lang="it-IT" dirty="0"/>
+          </a:p>
+        </p:txBody>
+      </p:sp>
+      <p:cxnSp>
+        <p:nvCxnSpPr>
+          <p:cNvPr id="96" name="Connettore 2 95">
+            <a:extLst>
+              <a:ext uri="{FF2B5EF4-FFF2-40B4-BE49-F238E27FC236}">
+                <a16:creationId xmlns:a16="http://schemas.microsoft.com/office/drawing/2014/main" id="{6A915457-38E7-7F66-F5B6-17260C1E5D15}"/>
+              </a:ext>
+            </a:extLst>
+          </p:cNvPr>
+          <p:cNvCxnSpPr>
+            <a:cxnSpLocks/>
+          </p:cNvCxnSpPr>
+          <p:nvPr/>
+        </p:nvCxnSpPr>
+        <p:spPr>
+          <a:xfrm>
+            <a:off x="2424907" y="3085834"/>
+            <a:ext cx="2429198" cy="1002701"/>
+          </a:xfrm>
+          <a:prstGeom prst="straightConnector1">
+            <a:avLst/>
+          </a:prstGeom>
+          <a:ln>
+            <a:tailEnd type="triangle"/>
+          </a:ln>
+        </p:spPr>
+        <p:style>
+          <a:lnRef idx="1">
+            <a:schemeClr val="dk1"/>
+          </a:lnRef>
+          <a:fillRef idx="0">
+            <a:schemeClr val="dk1"/>
+          </a:fillRef>
+          <a:effectRef idx="0">
+            <a:schemeClr val="dk1"/>
+          </a:effectRef>
+          <a:fontRef idx="minor">
+            <a:schemeClr val="tx1"/>
+          </a:fontRef>
+        </p:style>
+      </p:cxnSp>
+      <p:sp>
+        <p:nvSpPr>
+          <p:cNvPr id="97" name="Rettangolo ad angolo ripiegato 96">
+            <a:extLst>
+              <a:ext uri="{FF2B5EF4-FFF2-40B4-BE49-F238E27FC236}">
+                <a16:creationId xmlns:a16="http://schemas.microsoft.com/office/drawing/2014/main" id="{C0C3EA6F-FF9D-3A50-555D-4AE4764B9588}"/>
+              </a:ext>
+            </a:extLst>
+          </p:cNvPr>
+          <p:cNvSpPr/>
+          <p:nvPr/>
+        </p:nvSpPr>
+        <p:spPr>
+          <a:xfrm rot="10800000">
+            <a:off x="3098558" y="4033557"/>
+            <a:ext cx="550506" cy="668694"/>
+          </a:xfrm>
+          <a:prstGeom prst="foldedCorner">
+            <a:avLst/>
+          </a:prstGeom>
+        </p:spPr>
+        <p:style>
+          <a:lnRef idx="1">
+            <a:schemeClr val="accent1"/>
+          </a:lnRef>
+          <a:fillRef idx="2">
+            <a:schemeClr val="accent1"/>
+          </a:fillRef>
+          <a:effectRef idx="1">
+            <a:schemeClr val="accent1"/>
+          </a:effectRef>
+          <a:fontRef idx="minor">
+            <a:schemeClr val="dk1"/>
+          </a:fontRef>
+        </p:style>
+        <p:txBody>
+          <a:bodyPr rtlCol="0" anchor="ctr"/>
+          <a:lstStyle/>
+          <a:p>
+            <a:pPr algn="r"/>
+            <a:endParaRPr lang="it-IT" dirty="0"/>
+          </a:p>
+        </p:txBody>
+      </p:sp>
+      <p:sp>
+        <p:nvSpPr>
+          <p:cNvPr id="98" name="Rettangolo ad angolo ripiegato 97">
+            <a:extLst>
+              <a:ext uri="{FF2B5EF4-FFF2-40B4-BE49-F238E27FC236}">
+                <a16:creationId xmlns:a16="http://schemas.microsoft.com/office/drawing/2014/main" id="{D00828B6-3B35-26AB-F0DF-FDAE7B74F379}"/>
+              </a:ext>
+            </a:extLst>
+          </p:cNvPr>
+          <p:cNvSpPr/>
+          <p:nvPr/>
+        </p:nvSpPr>
+        <p:spPr>
+          <a:xfrm rot="10800000">
+            <a:off x="2801135" y="3162860"/>
+            <a:ext cx="550506" cy="668694"/>
+          </a:xfrm>
+          <a:prstGeom prst="foldedCorner">
+            <a:avLst/>
+          </a:prstGeom>
+        </p:spPr>
+        <p:style>
+          <a:lnRef idx="1">
+            <a:schemeClr val="accent1"/>
+          </a:lnRef>
+          <a:fillRef idx="2">
+            <a:schemeClr val="accent1"/>
+          </a:fillRef>
+          <a:effectRef idx="1">
+            <a:schemeClr val="accent1"/>
+          </a:effectRef>
+          <a:fontRef idx="minor">
+            <a:schemeClr val="dk1"/>
+          </a:fontRef>
+        </p:style>
+        <p:txBody>
+          <a:bodyPr rtlCol="0" anchor="ctr"/>
+          <a:lstStyle/>
+          <a:p>
+            <a:pPr algn="r"/>
+            <a:endParaRPr lang="it-IT" dirty="0"/>
+          </a:p>
+        </p:txBody>
+      </p:sp>
+      <p:sp>
+        <p:nvSpPr>
+          <p:cNvPr id="99" name="CasellaDiTesto 98">
+            <a:extLst>
+              <a:ext uri="{FF2B5EF4-FFF2-40B4-BE49-F238E27FC236}">
+                <a16:creationId xmlns:a16="http://schemas.microsoft.com/office/drawing/2014/main" id="{BC40C540-FF88-F49C-E9F0-9023CD6D678A}"/>
+              </a:ext>
+            </a:extLst>
+          </p:cNvPr>
+          <p:cNvSpPr txBox="1"/>
+          <p:nvPr/>
+        </p:nvSpPr>
+        <p:spPr>
+          <a:xfrm>
+            <a:off x="3044906" y="4241748"/>
+            <a:ext cx="657807" cy="338554"/>
+          </a:xfrm>
+          <a:prstGeom prst="rect">
+            <a:avLst/>
+          </a:prstGeom>
+          <a:noFill/>
+        </p:spPr>
+        <p:txBody>
+          <a:bodyPr wrap="square" rtlCol="0">
+            <a:spAutoFit/>
+          </a:bodyPr>
+          <a:lstStyle/>
+          <a:p>
+            <a:pPr algn="ctr"/>
+            <a:r>
+              <a:rPr lang="it-IT" sz="800" dirty="0"/>
+              <a:t>Message</a:t>
+            </a:r>
+            <a:br>
+              <a:rPr lang="it-IT" sz="800" dirty="0"/>
+            </a:br>
+            <a:r>
+              <a:rPr lang="it-IT" sz="800" dirty="0"/>
+              <a:t>(topic 2)</a:t>
+            </a:r>
+          </a:p>
+        </p:txBody>
+      </p:sp>
+      <p:sp>
+        <p:nvSpPr>
+          <p:cNvPr id="100" name="CasellaDiTesto 99">
+            <a:extLst>
+              <a:ext uri="{FF2B5EF4-FFF2-40B4-BE49-F238E27FC236}">
+                <a16:creationId xmlns:a16="http://schemas.microsoft.com/office/drawing/2014/main" id="{A065C632-8950-2C68-5C92-65BCCAC5FFD7}"/>
+              </a:ext>
+            </a:extLst>
+          </p:cNvPr>
+          <p:cNvSpPr txBox="1"/>
+          <p:nvPr/>
+        </p:nvSpPr>
+        <p:spPr>
+          <a:xfrm>
+            <a:off x="2801134" y="3352729"/>
+            <a:ext cx="641482" cy="615553"/>
+          </a:xfrm>
+          <a:prstGeom prst="rect">
+            <a:avLst/>
+          </a:prstGeom>
+          <a:noFill/>
+        </p:spPr>
+        <p:txBody>
+          <a:bodyPr wrap="square" rtlCol="0">
+            <a:spAutoFit/>
+          </a:bodyPr>
+          <a:lstStyle/>
+          <a:p>
+            <a:r>
+              <a:rPr lang="it-IT" sz="800" dirty="0"/>
+              <a:t>Message</a:t>
+            </a:r>
+            <a:br>
+              <a:rPr lang="it-IT" sz="800" dirty="0"/>
+            </a:br>
+            <a:r>
+              <a:rPr lang="it-IT" sz="800" dirty="0"/>
+              <a:t>(topic 1)</a:t>
+            </a:r>
+          </a:p>
+          <a:p>
+            <a:endParaRPr lang="it-IT" dirty="0"/>
+          </a:p>
+        </p:txBody>
+      </p:sp>
+      <p:sp>
+        <p:nvSpPr>
+          <p:cNvPr id="101" name="CasellaDiTesto 100">
+            <a:extLst>
+              <a:ext uri="{FF2B5EF4-FFF2-40B4-BE49-F238E27FC236}">
+                <a16:creationId xmlns:a16="http://schemas.microsoft.com/office/drawing/2014/main" id="{1CBB3743-C24F-99C0-5F94-4B3228E335D9}"/>
+              </a:ext>
+            </a:extLst>
+          </p:cNvPr>
+          <p:cNvSpPr txBox="1"/>
+          <p:nvPr/>
+        </p:nvSpPr>
+        <p:spPr>
+          <a:xfrm>
+            <a:off x="3548068" y="5145442"/>
+            <a:ext cx="681134" cy="615553"/>
+          </a:xfrm>
+          <a:prstGeom prst="rect">
+            <a:avLst/>
+          </a:prstGeom>
+          <a:noFill/>
+        </p:spPr>
+        <p:txBody>
+          <a:bodyPr wrap="square" rtlCol="0">
+            <a:spAutoFit/>
+          </a:bodyPr>
+          <a:lstStyle/>
+          <a:p>
+            <a:r>
+              <a:rPr lang="it-IT" sz="800" dirty="0"/>
+              <a:t>Message</a:t>
+            </a:r>
+            <a:br>
+              <a:rPr lang="it-IT" sz="800" dirty="0"/>
+            </a:br>
+            <a:r>
+              <a:rPr lang="it-IT" sz="800" dirty="0"/>
+              <a:t>(topic 3)</a:t>
+            </a:r>
+          </a:p>
+          <a:p>
+            <a:endParaRPr lang="it-IT" dirty="0"/>
+          </a:p>
+        </p:txBody>
+      </p:sp>
+      <p:cxnSp>
+        <p:nvCxnSpPr>
+          <p:cNvPr id="102" name="Connettore 2 101">
+            <a:extLst>
+              <a:ext uri="{FF2B5EF4-FFF2-40B4-BE49-F238E27FC236}">
+                <a16:creationId xmlns:a16="http://schemas.microsoft.com/office/drawing/2014/main" id="{6A706031-63AB-7E3E-F1A9-B50E5AA9741A}"/>
+              </a:ext>
+            </a:extLst>
+          </p:cNvPr>
+          <p:cNvCxnSpPr>
+            <a:cxnSpLocks/>
+            <a:stCxn id="90" idx="3"/>
+          </p:cNvCxnSpPr>
+          <p:nvPr/>
+        </p:nvCxnSpPr>
+        <p:spPr>
+          <a:xfrm>
+            <a:off x="6096000" y="4175449"/>
+            <a:ext cx="1332144" cy="43683"/>
+          </a:xfrm>
+          <a:prstGeom prst="straightConnector1">
+            <a:avLst/>
+          </a:prstGeom>
+          <a:ln>
+            <a:tailEnd type="triangle"/>
+          </a:ln>
+        </p:spPr>
+        <p:style>
+          <a:lnRef idx="1">
+            <a:schemeClr val="dk1"/>
+          </a:lnRef>
+          <a:fillRef idx="0">
+            <a:schemeClr val="dk1"/>
+          </a:fillRef>
+          <a:effectRef idx="0">
+            <a:schemeClr val="dk1"/>
+          </a:effectRef>
+          <a:fontRef idx="minor">
+            <a:schemeClr val="tx1"/>
+          </a:fontRef>
+        </p:style>
+      </p:cxnSp>
+      <p:sp>
+        <p:nvSpPr>
+          <p:cNvPr id="103" name="Rettangolo con angoli arrotondati 102">
+            <a:extLst>
+              <a:ext uri="{FF2B5EF4-FFF2-40B4-BE49-F238E27FC236}">
+                <a16:creationId xmlns:a16="http://schemas.microsoft.com/office/drawing/2014/main" id="{C0AC6D48-0BA4-CA94-21FD-3813757315B4}"/>
+              </a:ext>
+            </a:extLst>
+          </p:cNvPr>
+          <p:cNvSpPr/>
+          <p:nvPr/>
+        </p:nvSpPr>
+        <p:spPr>
+          <a:xfrm>
+            <a:off x="7428144" y="3939649"/>
+            <a:ext cx="1642187" cy="569166"/>
+          </a:xfrm>
+          <a:prstGeom prst="roundRect">
+            <a:avLst/>
+          </a:prstGeom>
+        </p:spPr>
+        <p:style>
+          <a:lnRef idx="1">
+            <a:schemeClr val="accent5"/>
+          </a:lnRef>
+          <a:fillRef idx="2">
+            <a:schemeClr val="accent5"/>
+          </a:fillRef>
+          <a:effectRef idx="1">
+            <a:schemeClr val="accent5"/>
+          </a:effectRef>
+          <a:fontRef idx="minor">
+            <a:schemeClr val="dk1"/>
+          </a:fontRef>
+        </p:style>
+        <p:txBody>
+          <a:bodyPr rtlCol="0" anchor="ctr"/>
+          <a:lstStyle/>
+          <a:p>
+            <a:pPr algn="ctr"/>
+            <a:r>
+              <a:rPr lang="it-IT" dirty="0"/>
+              <a:t>Data </a:t>
+            </a:r>
+            <a:r>
+              <a:rPr lang="it-IT" dirty="0" err="1"/>
+              <a:t>Analisys</a:t>
+            </a:r>
+            <a:endParaRPr lang="it-IT" dirty="0"/>
+          </a:p>
+        </p:txBody>
+      </p:sp>
+      <p:sp>
+        <p:nvSpPr>
+          <p:cNvPr id="104" name="Rettangolo ad angolo ripiegato 103">
+            <a:extLst>
+              <a:ext uri="{FF2B5EF4-FFF2-40B4-BE49-F238E27FC236}">
+                <a16:creationId xmlns:a16="http://schemas.microsoft.com/office/drawing/2014/main" id="{A1625C87-01E0-C8E4-C5B1-34A625D46E9F}"/>
+              </a:ext>
+            </a:extLst>
+          </p:cNvPr>
+          <p:cNvSpPr/>
+          <p:nvPr/>
+        </p:nvSpPr>
+        <p:spPr>
+          <a:xfrm rot="10800000">
+            <a:off x="6610529" y="4077931"/>
+            <a:ext cx="418706" cy="569170"/>
+          </a:xfrm>
+          <a:prstGeom prst="foldedCorner">
+            <a:avLst/>
+          </a:prstGeom>
+        </p:spPr>
+        <p:style>
+          <a:lnRef idx="1">
+            <a:schemeClr val="accent1"/>
+          </a:lnRef>
+          <a:fillRef idx="2">
+            <a:schemeClr val="accent1"/>
+          </a:fillRef>
+          <a:effectRef idx="1">
+            <a:schemeClr val="accent1"/>
+          </a:effectRef>
+          <a:fontRef idx="minor">
+            <a:schemeClr val="dk1"/>
+          </a:fontRef>
+        </p:style>
+        <p:txBody>
+          <a:bodyPr rtlCol="0" anchor="ctr"/>
+          <a:lstStyle/>
+          <a:p>
+            <a:pPr algn="r"/>
+            <a:endParaRPr lang="it-IT" dirty="0"/>
+          </a:p>
+        </p:txBody>
+      </p:sp>
+      <p:sp>
+        <p:nvSpPr>
+          <p:cNvPr id="105" name="Rettangolo ad angolo ripiegato 104">
+            <a:extLst>
+              <a:ext uri="{FF2B5EF4-FFF2-40B4-BE49-F238E27FC236}">
+                <a16:creationId xmlns:a16="http://schemas.microsoft.com/office/drawing/2014/main" id="{56072918-9870-86DE-8202-73753E507553}"/>
+              </a:ext>
+            </a:extLst>
+          </p:cNvPr>
+          <p:cNvSpPr/>
+          <p:nvPr/>
+        </p:nvSpPr>
+        <p:spPr>
+          <a:xfrm rot="10800000">
+            <a:off x="6434918" y="4257216"/>
+            <a:ext cx="401220" cy="569168"/>
+          </a:xfrm>
+          <a:prstGeom prst="foldedCorner">
+            <a:avLst/>
+          </a:prstGeom>
+        </p:spPr>
+        <p:style>
+          <a:lnRef idx="1">
+            <a:schemeClr val="accent1"/>
+          </a:lnRef>
+          <a:fillRef idx="2">
+            <a:schemeClr val="accent1"/>
+          </a:fillRef>
+          <a:effectRef idx="1">
+            <a:schemeClr val="accent1"/>
+          </a:effectRef>
+          <a:fontRef idx="minor">
+            <a:schemeClr val="dk1"/>
+          </a:fontRef>
+        </p:style>
+        <p:txBody>
+          <a:bodyPr rtlCol="0" anchor="ctr"/>
+          <a:lstStyle/>
+          <a:p>
+            <a:pPr algn="r"/>
+            <a:endParaRPr lang="it-IT" dirty="0"/>
+          </a:p>
+        </p:txBody>
+      </p:sp>
+      <p:sp>
+        <p:nvSpPr>
+          <p:cNvPr id="106" name="Rettangolo ad angolo ripiegato 105">
+            <a:extLst>
+              <a:ext uri="{FF2B5EF4-FFF2-40B4-BE49-F238E27FC236}">
+                <a16:creationId xmlns:a16="http://schemas.microsoft.com/office/drawing/2014/main" id="{D0BA91F1-E094-D0CD-E1BB-F6E8F240E380}"/>
+              </a:ext>
+            </a:extLst>
+          </p:cNvPr>
+          <p:cNvSpPr/>
+          <p:nvPr/>
+        </p:nvSpPr>
+        <p:spPr>
+          <a:xfrm rot="10800000">
+            <a:off x="6294675" y="4444577"/>
+            <a:ext cx="401218" cy="553155"/>
+          </a:xfrm>
+          <a:prstGeom prst="foldedCorner">
+            <a:avLst/>
+          </a:prstGeom>
+        </p:spPr>
+        <p:style>
+          <a:lnRef idx="1">
+            <a:schemeClr val="accent1"/>
+          </a:lnRef>
+          <a:fillRef idx="2">
+            <a:schemeClr val="accent1"/>
+          </a:fillRef>
+          <a:effectRef idx="1">
+            <a:schemeClr val="accent1"/>
+          </a:effectRef>
+          <a:fontRef idx="minor">
+            <a:schemeClr val="dk1"/>
+          </a:fontRef>
+        </p:style>
+        <p:txBody>
+          <a:bodyPr rtlCol="0" anchor="ctr"/>
+          <a:lstStyle/>
+          <a:p>
+            <a:pPr algn="r"/>
+            <a:endParaRPr lang="it-IT" dirty="0"/>
+          </a:p>
+        </p:txBody>
+      </p:sp>
+      <p:sp>
+        <p:nvSpPr>
+          <p:cNvPr id="107" name="CasellaDiTesto 106">
+            <a:extLst>
+              <a:ext uri="{FF2B5EF4-FFF2-40B4-BE49-F238E27FC236}">
+                <a16:creationId xmlns:a16="http://schemas.microsoft.com/office/drawing/2014/main" id="{F83B5158-AD95-DA41-3AC6-BEB9600EEB31}"/>
+              </a:ext>
+            </a:extLst>
+          </p:cNvPr>
+          <p:cNvSpPr txBox="1"/>
+          <p:nvPr/>
+        </p:nvSpPr>
+        <p:spPr>
+          <a:xfrm>
+            <a:off x="7547118" y="4492643"/>
+            <a:ext cx="1523213" cy="246221"/>
+          </a:xfrm>
+          <a:prstGeom prst="rect">
+            <a:avLst/>
+          </a:prstGeom>
+          <a:noFill/>
+        </p:spPr>
+        <p:txBody>
+          <a:bodyPr wrap="square" rtlCol="0">
+            <a:spAutoFit/>
+          </a:bodyPr>
+          <a:lstStyle/>
+          <a:p>
+            <a:r>
+              <a:rPr lang="it-IT" sz="1000" dirty="0" err="1"/>
+              <a:t>Subscribed</a:t>
+            </a:r>
+            <a:r>
+              <a:rPr lang="it-IT" sz="1000" dirty="0"/>
+              <a:t> to </a:t>
+            </a:r>
+            <a:r>
+              <a:rPr lang="it-IT" sz="1000" dirty="0" err="1"/>
+              <a:t>all</a:t>
+            </a:r>
+            <a:r>
+              <a:rPr lang="it-IT" sz="1000" dirty="0"/>
+              <a:t> </a:t>
+            </a:r>
+            <a:r>
+              <a:rPr lang="it-IT" sz="1000" dirty="0" err="1"/>
+              <a:t>topics</a:t>
+            </a:r>
+            <a:endParaRPr lang="it-IT" sz="1000" dirty="0"/>
+          </a:p>
+        </p:txBody>
+      </p:sp>
+    </p:spTree>
+    <p:extLst>
+      <p:ext uri="{BB962C8B-B14F-4D97-AF65-F5344CB8AC3E}">
+        <p14:creationId xmlns:p14="http://schemas.microsoft.com/office/powerpoint/2010/main" val="3390223565"/>
       </p:ext>
     </p:extLst>
   </p:cSld>
@@ -18994,6 +19563,1186 @@
 </file>
 
 <file path=ppt/slides/slide26.xml><?xml version="1.0" encoding="utf-8"?>
+<p:sld xmlns:a="http://schemas.openxmlformats.org/drawingml/2006/main" xmlns:r="http://schemas.openxmlformats.org/officeDocument/2006/relationships" xmlns:p="http://schemas.openxmlformats.org/presentationml/2006/main">
+  <p:cSld>
+    <p:spTree>
+      <p:nvGrpSpPr>
+        <p:cNvPr id="1" name=""/>
+        <p:cNvGrpSpPr/>
+        <p:nvPr/>
+      </p:nvGrpSpPr>
+      <p:grpSpPr>
+        <a:xfrm>
+          <a:off x="0" y="0"/>
+          <a:ext cx="0" cy="0"/>
+          <a:chOff x="0" y="0"/>
+          <a:chExt cx="0" cy="0"/>
+        </a:xfrm>
+      </p:grpSpPr>
+      <p:sp>
+        <p:nvSpPr>
+          <p:cNvPr id="2" name="Titolo 1">
+            <a:extLst>
+              <a:ext uri="{FF2B5EF4-FFF2-40B4-BE49-F238E27FC236}">
+                <a16:creationId xmlns:a16="http://schemas.microsoft.com/office/drawing/2014/main" id="{335336FF-C3CF-0F44-6BA5-5DE0396122F0}"/>
+              </a:ext>
+            </a:extLst>
+          </p:cNvPr>
+          <p:cNvSpPr>
+            <a:spLocks noGrp="1"/>
+          </p:cNvSpPr>
+          <p:nvPr>
+            <p:ph type="title"/>
+          </p:nvPr>
+        </p:nvSpPr>
+        <p:spPr/>
+        <p:txBody>
+          <a:bodyPr/>
+          <a:lstStyle/>
+          <a:p>
+            <a:pPr algn="ctr"/>
+            <a:r>
+              <a:rPr kumimoji="0" lang="it-IT" sz="3600" b="0" i="0" u="none" strike="noStrike" kern="1200" cap="none" spc="0" normalizeH="0" baseline="0" noProof="0" dirty="0">
+                <a:ln>
+                  <a:noFill/>
+                </a:ln>
+                <a:solidFill>
+                  <a:srgbClr val="90C226"/>
+                </a:solidFill>
+                <a:effectLst/>
+                <a:uLnTx/>
+                <a:uFillTx/>
+                <a:latin typeface="Trebuchet MS" panose="020B0603020202020204"/>
+                <a:ea typeface="+mj-ea"/>
+                <a:cs typeface="+mj-cs"/>
+              </a:rPr>
+              <a:t>Data Analysis</a:t>
+            </a:r>
+            <a:br>
+              <a:rPr lang="it-IT" dirty="0"/>
+            </a:br>
+            <a:endParaRPr lang="it-IT" dirty="0"/>
+          </a:p>
+        </p:txBody>
+      </p:sp>
+      <p:sp>
+        <p:nvSpPr>
+          <p:cNvPr id="3" name="CasellaDiTesto 2">
+            <a:extLst>
+              <a:ext uri="{FF2B5EF4-FFF2-40B4-BE49-F238E27FC236}">
+                <a16:creationId xmlns:a16="http://schemas.microsoft.com/office/drawing/2014/main" id="{1D8E9AEE-D723-1290-22D4-A781F516DBA2}"/>
+              </a:ext>
+            </a:extLst>
+          </p:cNvPr>
+          <p:cNvSpPr txBox="1"/>
+          <p:nvPr/>
+        </p:nvSpPr>
+        <p:spPr>
+          <a:xfrm>
+            <a:off x="1618206" y="1782745"/>
+            <a:ext cx="6714924" cy="4483279"/>
+          </a:xfrm>
+          <a:prstGeom prst="rect">
+            <a:avLst/>
+          </a:prstGeom>
+          <a:noFill/>
+        </p:spPr>
+        <p:txBody>
+          <a:bodyPr wrap="square" rtlCol="0">
+            <a:spAutoFit/>
+          </a:bodyPr>
+          <a:lstStyle/>
+          <a:p>
+            <a:pPr algn="ctr">
+              <a:spcBef>
+                <a:spcPts val="1000"/>
+              </a:spcBef>
+            </a:pPr>
+            <a:r>
+              <a:rPr lang="it-IT" b="1" dirty="0"/>
+              <a:t>How </a:t>
+            </a:r>
+            <a:r>
+              <a:rPr lang="it-IT" b="1" dirty="0" err="1"/>
+              <a:t>it</a:t>
+            </a:r>
+            <a:r>
+              <a:rPr lang="it-IT" b="1" dirty="0"/>
+              <a:t> works?</a:t>
+            </a:r>
+          </a:p>
+          <a:p>
+            <a:pPr>
+              <a:spcBef>
+                <a:spcPts val="1000"/>
+              </a:spcBef>
+            </a:pPr>
+            <a:r>
+              <a:rPr kumimoji="0" lang="it-IT" altLang="it-IT" b="0" i="0" strike="noStrike" cap="none" normalizeH="0" baseline="0" dirty="0">
+                <a:ln>
+                  <a:noFill/>
+                </a:ln>
+                <a:solidFill>
+                  <a:schemeClr val="tx1"/>
+                </a:solidFill>
+                <a:effectLst/>
+              </a:rPr>
+              <a:t>After </a:t>
+            </a:r>
+            <a:r>
+              <a:rPr kumimoji="0" lang="it-IT" altLang="it-IT" b="0" i="0" strike="noStrike" cap="none" normalizeH="0" baseline="0" dirty="0" err="1">
+                <a:ln>
+                  <a:noFill/>
+                </a:ln>
+                <a:solidFill>
+                  <a:schemeClr val="tx1"/>
+                </a:solidFill>
+                <a:effectLst/>
+              </a:rPr>
+              <a:t>subscribing</a:t>
+            </a:r>
+            <a:r>
+              <a:rPr kumimoji="0" lang="it-IT" altLang="it-IT" b="0" i="0" strike="noStrike" cap="none" normalizeH="0" baseline="0" dirty="0">
+                <a:ln>
+                  <a:noFill/>
+                </a:ln>
+                <a:solidFill>
+                  <a:schemeClr val="tx1"/>
+                </a:solidFill>
+                <a:effectLst/>
+              </a:rPr>
+              <a:t> to the topic, </a:t>
+            </a:r>
+            <a:r>
+              <a:rPr kumimoji="0" lang="it-IT" altLang="it-IT" b="0" i="0" strike="noStrike" cap="none" normalizeH="0" baseline="0" dirty="0" err="1">
+                <a:ln>
+                  <a:noFill/>
+                </a:ln>
+                <a:solidFill>
+                  <a:schemeClr val="tx1"/>
+                </a:solidFill>
+                <a:effectLst/>
+              </a:rPr>
+              <a:t>it</a:t>
+            </a:r>
+            <a:r>
+              <a:rPr kumimoji="0" lang="it-IT" altLang="it-IT" b="0" i="0" strike="noStrike" cap="none" normalizeH="0" baseline="0" dirty="0">
+                <a:ln>
+                  <a:noFill/>
+                </a:ln>
+                <a:solidFill>
+                  <a:schemeClr val="tx1"/>
+                </a:solidFill>
+                <a:effectLst/>
+              </a:rPr>
+              <a:t> </a:t>
+            </a:r>
+            <a:r>
+              <a:rPr kumimoji="0" lang="it-IT" altLang="it-IT" b="0" i="0" strike="noStrike" cap="none" normalizeH="0" baseline="0" dirty="0" err="1">
+                <a:ln>
+                  <a:noFill/>
+                </a:ln>
+                <a:solidFill>
+                  <a:schemeClr val="tx1"/>
+                </a:solidFill>
+                <a:effectLst/>
+              </a:rPr>
+              <a:t>retrives</a:t>
+            </a:r>
+            <a:r>
+              <a:rPr kumimoji="0" lang="it-IT" altLang="it-IT" b="0" i="0" strike="noStrike" cap="none" normalizeH="0" baseline="0" dirty="0">
+                <a:ln>
+                  <a:noFill/>
+                </a:ln>
+                <a:solidFill>
+                  <a:schemeClr val="tx1"/>
+                </a:solidFill>
+                <a:effectLst/>
+              </a:rPr>
+              <a:t>, </a:t>
+            </a:r>
+            <a:r>
+              <a:rPr kumimoji="0" lang="it-IT" altLang="it-IT" b="0" i="0" strike="noStrike" cap="none" normalizeH="0" baseline="0" dirty="0" err="1">
+                <a:ln>
+                  <a:noFill/>
+                </a:ln>
+                <a:solidFill>
+                  <a:schemeClr val="tx1"/>
+                </a:solidFill>
+                <a:effectLst/>
+              </a:rPr>
+              <a:t>manages</a:t>
+            </a:r>
+            <a:r>
+              <a:rPr kumimoji="0" lang="it-IT" altLang="it-IT" b="0" i="0" strike="noStrike" cap="none" normalizeH="0" baseline="0" dirty="0">
+                <a:ln>
+                  <a:noFill/>
+                </a:ln>
+                <a:solidFill>
+                  <a:schemeClr val="tx1"/>
+                </a:solidFill>
+                <a:effectLst/>
+              </a:rPr>
+              <a:t> and </a:t>
+            </a:r>
+            <a:r>
+              <a:rPr kumimoji="0" lang="it-IT" altLang="it-IT" b="0" i="0" strike="noStrike" cap="none" normalizeH="0" baseline="0" dirty="0" err="1">
+                <a:ln>
+                  <a:noFill/>
+                </a:ln>
+                <a:solidFill>
+                  <a:schemeClr val="tx1"/>
+                </a:solidFill>
+                <a:effectLst/>
+              </a:rPr>
+              <a:t>collects</a:t>
+            </a:r>
+            <a:r>
+              <a:rPr kumimoji="0" lang="it-IT" altLang="it-IT" b="0" i="0" strike="noStrike" cap="none" normalizeH="0" baseline="0" dirty="0">
+                <a:ln>
+                  <a:noFill/>
+                </a:ln>
+                <a:solidFill>
+                  <a:schemeClr val="tx1"/>
+                </a:solidFill>
+                <a:effectLst/>
+              </a:rPr>
+              <a:t> the data in a </a:t>
+            </a:r>
+            <a:r>
+              <a:rPr kumimoji="0" lang="it-IT" altLang="it-IT" b="0" i="0" strike="noStrike" cap="none" normalizeH="0" baseline="0" dirty="0" err="1">
+                <a:ln>
+                  <a:noFill/>
+                </a:ln>
+                <a:solidFill>
+                  <a:schemeClr val="tx1"/>
+                </a:solidFill>
+                <a:effectLst/>
+              </a:rPr>
+              <a:t>block</a:t>
+            </a:r>
+            <a:r>
+              <a:rPr kumimoji="0" lang="it-IT" altLang="it-IT" b="0" i="0" strike="noStrike" cap="none" normalizeH="0" baseline="0" dirty="0">
+                <a:ln>
+                  <a:noFill/>
+                </a:ln>
+                <a:solidFill>
+                  <a:schemeClr val="tx1"/>
+                </a:solidFill>
+                <a:effectLst/>
+              </a:rPr>
+              <a:t> </a:t>
+            </a:r>
+            <a:r>
+              <a:rPr kumimoji="0" lang="it-IT" altLang="it-IT" b="0" i="0" strike="noStrike" cap="none" normalizeH="0" baseline="0" dirty="0" err="1">
+                <a:ln>
+                  <a:noFill/>
+                </a:ln>
+                <a:solidFill>
+                  <a:schemeClr val="tx1"/>
+                </a:solidFill>
+                <a:effectLst/>
+              </a:rPr>
+              <a:t>containing</a:t>
+            </a:r>
+            <a:r>
+              <a:rPr kumimoji="0" lang="it-IT" altLang="it-IT" b="0" i="0" strike="noStrike" cap="none" normalizeH="0" baseline="0" dirty="0">
+                <a:ln>
+                  <a:noFill/>
+                </a:ln>
+                <a:solidFill>
+                  <a:schemeClr val="tx1"/>
+                </a:solidFill>
+                <a:effectLst/>
+              </a:rPr>
+              <a:t> </a:t>
+            </a:r>
+            <a:r>
+              <a:rPr kumimoji="0" lang="it-IT" altLang="it-IT" b="0" i="0" strike="noStrike" cap="none" normalizeH="0" baseline="0" dirty="0" err="1">
+                <a:ln>
+                  <a:noFill/>
+                </a:ln>
+                <a:solidFill>
+                  <a:schemeClr val="tx1"/>
+                </a:solidFill>
+                <a:effectLst/>
+              </a:rPr>
+              <a:t>all</a:t>
+            </a:r>
+            <a:r>
+              <a:rPr kumimoji="0" lang="it-IT" altLang="it-IT" b="0" i="0" strike="noStrike" cap="none" normalizeH="0" baseline="0" dirty="0">
+                <a:ln>
+                  <a:noFill/>
+                </a:ln>
+                <a:solidFill>
+                  <a:schemeClr val="tx1"/>
+                </a:solidFill>
+                <a:effectLst/>
+              </a:rPr>
+              <a:t> the </a:t>
+            </a:r>
+            <a:r>
+              <a:rPr kumimoji="0" lang="it-IT" altLang="it-IT" b="0" i="0" strike="noStrike" cap="none" normalizeH="0" baseline="0" dirty="0" err="1">
+                <a:ln>
+                  <a:noFill/>
+                </a:ln>
+                <a:solidFill>
+                  <a:schemeClr val="tx1"/>
+                </a:solidFill>
+                <a:effectLst/>
+              </a:rPr>
+              <a:t>informations</a:t>
+            </a:r>
+            <a:r>
+              <a:rPr kumimoji="0" lang="it-IT" altLang="it-IT" b="0" i="0" strike="noStrike" cap="none" normalizeH="0" baseline="0" dirty="0">
+                <a:ln>
+                  <a:noFill/>
+                </a:ln>
+                <a:solidFill>
+                  <a:schemeClr val="tx1"/>
+                </a:solidFill>
+                <a:effectLst/>
+              </a:rPr>
+              <a:t> of </a:t>
+            </a:r>
+            <a:r>
+              <a:rPr kumimoji="0" lang="it-IT" altLang="it-IT" b="0" i="0" strike="noStrike" cap="none" normalizeH="0" baseline="0" dirty="0" err="1">
+                <a:ln>
+                  <a:noFill/>
+                </a:ln>
+                <a:solidFill>
+                  <a:schemeClr val="tx1"/>
+                </a:solidFill>
+                <a:effectLst/>
+              </a:rPr>
+              <a:t>each</a:t>
+            </a:r>
+            <a:r>
+              <a:rPr kumimoji="0" lang="it-IT" altLang="it-IT" b="0" i="0" strike="noStrike" cap="none" normalizeH="0" baseline="0" dirty="0">
+                <a:ln>
+                  <a:noFill/>
+                </a:ln>
+                <a:solidFill>
+                  <a:schemeClr val="tx1"/>
+                </a:solidFill>
+                <a:effectLst/>
+              </a:rPr>
+              <a:t> </a:t>
+            </a:r>
+            <a:r>
+              <a:rPr kumimoji="0" lang="it-IT" altLang="it-IT" b="0" i="0" strike="noStrike" cap="none" normalizeH="0" baseline="0" dirty="0" err="1">
+                <a:ln>
+                  <a:noFill/>
+                </a:ln>
+                <a:solidFill>
+                  <a:schemeClr val="tx1"/>
+                </a:solidFill>
+                <a:effectLst/>
+              </a:rPr>
+              <a:t>sensor</a:t>
+            </a:r>
+            <a:r>
+              <a:rPr lang="it-IT" altLang="it-IT" dirty="0"/>
+              <a:t>, for </a:t>
+            </a:r>
+            <a:r>
+              <a:rPr lang="it-IT" altLang="it-IT" dirty="0" err="1"/>
+              <a:t>all</a:t>
+            </a:r>
+            <a:r>
+              <a:rPr lang="it-IT" altLang="it-IT" dirty="0"/>
+              <a:t> users.</a:t>
+            </a:r>
+            <a:r>
+              <a:rPr kumimoji="0" lang="it-IT" altLang="it-IT" b="0" i="0" strike="noStrike" cap="none" normalizeH="0" baseline="0" dirty="0">
+                <a:ln>
+                  <a:noFill/>
+                </a:ln>
+                <a:solidFill>
+                  <a:schemeClr val="tx1"/>
+                </a:solidFill>
+                <a:effectLst/>
+              </a:rPr>
+              <a:t> </a:t>
+            </a:r>
+            <a:r>
+              <a:rPr kumimoji="0" lang="it-IT" altLang="it-IT" b="0" i="0" strike="noStrike" cap="none" normalizeH="0" baseline="0" dirty="0" err="1">
+                <a:ln>
+                  <a:noFill/>
+                </a:ln>
+                <a:solidFill>
+                  <a:schemeClr val="tx1"/>
+                </a:solidFill>
+                <a:effectLst/>
+              </a:rPr>
+              <a:t>This</a:t>
+            </a:r>
+            <a:r>
+              <a:rPr kumimoji="0" lang="it-IT" altLang="it-IT" b="0" i="0" strike="noStrike" cap="none" normalizeH="0" baseline="0" dirty="0">
+                <a:ln>
+                  <a:noFill/>
+                </a:ln>
+                <a:solidFill>
+                  <a:schemeClr val="tx1"/>
+                </a:solidFill>
+                <a:effectLst/>
+              </a:rPr>
+              <a:t> </a:t>
+            </a:r>
+            <a:r>
+              <a:rPr kumimoji="0" lang="it-IT" altLang="it-IT" b="0" i="0" strike="noStrike" cap="none" normalizeH="0" baseline="0" dirty="0" err="1">
+                <a:ln>
+                  <a:noFill/>
+                </a:ln>
+                <a:solidFill>
+                  <a:schemeClr val="tx1"/>
+                </a:solidFill>
+                <a:effectLst/>
+              </a:rPr>
+              <a:t>block</a:t>
+            </a:r>
+            <a:r>
+              <a:rPr kumimoji="0" lang="it-IT" altLang="it-IT" b="0" i="0" strike="noStrike" cap="none" normalizeH="0" baseline="0" dirty="0">
+                <a:ln>
+                  <a:noFill/>
+                </a:ln>
+                <a:solidFill>
+                  <a:schemeClr val="tx1"/>
+                </a:solidFill>
+                <a:effectLst/>
+              </a:rPr>
+              <a:t> </a:t>
+            </a:r>
+            <a:r>
+              <a:rPr kumimoji="0" lang="it-IT" altLang="it-IT" b="0" i="0" strike="noStrike" cap="none" normalizeH="0" baseline="0" dirty="0" err="1">
+                <a:ln>
+                  <a:noFill/>
+                </a:ln>
+                <a:solidFill>
+                  <a:schemeClr val="tx1"/>
+                </a:solidFill>
+                <a:effectLst/>
+              </a:rPr>
+              <a:t>contains</a:t>
+            </a:r>
+            <a:r>
+              <a:rPr kumimoji="0" lang="it-IT" altLang="it-IT" b="0" i="0" strike="noStrike" cap="none" normalizeH="0" baseline="0" dirty="0">
+                <a:ln>
+                  <a:noFill/>
+                </a:ln>
+                <a:solidFill>
+                  <a:schemeClr val="tx1"/>
+                </a:solidFill>
+                <a:effectLst/>
+              </a:rPr>
+              <a:t>: </a:t>
+            </a:r>
+          </a:p>
+          <a:p>
+            <a:pPr marL="571500" indent="-571500">
+              <a:spcBef>
+                <a:spcPts val="500"/>
+              </a:spcBef>
+              <a:buFont typeface="Wingdings" panose="05000000000000000000" pitchFamily="2" charset="2"/>
+              <a:buChar char="Ø"/>
+            </a:pPr>
+            <a:r>
+              <a:rPr kumimoji="0" lang="it-IT" altLang="it-IT" b="0" i="0" u="sng" strike="noStrike" cap="none" normalizeH="0" baseline="0" dirty="0" err="1">
+                <a:ln>
+                  <a:noFill/>
+                </a:ln>
+                <a:solidFill>
+                  <a:schemeClr val="tx1"/>
+                </a:solidFill>
+                <a:effectLst/>
+              </a:rPr>
+              <a:t>UserID</a:t>
+            </a:r>
+            <a:r>
+              <a:rPr lang="it-IT" altLang="it-IT" dirty="0"/>
+              <a:t> :  </a:t>
+            </a:r>
+            <a:r>
+              <a:rPr lang="en-US" altLang="it-IT" dirty="0"/>
+              <a:t>It lets to know which user the sensor is associated with;</a:t>
+            </a:r>
+          </a:p>
+          <a:p>
+            <a:pPr marL="571500" indent="-571500">
+              <a:spcBef>
+                <a:spcPts val="500"/>
+              </a:spcBef>
+              <a:buFont typeface="Wingdings" panose="05000000000000000000" pitchFamily="2" charset="2"/>
+              <a:buChar char="Ø"/>
+            </a:pPr>
+            <a:r>
+              <a:rPr kumimoji="0" lang="en-US" altLang="it-IT" b="0" i="0" u="sng" strike="noStrike" cap="none" normalizeH="0" baseline="0" dirty="0" err="1">
+                <a:ln>
+                  <a:noFill/>
+                </a:ln>
+                <a:solidFill>
+                  <a:schemeClr val="tx1"/>
+                </a:solidFill>
+                <a:effectLst/>
+              </a:rPr>
+              <a:t>Devi</a:t>
+            </a:r>
+            <a:r>
+              <a:rPr lang="en-US" altLang="it-IT" u="sng" dirty="0" err="1"/>
+              <a:t>ceID</a:t>
+            </a:r>
+            <a:r>
+              <a:rPr lang="en-US" altLang="it-IT" dirty="0"/>
+              <a:t>: it lets to know which is the considered sensor;</a:t>
+            </a:r>
+          </a:p>
+          <a:p>
+            <a:pPr marL="571500" indent="-571500">
+              <a:spcBef>
+                <a:spcPts val="500"/>
+              </a:spcBef>
+              <a:buFont typeface="Wingdings" panose="05000000000000000000" pitchFamily="2" charset="2"/>
+              <a:buChar char="Ø"/>
+            </a:pPr>
+            <a:r>
+              <a:rPr kumimoji="0" lang="en-US" altLang="it-IT" b="0" i="0" u="sng" strike="noStrike" cap="none" normalizeH="0" baseline="0" dirty="0">
+                <a:ln>
+                  <a:noFill/>
+                </a:ln>
+                <a:solidFill>
+                  <a:schemeClr val="tx1"/>
+                </a:solidFill>
+                <a:effectLst/>
+              </a:rPr>
+              <a:t>Topic</a:t>
+            </a:r>
+            <a:r>
+              <a:rPr kumimoji="0" lang="en-US" altLang="it-IT" b="0" i="0" u="none" strike="noStrike" cap="none" normalizeH="0" baseline="0" dirty="0">
+                <a:ln>
+                  <a:noFill/>
+                </a:ln>
+                <a:solidFill>
+                  <a:schemeClr val="tx1"/>
+                </a:solidFill>
+                <a:effectLst/>
+              </a:rPr>
+              <a:t> : where the messages related to that sensor are published;</a:t>
+            </a:r>
+            <a:endParaRPr kumimoji="0" lang="it-IT" altLang="it-IT" b="0" i="0" u="none" strike="noStrike" cap="none" normalizeH="0" baseline="0" dirty="0">
+              <a:ln>
+                <a:noFill/>
+              </a:ln>
+              <a:solidFill>
+                <a:schemeClr val="tx1"/>
+              </a:solidFill>
+              <a:effectLst/>
+            </a:endParaRPr>
+          </a:p>
+          <a:p>
+            <a:pPr marL="571500" indent="-571500">
+              <a:spcBef>
+                <a:spcPts val="500"/>
+              </a:spcBef>
+              <a:buFont typeface="Wingdings" panose="05000000000000000000" pitchFamily="2" charset="2"/>
+              <a:buChar char="Ø"/>
+            </a:pPr>
+            <a:r>
+              <a:rPr lang="it-IT" altLang="it-IT" u="sng" dirty="0"/>
+              <a:t>Value</a:t>
+            </a:r>
+            <a:r>
+              <a:rPr lang="it-IT" altLang="it-IT" dirty="0"/>
+              <a:t> : </a:t>
+            </a:r>
+            <a:r>
+              <a:rPr lang="it-IT" altLang="it-IT" dirty="0" err="1"/>
+              <a:t>where</a:t>
+            </a:r>
+            <a:r>
+              <a:rPr lang="it-IT" altLang="it-IT" dirty="0"/>
+              <a:t> the data </a:t>
+            </a:r>
+            <a:r>
+              <a:rPr lang="it-IT" altLang="it-IT" dirty="0" err="1"/>
+              <a:t>is</a:t>
+            </a:r>
+            <a:r>
+              <a:rPr lang="it-IT" altLang="it-IT" dirty="0"/>
+              <a:t> </a:t>
+            </a:r>
+            <a:r>
+              <a:rPr lang="it-IT" altLang="it-IT" dirty="0" err="1"/>
+              <a:t>stored</a:t>
+            </a:r>
+            <a:r>
+              <a:rPr lang="it-IT" altLang="it-IT" dirty="0"/>
+              <a:t>;</a:t>
+            </a:r>
+          </a:p>
+          <a:p>
+            <a:pPr marL="571500" indent="-571500">
+              <a:spcBef>
+                <a:spcPts val="500"/>
+              </a:spcBef>
+              <a:buFont typeface="Wingdings" panose="05000000000000000000" pitchFamily="2" charset="2"/>
+              <a:buChar char="Ø"/>
+            </a:pPr>
+            <a:r>
+              <a:rPr lang="it-IT" altLang="it-IT" u="sng" dirty="0"/>
+              <a:t>Channel</a:t>
+            </a:r>
+            <a:r>
+              <a:rPr lang="it-IT" altLang="it-IT" dirty="0"/>
+              <a:t> : </a:t>
+            </a:r>
+            <a:r>
+              <a:rPr lang="it-IT" altLang="it-IT" dirty="0" err="1"/>
+              <a:t>it</a:t>
+            </a:r>
+            <a:r>
+              <a:rPr lang="it-IT" altLang="it-IT" dirty="0"/>
+              <a:t> </a:t>
+            </a:r>
+            <a:r>
+              <a:rPr lang="it-IT" altLang="it-IT" dirty="0" err="1"/>
+              <a:t>contains</a:t>
+            </a:r>
+            <a:r>
+              <a:rPr lang="it-IT" altLang="it-IT" dirty="0"/>
+              <a:t> the API-Key </a:t>
+            </a:r>
+            <a:r>
+              <a:rPr lang="it-IT" altLang="it-IT" dirty="0" err="1"/>
+              <a:t>related</a:t>
+            </a:r>
+            <a:r>
+              <a:rPr lang="it-IT" altLang="it-IT" dirty="0"/>
+              <a:t> to the user </a:t>
+            </a:r>
+            <a:r>
+              <a:rPr lang="it-IT" altLang="it-IT" dirty="0" err="1"/>
+              <a:t>ThingSpeak</a:t>
+            </a:r>
+            <a:r>
+              <a:rPr lang="it-IT" altLang="it-IT" dirty="0"/>
+              <a:t> </a:t>
+            </a:r>
+            <a:r>
+              <a:rPr lang="it-IT" altLang="it-IT" dirty="0" err="1"/>
+              <a:t>channel</a:t>
+            </a:r>
+            <a:r>
+              <a:rPr lang="it-IT" altLang="it-IT" dirty="0"/>
+              <a:t>;</a:t>
+            </a:r>
+          </a:p>
+          <a:p>
+            <a:pPr marL="571500" indent="-571500">
+              <a:spcBef>
+                <a:spcPts val="500"/>
+              </a:spcBef>
+              <a:buFont typeface="Wingdings" panose="05000000000000000000" pitchFamily="2" charset="2"/>
+              <a:buChar char="Ø"/>
+            </a:pPr>
+            <a:r>
+              <a:rPr lang="it-IT" altLang="it-IT" u="sng" dirty="0"/>
+              <a:t>Field</a:t>
+            </a:r>
+            <a:r>
+              <a:rPr lang="it-IT" altLang="it-IT" dirty="0"/>
+              <a:t> : </a:t>
+            </a:r>
+            <a:r>
+              <a:rPr lang="en-US" altLang="it-IT" dirty="0"/>
+              <a:t>it explains exactly in which </a:t>
+            </a:r>
+            <a:r>
+              <a:rPr lang="en-US" altLang="it-IT" dirty="0" err="1"/>
+              <a:t>thingspeak</a:t>
+            </a:r>
+            <a:r>
+              <a:rPr lang="en-US" altLang="it-IT" dirty="0"/>
+              <a:t> graph it will have to be recorded.</a:t>
+            </a:r>
+            <a:endParaRPr kumimoji="0" lang="it-IT" altLang="it-IT" b="0" i="0" u="none" strike="noStrike" cap="none" normalizeH="0" baseline="0" dirty="0">
+              <a:ln>
+                <a:noFill/>
+              </a:ln>
+              <a:solidFill>
+                <a:schemeClr val="tx1"/>
+              </a:solidFill>
+              <a:effectLst/>
+            </a:endParaRPr>
+          </a:p>
+        </p:txBody>
+      </p:sp>
+    </p:spTree>
+    <p:extLst>
+      <p:ext uri="{BB962C8B-B14F-4D97-AF65-F5344CB8AC3E}">
+        <p14:creationId xmlns:p14="http://schemas.microsoft.com/office/powerpoint/2010/main" val="1564639899"/>
+      </p:ext>
+    </p:extLst>
+  </p:cSld>
+  <p:clrMapOvr>
+    <a:masterClrMapping/>
+  </p:clrMapOvr>
+</p:sld>
+</file>
+
+<file path=ppt/slides/slide27.xml><?xml version="1.0" encoding="utf-8"?>
+<p:sld xmlns:a="http://schemas.openxmlformats.org/drawingml/2006/main" xmlns:r="http://schemas.openxmlformats.org/officeDocument/2006/relationships" xmlns:p="http://schemas.openxmlformats.org/presentationml/2006/main">
+  <p:cSld>
+    <p:spTree>
+      <p:nvGrpSpPr>
+        <p:cNvPr id="1" name=""/>
+        <p:cNvGrpSpPr/>
+        <p:nvPr/>
+      </p:nvGrpSpPr>
+      <p:grpSpPr>
+        <a:xfrm>
+          <a:off x="0" y="0"/>
+          <a:ext cx="0" cy="0"/>
+          <a:chOff x="0" y="0"/>
+          <a:chExt cx="0" cy="0"/>
+        </a:xfrm>
+      </p:grpSpPr>
+      <p:sp>
+        <p:nvSpPr>
+          <p:cNvPr id="2" name="Titolo 1">
+            <a:extLst>
+              <a:ext uri="{FF2B5EF4-FFF2-40B4-BE49-F238E27FC236}">
+                <a16:creationId xmlns:a16="http://schemas.microsoft.com/office/drawing/2014/main" id="{65FC2CFA-FD1D-BEC7-F526-F089FADAD839}"/>
+              </a:ext>
+            </a:extLst>
+          </p:cNvPr>
+          <p:cNvSpPr>
+            <a:spLocks noGrp="1"/>
+          </p:cNvSpPr>
+          <p:nvPr>
+            <p:ph type="title"/>
+          </p:nvPr>
+        </p:nvSpPr>
+        <p:spPr>
+          <a:xfrm>
+            <a:off x="1050558" y="464075"/>
+            <a:ext cx="8596668" cy="1320800"/>
+          </a:xfrm>
+        </p:spPr>
+        <p:txBody>
+          <a:bodyPr/>
+          <a:lstStyle/>
+          <a:p>
+            <a:pPr algn="ctr"/>
+            <a:r>
+              <a:rPr lang="it-IT" dirty="0" err="1"/>
+              <a:t>ThingSpeak</a:t>
+            </a:r>
+            <a:endParaRPr lang="it-IT" dirty="0"/>
+          </a:p>
+        </p:txBody>
+      </p:sp>
+      <p:sp>
+        <p:nvSpPr>
+          <p:cNvPr id="4" name="CasellaDiTesto 3">
+            <a:extLst>
+              <a:ext uri="{FF2B5EF4-FFF2-40B4-BE49-F238E27FC236}">
+                <a16:creationId xmlns:a16="http://schemas.microsoft.com/office/drawing/2014/main" id="{94F1CA5F-B758-10CB-D4ED-D7DB31F26556}"/>
+              </a:ext>
+            </a:extLst>
+          </p:cNvPr>
+          <p:cNvSpPr txBox="1"/>
+          <p:nvPr/>
+        </p:nvSpPr>
+        <p:spPr>
+          <a:xfrm>
+            <a:off x="1576874" y="1408922"/>
+            <a:ext cx="7380514" cy="2821285"/>
+          </a:xfrm>
+          <a:prstGeom prst="rect">
+            <a:avLst/>
+          </a:prstGeom>
+          <a:noFill/>
+        </p:spPr>
+        <p:txBody>
+          <a:bodyPr wrap="square" rtlCol="0">
+            <a:spAutoFit/>
+          </a:bodyPr>
+          <a:lstStyle/>
+          <a:p>
+            <a:pPr algn="ctr">
+              <a:spcBef>
+                <a:spcPts val="1000"/>
+              </a:spcBef>
+            </a:pPr>
+            <a:r>
+              <a:rPr lang="it-IT" b="1" dirty="0" err="1"/>
+              <a:t>What</a:t>
+            </a:r>
+            <a:r>
+              <a:rPr lang="it-IT" b="1" dirty="0"/>
+              <a:t> </a:t>
+            </a:r>
+            <a:r>
+              <a:rPr lang="it-IT" b="1" dirty="0" err="1"/>
+              <a:t>is</a:t>
+            </a:r>
+            <a:r>
+              <a:rPr lang="it-IT" b="1" dirty="0"/>
+              <a:t> </a:t>
+            </a:r>
+            <a:r>
+              <a:rPr lang="it-IT" b="1" dirty="0" err="1"/>
+              <a:t>it</a:t>
+            </a:r>
+            <a:r>
+              <a:rPr lang="it-IT" b="1" dirty="0"/>
+              <a:t>?</a:t>
+            </a:r>
+          </a:p>
+          <a:p>
+            <a:pPr>
+              <a:spcBef>
+                <a:spcPts val="1000"/>
+              </a:spcBef>
+            </a:pPr>
+            <a:r>
+              <a:rPr lang="it-IT" dirty="0" err="1"/>
+              <a:t>It</a:t>
+            </a:r>
+            <a:r>
+              <a:rPr lang="it-IT" dirty="0"/>
+              <a:t> </a:t>
+            </a:r>
+            <a:r>
+              <a:rPr lang="it-IT" dirty="0" err="1"/>
+              <a:t>is</a:t>
+            </a:r>
+            <a:r>
+              <a:rPr lang="it-IT" dirty="0"/>
+              <a:t> a </a:t>
+            </a:r>
+            <a:r>
+              <a:rPr lang="it-IT" dirty="0" err="1"/>
+              <a:t>platform</a:t>
+            </a:r>
+            <a:r>
+              <a:rPr lang="it-IT" dirty="0"/>
+              <a:t> </a:t>
+            </a:r>
+            <a:r>
+              <a:rPr lang="en-US" dirty="0"/>
+              <a:t>which allows you to collect data streams in the cloud from IoT devices, so it is like a database.</a:t>
+            </a:r>
+          </a:p>
+          <a:p>
+            <a:pPr marL="285750" indent="-285750">
+              <a:spcBef>
+                <a:spcPts val="1000"/>
+              </a:spcBef>
+              <a:buFont typeface="Wingdings" panose="05000000000000000000" pitchFamily="2" charset="2"/>
+              <a:buChar char="Ø"/>
+            </a:pPr>
+            <a:r>
+              <a:rPr lang="en-US" dirty="0"/>
+              <a:t>Allows you to implement communication via MQTT or REST-full. In our case, via REST-full;</a:t>
+            </a:r>
+          </a:p>
+          <a:p>
+            <a:pPr marL="285750" indent="-285750">
+              <a:spcBef>
+                <a:spcPts val="1000"/>
+              </a:spcBef>
+              <a:buFont typeface="Wingdings" panose="05000000000000000000" pitchFamily="2" charset="2"/>
+              <a:buChar char="Ø"/>
+            </a:pPr>
+            <a:r>
+              <a:rPr lang="en-US" dirty="0"/>
+              <a:t>Increases both the scalability of the platform and the interoperability between the components.</a:t>
+            </a:r>
+          </a:p>
+          <a:p>
+            <a:pPr>
+              <a:spcBef>
+                <a:spcPts val="1000"/>
+              </a:spcBef>
+            </a:pPr>
+            <a:endParaRPr lang="en-US" dirty="0"/>
+          </a:p>
+        </p:txBody>
+      </p:sp>
+      <p:sp>
+        <p:nvSpPr>
+          <p:cNvPr id="5" name="CasellaDiTesto 4">
+            <a:extLst>
+              <a:ext uri="{FF2B5EF4-FFF2-40B4-BE49-F238E27FC236}">
+                <a16:creationId xmlns:a16="http://schemas.microsoft.com/office/drawing/2014/main" id="{9EA7F959-8F50-1092-9CB2-4E47C5EBA5FD}"/>
+              </a:ext>
+            </a:extLst>
+          </p:cNvPr>
+          <p:cNvSpPr txBox="1"/>
+          <p:nvPr/>
+        </p:nvSpPr>
+        <p:spPr>
+          <a:xfrm>
+            <a:off x="2262673" y="4571915"/>
+            <a:ext cx="6008915" cy="1754326"/>
+          </a:xfrm>
+          <a:prstGeom prst="rect">
+            <a:avLst/>
+          </a:prstGeom>
+          <a:noFill/>
+        </p:spPr>
+        <p:txBody>
+          <a:bodyPr wrap="square" rtlCol="0">
+            <a:spAutoFit/>
+          </a:bodyPr>
+          <a:lstStyle/>
+          <a:p>
+            <a:pPr algn="ctr">
+              <a:spcBef>
+                <a:spcPts val="1000"/>
+              </a:spcBef>
+            </a:pPr>
+            <a:r>
+              <a:rPr lang="it-IT" b="1" dirty="0" err="1"/>
+              <a:t>Communication</a:t>
+            </a:r>
+            <a:r>
+              <a:rPr lang="it-IT" b="1" dirty="0"/>
+              <a:t> with:</a:t>
+            </a:r>
+            <a:endParaRPr lang="it-IT" dirty="0"/>
+          </a:p>
+          <a:p>
+            <a:pPr marL="285750" indent="-285750">
+              <a:buFont typeface="Wingdings" panose="05000000000000000000" pitchFamily="2" charset="2"/>
+              <a:buChar char="q"/>
+            </a:pPr>
+            <a:r>
+              <a:rPr lang="it-IT" u="sng" dirty="0"/>
+              <a:t>Data </a:t>
+            </a:r>
+            <a:r>
+              <a:rPr lang="it-IT" u="sng" dirty="0" err="1"/>
+              <a:t>Analisys</a:t>
+            </a:r>
+            <a:r>
+              <a:rPr lang="it-IT" dirty="0"/>
+              <a:t>: </a:t>
+            </a:r>
+            <a:r>
+              <a:rPr lang="it-IT" dirty="0" err="1"/>
+              <a:t>using</a:t>
+            </a:r>
+            <a:r>
+              <a:rPr lang="it-IT" dirty="0"/>
+              <a:t> REST-full </a:t>
+            </a:r>
+            <a:r>
+              <a:rPr lang="it-IT" dirty="0" err="1"/>
+              <a:t>communication</a:t>
+            </a:r>
+            <a:r>
+              <a:rPr lang="it-IT" dirty="0"/>
+              <a:t> </a:t>
+            </a:r>
+            <a:r>
+              <a:rPr lang="it-IT" dirty="0" err="1"/>
+              <a:t>protocol</a:t>
+            </a:r>
+            <a:r>
+              <a:rPr lang="it-IT" dirty="0"/>
+              <a:t>, in </a:t>
+            </a:r>
+            <a:r>
+              <a:rPr lang="it-IT" dirty="0" err="1"/>
+              <a:t>order</a:t>
+            </a:r>
+            <a:r>
+              <a:rPr lang="it-IT" dirty="0"/>
+              <a:t> to </a:t>
+            </a:r>
+            <a:r>
+              <a:rPr lang="it-IT" dirty="0" err="1"/>
+              <a:t>retrieve</a:t>
+            </a:r>
+            <a:r>
+              <a:rPr lang="it-IT" dirty="0"/>
+              <a:t> the </a:t>
+            </a:r>
+            <a:r>
+              <a:rPr lang="it-IT" dirty="0" err="1"/>
+              <a:t>measurements</a:t>
+            </a:r>
+            <a:r>
+              <a:rPr lang="it-IT" dirty="0"/>
+              <a:t>.</a:t>
+            </a:r>
+          </a:p>
+          <a:p>
+            <a:endParaRPr lang="it-IT" dirty="0"/>
+          </a:p>
+          <a:p>
+            <a:pPr marL="285750" indent="-285750">
+              <a:buFont typeface="Wingdings" panose="05000000000000000000" pitchFamily="2" charset="2"/>
+              <a:buChar char="q"/>
+            </a:pPr>
+            <a:r>
+              <a:rPr lang="it-IT" u="sng" dirty="0" err="1"/>
+              <a:t>Telegram</a:t>
+            </a:r>
+            <a:r>
+              <a:rPr lang="it-IT" u="sng" dirty="0"/>
+              <a:t> Bot</a:t>
+            </a:r>
+            <a:r>
+              <a:rPr lang="it-IT" dirty="0"/>
+              <a:t>: to </a:t>
+            </a:r>
+            <a:r>
+              <a:rPr lang="it-IT" dirty="0" err="1"/>
+              <a:t>provide</a:t>
+            </a:r>
+            <a:r>
+              <a:rPr lang="it-IT" dirty="0"/>
+              <a:t> the energy </a:t>
+            </a:r>
+            <a:r>
+              <a:rPr lang="it-IT" dirty="0" err="1"/>
+              <a:t>graphs</a:t>
+            </a:r>
+            <a:r>
+              <a:rPr lang="it-IT" dirty="0"/>
+              <a:t>.</a:t>
+            </a:r>
+          </a:p>
+          <a:p>
+            <a:pPr marL="285750" indent="-285750">
+              <a:buFont typeface="Wingdings" panose="05000000000000000000" pitchFamily="2" charset="2"/>
+              <a:buChar char="q"/>
+            </a:pPr>
+            <a:endParaRPr lang="it-IT" dirty="0"/>
+          </a:p>
+        </p:txBody>
+      </p:sp>
+    </p:spTree>
+    <p:extLst>
+      <p:ext uri="{BB962C8B-B14F-4D97-AF65-F5344CB8AC3E}">
+        <p14:creationId xmlns:p14="http://schemas.microsoft.com/office/powerpoint/2010/main" val="141342550"/>
+      </p:ext>
+    </p:extLst>
+  </p:cSld>
+  <p:clrMapOvr>
+    <a:masterClrMapping/>
+  </p:clrMapOvr>
+</p:sld>
+</file>
+
+<file path=ppt/slides/slide28.xml><?xml version="1.0" encoding="utf-8"?>
+<p:sld xmlns:a="http://schemas.openxmlformats.org/drawingml/2006/main" xmlns:r="http://schemas.openxmlformats.org/officeDocument/2006/relationships" xmlns:p="http://schemas.openxmlformats.org/presentationml/2006/main">
+  <p:cSld>
+    <p:spTree>
+      <p:nvGrpSpPr>
+        <p:cNvPr id="1" name=""/>
+        <p:cNvGrpSpPr/>
+        <p:nvPr/>
+      </p:nvGrpSpPr>
+      <p:grpSpPr>
+        <a:xfrm>
+          <a:off x="0" y="0"/>
+          <a:ext cx="0" cy="0"/>
+          <a:chOff x="0" y="0"/>
+          <a:chExt cx="0" cy="0"/>
+        </a:xfrm>
+      </p:grpSpPr>
+      <p:sp>
+        <p:nvSpPr>
+          <p:cNvPr id="5" name="Titolo 1">
+            <a:extLst>
+              <a:ext uri="{FF2B5EF4-FFF2-40B4-BE49-F238E27FC236}">
+                <a16:creationId xmlns:a16="http://schemas.microsoft.com/office/drawing/2014/main" id="{25DF0135-FE5F-0677-74FA-5F83C5BDF690}"/>
+              </a:ext>
+            </a:extLst>
+          </p:cNvPr>
+          <p:cNvSpPr>
+            <a:spLocks noGrp="1"/>
+          </p:cNvSpPr>
+          <p:nvPr>
+            <p:ph type="title"/>
+          </p:nvPr>
+        </p:nvSpPr>
+        <p:spPr>
+          <a:xfrm>
+            <a:off x="1050558" y="464075"/>
+            <a:ext cx="8596668" cy="1320800"/>
+          </a:xfrm>
+        </p:spPr>
+        <p:txBody>
+          <a:bodyPr/>
+          <a:lstStyle/>
+          <a:p>
+            <a:pPr algn="ctr"/>
+            <a:r>
+              <a:rPr lang="it-IT" dirty="0" err="1"/>
+              <a:t>ThingSpeak</a:t>
+            </a:r>
+            <a:endParaRPr lang="it-IT" dirty="0"/>
+          </a:p>
+        </p:txBody>
+      </p:sp>
+      <p:sp>
+        <p:nvSpPr>
+          <p:cNvPr id="6" name="CasellaDiTesto 5">
+            <a:extLst>
+              <a:ext uri="{FF2B5EF4-FFF2-40B4-BE49-F238E27FC236}">
+                <a16:creationId xmlns:a16="http://schemas.microsoft.com/office/drawing/2014/main" id="{C3C0660A-CBBB-CB58-F889-F3B9C0C16856}"/>
+              </a:ext>
+            </a:extLst>
+          </p:cNvPr>
+          <p:cNvSpPr txBox="1"/>
+          <p:nvPr/>
+        </p:nvSpPr>
+        <p:spPr>
+          <a:xfrm>
+            <a:off x="1371600" y="2192694"/>
+            <a:ext cx="7464490" cy="861774"/>
+          </a:xfrm>
+          <a:prstGeom prst="rect">
+            <a:avLst/>
+          </a:prstGeom>
+          <a:noFill/>
+        </p:spPr>
+        <p:txBody>
+          <a:bodyPr wrap="square" rtlCol="0">
+            <a:spAutoFit/>
+          </a:bodyPr>
+          <a:lstStyle/>
+          <a:p>
+            <a:r>
+              <a:rPr lang="it-IT" sz="5000" dirty="0">
+                <a:solidFill>
+                  <a:srgbClr val="C00000"/>
+                </a:solidFill>
+              </a:rPr>
+              <a:t>INSERIRE FOTO GRAFICI</a:t>
+            </a:r>
+          </a:p>
+        </p:txBody>
+      </p:sp>
+    </p:spTree>
+    <p:extLst>
+      <p:ext uri="{BB962C8B-B14F-4D97-AF65-F5344CB8AC3E}">
+        <p14:creationId xmlns:p14="http://schemas.microsoft.com/office/powerpoint/2010/main" val="2131386888"/>
+      </p:ext>
+    </p:extLst>
+  </p:cSld>
+  <p:clrMapOvr>
+    <a:masterClrMapping/>
+  </p:clrMapOvr>
+</p:sld>
+</file>
+
+<file path=ppt/slides/slide29.xml><?xml version="1.0" encoding="utf-8"?>
 <p:sld xmlns:a="http://schemas.openxmlformats.org/drawingml/2006/main" xmlns:r="http://schemas.openxmlformats.org/officeDocument/2006/relationships" xmlns:p="http://schemas.openxmlformats.org/presentationml/2006/main">
   <p:cSld>
     <p:spTree>
@@ -20234,7 +21983,113 @@
 </p:sld>
 </file>
 
-<file path=ppt/slides/slide27.xml><?xml version="1.0" encoding="utf-8"?>
+<file path=ppt/slides/slide3.xml><?xml version="1.0" encoding="utf-8"?>
+<p:sld xmlns:a="http://schemas.openxmlformats.org/drawingml/2006/main" xmlns:r="http://schemas.openxmlformats.org/officeDocument/2006/relationships" xmlns:p="http://schemas.openxmlformats.org/presentationml/2006/main">
+  <p:cSld>
+    <p:spTree>
+      <p:nvGrpSpPr>
+        <p:cNvPr id="1" name=""/>
+        <p:cNvGrpSpPr/>
+        <p:nvPr/>
+      </p:nvGrpSpPr>
+      <p:grpSpPr>
+        <a:xfrm>
+          <a:off x="0" y="0"/>
+          <a:ext cx="0" cy="0"/>
+          <a:chOff x="0" y="0"/>
+          <a:chExt cx="0" cy="0"/>
+        </a:xfrm>
+      </p:grpSpPr>
+      <p:sp>
+        <p:nvSpPr>
+          <p:cNvPr id="2" name="Title 1">
+            <a:extLst>
+              <a:ext uri="{FF2B5EF4-FFF2-40B4-BE49-F238E27FC236}">
+                <a16:creationId xmlns:a16="http://schemas.microsoft.com/office/drawing/2014/main" id="{3FDAEF39-2563-D5D8-701B-834175A2DF51}"/>
+              </a:ext>
+            </a:extLst>
+          </p:cNvPr>
+          <p:cNvSpPr>
+            <a:spLocks noGrp="1"/>
+          </p:cNvSpPr>
+          <p:nvPr>
+            <p:ph type="title"/>
+          </p:nvPr>
+        </p:nvSpPr>
+        <p:spPr>
+          <a:xfrm>
+            <a:off x="658673" y="422987"/>
+            <a:ext cx="8596668" cy="1320800"/>
+          </a:xfrm>
+        </p:spPr>
+        <p:txBody>
+          <a:bodyPr/>
+          <a:lstStyle/>
+          <a:p>
+            <a:pPr algn="ctr"/>
+            <a:r>
+              <a:rPr lang="it-IT" dirty="0"/>
+              <a:t>Use Case </a:t>
+            </a:r>
+            <a:r>
+              <a:rPr lang="it-IT" dirty="0" err="1"/>
+              <a:t>Diagram</a:t>
+            </a:r>
+            <a:r>
+              <a:rPr lang="it-IT" dirty="0"/>
+              <a:t> - </a:t>
+            </a:r>
+            <a:r>
+              <a:rPr lang="it-IT" dirty="0" err="1"/>
+              <a:t>Proposal</a:t>
+            </a:r>
+            <a:endParaRPr lang="it-IT" dirty="0"/>
+          </a:p>
+        </p:txBody>
+      </p:sp>
+      <p:pic>
+        <p:nvPicPr>
+          <p:cNvPr id="4" name="Picture 3">
+            <a:extLst>
+              <a:ext uri="{FF2B5EF4-FFF2-40B4-BE49-F238E27FC236}">
+                <a16:creationId xmlns:a16="http://schemas.microsoft.com/office/drawing/2014/main" id="{A937875E-F5DB-0F12-6BCC-55C83DCBA47A}"/>
+              </a:ext>
+            </a:extLst>
+          </p:cNvPr>
+          <p:cNvPicPr>
+            <a:picLocks noChangeAspect="1"/>
+          </p:cNvPicPr>
+          <p:nvPr/>
+        </p:nvPicPr>
+        <p:blipFill rotWithShape="1">
+          <a:blip r:embed="rId2"/>
+          <a:srcRect l="1668" t="1203" b="523"/>
+          <a:stretch/>
+        </p:blipFill>
+        <p:spPr>
+          <a:xfrm>
+            <a:off x="533570" y="1307323"/>
+            <a:ext cx="8596668" cy="4869543"/>
+          </a:xfrm>
+          <a:prstGeom prst="rect">
+            <a:avLst/>
+          </a:prstGeom>
+        </p:spPr>
+      </p:pic>
+    </p:spTree>
+    <p:extLst>
+      <p:ext uri="{BB962C8B-B14F-4D97-AF65-F5344CB8AC3E}">
+        <p14:creationId xmlns:p14="http://schemas.microsoft.com/office/powerpoint/2010/main" val="2139544822"/>
+      </p:ext>
+    </p:extLst>
+  </p:cSld>
+  <p:clrMapOvr>
+    <a:masterClrMapping/>
+  </p:clrMapOvr>
+</p:sld>
+</file>
+
+<file path=ppt/slides/slide30.xml><?xml version="1.0" encoding="utf-8"?>
 <p:sld xmlns:a="http://schemas.openxmlformats.org/drawingml/2006/main" xmlns:r="http://schemas.openxmlformats.org/officeDocument/2006/relationships" xmlns:p="http://schemas.openxmlformats.org/presentationml/2006/main">
   <p:cSld>
     <p:spTree>
@@ -21130,7 +22985,7 @@
 </p:sld>
 </file>
 
-<file path=ppt/slides/slide28.xml><?xml version="1.0" encoding="utf-8"?>
+<file path=ppt/slides/slide31.xml><?xml version="1.0" encoding="utf-8"?>
 <p:sld xmlns:a="http://schemas.openxmlformats.org/drawingml/2006/main" xmlns:r="http://schemas.openxmlformats.org/officeDocument/2006/relationships" xmlns:p="http://schemas.openxmlformats.org/presentationml/2006/main">
   <p:cSld>
     <p:spTree>
@@ -21874,286 +23729,7 @@
 </p:sld>
 </file>
 
-<file path=ppt/slides/slide3.xml><?xml version="1.0" encoding="utf-8"?>
-<p:sld xmlns:a="http://schemas.openxmlformats.org/drawingml/2006/main" xmlns:r="http://schemas.openxmlformats.org/officeDocument/2006/relationships" xmlns:p="http://schemas.openxmlformats.org/presentationml/2006/main">
-  <p:cSld>
-    <p:spTree>
-      <p:nvGrpSpPr>
-        <p:cNvPr id="1" name=""/>
-        <p:cNvGrpSpPr/>
-        <p:nvPr/>
-      </p:nvGrpSpPr>
-      <p:grpSpPr>
-        <a:xfrm>
-          <a:off x="0" y="0"/>
-          <a:ext cx="0" cy="0"/>
-          <a:chOff x="0" y="0"/>
-          <a:chExt cx="0" cy="0"/>
-        </a:xfrm>
-      </p:grpSpPr>
-      <p:sp>
-        <p:nvSpPr>
-          <p:cNvPr id="2" name="Title 1">
-            <a:extLst>
-              <a:ext uri="{FF2B5EF4-FFF2-40B4-BE49-F238E27FC236}">
-                <a16:creationId xmlns:a16="http://schemas.microsoft.com/office/drawing/2014/main" id="{9B051157-67C8-46B1-680A-1E66ABD64F29}"/>
-              </a:ext>
-            </a:extLst>
-          </p:cNvPr>
-          <p:cNvSpPr>
-            <a:spLocks noGrp="1"/>
-          </p:cNvSpPr>
-          <p:nvPr>
-            <p:ph type="title"/>
-          </p:nvPr>
-        </p:nvSpPr>
-        <p:spPr/>
-        <p:txBody>
-          <a:bodyPr/>
-          <a:lstStyle/>
-          <a:p>
-            <a:r>
-              <a:rPr lang="it-IT" dirty="0" err="1"/>
-              <a:t>Communication</a:t>
-            </a:r>
-            <a:r>
-              <a:rPr lang="it-IT" dirty="0"/>
-              <a:t> </a:t>
-            </a:r>
-            <a:r>
-              <a:rPr lang="it-IT" dirty="0" err="1"/>
-              <a:t>paradigms</a:t>
-            </a:r>
-            <a:r>
-              <a:rPr lang="it-IT" dirty="0"/>
-              <a:t> </a:t>
-            </a:r>
-            <a:r>
-              <a:rPr lang="it-IT" dirty="0" err="1"/>
-              <a:t>used</a:t>
-            </a:r>
-            <a:endParaRPr lang="it-IT" dirty="0"/>
-          </a:p>
-        </p:txBody>
-      </p:sp>
-      <p:sp>
-        <p:nvSpPr>
-          <p:cNvPr id="3" name="Content Placeholder 2">
-            <a:extLst>
-              <a:ext uri="{FF2B5EF4-FFF2-40B4-BE49-F238E27FC236}">
-                <a16:creationId xmlns:a16="http://schemas.microsoft.com/office/drawing/2014/main" id="{9AD84C96-5D05-6984-BD4E-582D1589E3E1}"/>
-              </a:ext>
-            </a:extLst>
-          </p:cNvPr>
-          <p:cNvSpPr>
-            <a:spLocks noGrp="1"/>
-          </p:cNvSpPr>
-          <p:nvPr>
-            <p:ph sz="half" idx="4294967295"/>
-          </p:nvPr>
-        </p:nvSpPr>
-        <p:spPr>
-          <a:xfrm>
-            <a:off x="0" y="2160588"/>
-            <a:ext cx="4183063" cy="3881437"/>
-          </a:xfrm>
-        </p:spPr>
-        <p:txBody>
-          <a:bodyPr/>
-          <a:lstStyle/>
-          <a:p>
-            <a:r>
-              <a:rPr lang="it-IT" dirty="0"/>
-              <a:t>REST:</a:t>
-            </a:r>
-          </a:p>
-          <a:p>
-            <a:pPr marL="0" indent="0">
-              <a:buNone/>
-            </a:pPr>
-            <a:r>
-              <a:rPr lang="it-IT" dirty="0"/>
-              <a:t>How </a:t>
-            </a:r>
-            <a:r>
-              <a:rPr lang="it-IT" dirty="0" err="1"/>
-              <a:t>it</a:t>
-            </a:r>
-            <a:r>
-              <a:rPr lang="it-IT" dirty="0"/>
-              <a:t> works</a:t>
-            </a:r>
-          </a:p>
-        </p:txBody>
-      </p:sp>
-      <p:sp>
-        <p:nvSpPr>
-          <p:cNvPr id="4" name="Content Placeholder 3">
-            <a:extLst>
-              <a:ext uri="{FF2B5EF4-FFF2-40B4-BE49-F238E27FC236}">
-                <a16:creationId xmlns:a16="http://schemas.microsoft.com/office/drawing/2014/main" id="{84BCCD29-2777-ED7E-115B-8F2A21954694}"/>
-              </a:ext>
-            </a:extLst>
-          </p:cNvPr>
-          <p:cNvSpPr>
-            <a:spLocks noGrp="1"/>
-          </p:cNvSpPr>
-          <p:nvPr>
-            <p:ph sz="half" idx="4294967295"/>
-          </p:nvPr>
-        </p:nvSpPr>
-        <p:spPr>
-          <a:xfrm>
-            <a:off x="5348125" y="2067282"/>
-            <a:ext cx="4184650" cy="3881437"/>
-          </a:xfrm>
-        </p:spPr>
-        <p:txBody>
-          <a:bodyPr/>
-          <a:lstStyle/>
-          <a:p>
-            <a:r>
-              <a:rPr lang="it-IT" dirty="0"/>
-              <a:t>MQTT</a:t>
-            </a:r>
-            <a:br>
-              <a:rPr lang="it-IT" dirty="0"/>
-            </a:br>
-            <a:r>
-              <a:rPr lang="it-IT" dirty="0"/>
-              <a:t>How </a:t>
-            </a:r>
-            <a:r>
-              <a:rPr lang="it-IT" dirty="0" err="1"/>
-              <a:t>it</a:t>
-            </a:r>
-            <a:r>
-              <a:rPr lang="it-IT" dirty="0"/>
-              <a:t> works</a:t>
-            </a:r>
-          </a:p>
-        </p:txBody>
-      </p:sp>
-    </p:spTree>
-    <p:extLst>
-      <p:ext uri="{BB962C8B-B14F-4D97-AF65-F5344CB8AC3E}">
-        <p14:creationId xmlns:p14="http://schemas.microsoft.com/office/powerpoint/2010/main" val="2716321056"/>
-      </p:ext>
-    </p:extLst>
-  </p:cSld>
-  <p:clrMapOvr>
-    <a:masterClrMapping/>
-  </p:clrMapOvr>
-</p:sld>
-</file>
-
 <file path=ppt/slides/slide4.xml><?xml version="1.0" encoding="utf-8"?>
-<p:sld xmlns:a="http://schemas.openxmlformats.org/drawingml/2006/main" xmlns:r="http://schemas.openxmlformats.org/officeDocument/2006/relationships" xmlns:p="http://schemas.openxmlformats.org/presentationml/2006/main">
-  <p:cSld>
-    <p:spTree>
-      <p:nvGrpSpPr>
-        <p:cNvPr id="1" name=""/>
-        <p:cNvGrpSpPr/>
-        <p:nvPr/>
-      </p:nvGrpSpPr>
-      <p:grpSpPr>
-        <a:xfrm>
-          <a:off x="0" y="0"/>
-          <a:ext cx="0" cy="0"/>
-          <a:chOff x="0" y="0"/>
-          <a:chExt cx="0" cy="0"/>
-        </a:xfrm>
-      </p:grpSpPr>
-      <p:sp>
-        <p:nvSpPr>
-          <p:cNvPr id="2" name="Title 1">
-            <a:extLst>
-              <a:ext uri="{FF2B5EF4-FFF2-40B4-BE49-F238E27FC236}">
-                <a16:creationId xmlns:a16="http://schemas.microsoft.com/office/drawing/2014/main" id="{3FDAEF39-2563-D5D8-701B-834175A2DF51}"/>
-              </a:ext>
-            </a:extLst>
-          </p:cNvPr>
-          <p:cNvSpPr>
-            <a:spLocks noGrp="1"/>
-          </p:cNvSpPr>
-          <p:nvPr>
-            <p:ph type="title"/>
-          </p:nvPr>
-        </p:nvSpPr>
-        <p:spPr>
-          <a:xfrm>
-            <a:off x="658673" y="422987"/>
-            <a:ext cx="8596668" cy="1320800"/>
-          </a:xfrm>
-        </p:spPr>
-        <p:txBody>
-          <a:bodyPr/>
-          <a:lstStyle/>
-          <a:p>
-            <a:pPr algn="ctr"/>
-            <a:r>
-              <a:rPr lang="it-IT" dirty="0"/>
-              <a:t>Use Case </a:t>
-            </a:r>
-            <a:r>
-              <a:rPr lang="it-IT" dirty="0" err="1"/>
-              <a:t>Diagram</a:t>
-            </a:r>
-            <a:r>
-              <a:rPr lang="it-IT" dirty="0"/>
-              <a:t> - </a:t>
-            </a:r>
-            <a:r>
-              <a:rPr lang="it-IT" dirty="0" err="1"/>
-              <a:t>Proposal</a:t>
-            </a:r>
-            <a:endParaRPr lang="it-IT" dirty="0"/>
-          </a:p>
-        </p:txBody>
-      </p:sp>
-      <p:pic>
-        <p:nvPicPr>
-          <p:cNvPr id="4" name="Picture 3">
-            <a:extLst>
-              <a:ext uri="{FF2B5EF4-FFF2-40B4-BE49-F238E27FC236}">
-                <a16:creationId xmlns:a16="http://schemas.microsoft.com/office/drawing/2014/main" id="{A937875E-F5DB-0F12-6BCC-55C83DCBA47A}"/>
-              </a:ext>
-            </a:extLst>
-          </p:cNvPr>
-          <p:cNvPicPr>
-            <a:picLocks noChangeAspect="1"/>
-          </p:cNvPicPr>
-          <p:nvPr/>
-        </p:nvPicPr>
-        <p:blipFill rotWithShape="1">
-          <a:blip r:embed="rId2"/>
-          <a:srcRect l="1668" t="1203" b="523"/>
-          <a:stretch/>
-        </p:blipFill>
-        <p:spPr>
-          <a:xfrm>
-            <a:off x="533570" y="1307323"/>
-            <a:ext cx="8596668" cy="4869543"/>
-          </a:xfrm>
-          <a:prstGeom prst="rect">
-            <a:avLst/>
-          </a:prstGeom>
-        </p:spPr>
-      </p:pic>
-    </p:spTree>
-    <p:extLst>
-      <p:ext uri="{BB962C8B-B14F-4D97-AF65-F5344CB8AC3E}">
-        <p14:creationId xmlns:p14="http://schemas.microsoft.com/office/powerpoint/2010/main" val="2139544822"/>
-      </p:ext>
-    </p:extLst>
-  </p:cSld>
-  <p:clrMapOvr>
-    <a:masterClrMapping/>
-  </p:clrMapOvr>
-</p:sld>
-</file>
-
-<file path=ppt/slides/slide5.xml><?xml version="1.0" encoding="utf-8"?>
 <p:sld xmlns:a="http://schemas.openxmlformats.org/drawingml/2006/main" xmlns:r="http://schemas.openxmlformats.org/officeDocument/2006/relationships" xmlns:p="http://schemas.openxmlformats.org/presentationml/2006/main">
   <p:cSld>
     <p:spTree>
@@ -22266,7 +23842,7 @@
 </p:sld>
 </file>
 
-<file path=ppt/slides/slide6.xml><?xml version="1.0" encoding="utf-8"?>
+<file path=ppt/slides/slide5.xml><?xml version="1.0" encoding="utf-8"?>
 <p:sld xmlns:a="http://schemas.openxmlformats.org/drawingml/2006/main" xmlns:r="http://schemas.openxmlformats.org/officeDocument/2006/relationships" xmlns:p="http://schemas.openxmlformats.org/presentationml/2006/main">
   <p:cSld>
     <p:spTree>
@@ -23124,7 +24700,7 @@
 </p:sld>
 </file>
 
-<file path=ppt/slides/slide7.xml><?xml version="1.0" encoding="utf-8"?>
+<file path=ppt/slides/slide6.xml><?xml version="1.0" encoding="utf-8"?>
 <p:sld xmlns:a="http://schemas.openxmlformats.org/drawingml/2006/main" xmlns:r="http://schemas.openxmlformats.org/officeDocument/2006/relationships" xmlns:p="http://schemas.openxmlformats.org/presentationml/2006/main">
   <p:cSld>
     <p:spTree>
@@ -24058,7 +25634,7 @@
 </p:sld>
 </file>
 
-<file path=ppt/slides/slide8.xml><?xml version="1.0" encoding="utf-8"?>
+<file path=ppt/slides/slide7.xml><?xml version="1.0" encoding="utf-8"?>
 <p:sld xmlns:a="http://schemas.openxmlformats.org/drawingml/2006/main" xmlns:r="http://schemas.openxmlformats.org/officeDocument/2006/relationships" xmlns:p="http://schemas.openxmlformats.org/presentationml/2006/main">
   <p:cSld>
     <p:spTree>
@@ -24926,7 +26502,7 @@
 </p:sld>
 </file>
 
-<file path=ppt/slides/slide9.xml><?xml version="1.0" encoding="utf-8"?>
+<file path=ppt/slides/slide8.xml><?xml version="1.0" encoding="utf-8"?>
 <p:sld xmlns:a="http://schemas.openxmlformats.org/drawingml/2006/main" xmlns:r="http://schemas.openxmlformats.org/officeDocument/2006/relationships" xmlns:p="http://schemas.openxmlformats.org/presentationml/2006/main">
   <p:cSld>
     <p:spTree>
@@ -25868,6 +27444,988 @@
 </p:sld>
 </file>
 
+<file path=ppt/slides/slide9.xml><?xml version="1.0" encoding="utf-8"?>
+<p:sld xmlns:a="http://schemas.openxmlformats.org/drawingml/2006/main" xmlns:r="http://schemas.openxmlformats.org/officeDocument/2006/relationships" xmlns:p="http://schemas.openxmlformats.org/presentationml/2006/main">
+  <p:cSld>
+    <p:spTree>
+      <p:nvGrpSpPr>
+        <p:cNvPr id="1" name=""/>
+        <p:cNvGrpSpPr/>
+        <p:nvPr/>
+      </p:nvGrpSpPr>
+      <p:grpSpPr>
+        <a:xfrm>
+          <a:off x="0" y="0"/>
+          <a:ext cx="0" cy="0"/>
+          <a:chOff x="0" y="0"/>
+          <a:chExt cx="0" cy="0"/>
+        </a:xfrm>
+      </p:grpSpPr>
+      <p:sp>
+        <p:nvSpPr>
+          <p:cNvPr id="2" name="Title 1">
+            <a:extLst>
+              <a:ext uri="{FF2B5EF4-FFF2-40B4-BE49-F238E27FC236}">
+                <a16:creationId xmlns:a16="http://schemas.microsoft.com/office/drawing/2014/main" id="{6EA38D7D-CC50-65DA-52B6-3A515E298C8B}"/>
+              </a:ext>
+            </a:extLst>
+          </p:cNvPr>
+          <p:cNvSpPr>
+            <a:spLocks noGrp="1"/>
+          </p:cNvSpPr>
+          <p:nvPr>
+            <p:ph type="title"/>
+          </p:nvPr>
+        </p:nvSpPr>
+        <p:spPr>
+          <a:xfrm>
+            <a:off x="430644" y="176282"/>
+            <a:ext cx="4339237" cy="1320800"/>
+          </a:xfrm>
+        </p:spPr>
+        <p:txBody>
+          <a:bodyPr/>
+          <a:lstStyle/>
+          <a:p>
+            <a:r>
+              <a:rPr lang="it-IT" dirty="0"/>
+              <a:t>PUT </a:t>
+            </a:r>
+            <a:r>
+              <a:rPr lang="it-IT" dirty="0" err="1"/>
+              <a:t>method</a:t>
+            </a:r>
+            <a:endParaRPr lang="it-IT" dirty="0"/>
+          </a:p>
+        </p:txBody>
+      </p:sp>
+      <p:sp>
+        <p:nvSpPr>
+          <p:cNvPr id="3" name="TextBox 2">
+            <a:extLst>
+              <a:ext uri="{FF2B5EF4-FFF2-40B4-BE49-F238E27FC236}">
+                <a16:creationId xmlns:a16="http://schemas.microsoft.com/office/drawing/2014/main" id="{65A4F1AD-6B4E-43CA-84EB-6BC8163ACBB4}"/>
+              </a:ext>
+            </a:extLst>
+          </p:cNvPr>
+          <p:cNvSpPr txBox="1"/>
+          <p:nvPr/>
+        </p:nvSpPr>
+        <p:spPr>
+          <a:xfrm>
+            <a:off x="677334" y="1544917"/>
+            <a:ext cx="3845859" cy="1754326"/>
+          </a:xfrm>
+          <a:prstGeom prst="rect">
+            <a:avLst/>
+          </a:prstGeom>
+          <a:noFill/>
+        </p:spPr>
+        <p:txBody>
+          <a:bodyPr wrap="square" rtlCol="0">
+            <a:spAutoFit/>
+          </a:bodyPr>
+          <a:lstStyle/>
+          <a:p>
+            <a:r>
+              <a:rPr lang="en-US" dirty="0"/>
+              <a:t>It communicates with all the other actors in the platform exploiting REST communication. </a:t>
+            </a:r>
+          </a:p>
+          <a:p>
+            <a:pPr marL="285750" indent="-285750">
+              <a:buFont typeface="Arial" panose="020B0604020202020204" pitchFamily="34" charset="0"/>
+              <a:buChar char="•"/>
+            </a:pPr>
+            <a:r>
+              <a:rPr lang="en-US" dirty="0"/>
+              <a:t>GET: Retrieve information</a:t>
+            </a:r>
+          </a:p>
+          <a:p>
+            <a:pPr marL="285750" indent="-285750">
+              <a:buFont typeface="Arial" panose="020B0604020202020204" pitchFamily="34" charset="0"/>
+              <a:buChar char="•"/>
+            </a:pPr>
+            <a:r>
+              <a:rPr lang="en-US" dirty="0"/>
+              <a:t>PUT: Update information</a:t>
+            </a:r>
+          </a:p>
+          <a:p>
+            <a:pPr marL="285750" indent="-285750">
+              <a:buFont typeface="Arial" panose="020B0604020202020204" pitchFamily="34" charset="0"/>
+              <a:buChar char="•"/>
+            </a:pPr>
+            <a:r>
+              <a:rPr lang="en-US" dirty="0"/>
+              <a:t>POST: Add information</a:t>
+            </a:r>
+          </a:p>
+        </p:txBody>
+      </p:sp>
+      <p:sp>
+        <p:nvSpPr>
+          <p:cNvPr id="4" name="Rectangle 3">
+            <a:extLst>
+              <a:ext uri="{FF2B5EF4-FFF2-40B4-BE49-F238E27FC236}">
+                <a16:creationId xmlns:a16="http://schemas.microsoft.com/office/drawing/2014/main" id="{36BEA4F5-6FAD-481B-AFFE-05102E1B3351}"/>
+              </a:ext>
+            </a:extLst>
+          </p:cNvPr>
+          <p:cNvSpPr/>
+          <p:nvPr/>
+        </p:nvSpPr>
+        <p:spPr>
+          <a:xfrm>
+            <a:off x="3048001" y="3429000"/>
+            <a:ext cx="1398494" cy="739588"/>
+          </a:xfrm>
+          <a:prstGeom prst="rect">
+            <a:avLst/>
+          </a:prstGeom>
+        </p:spPr>
+        <p:style>
+          <a:lnRef idx="2">
+            <a:schemeClr val="accent1">
+              <a:shade val="50000"/>
+            </a:schemeClr>
+          </a:lnRef>
+          <a:fillRef idx="1">
+            <a:schemeClr val="accent1"/>
+          </a:fillRef>
+          <a:effectRef idx="0">
+            <a:schemeClr val="accent1"/>
+          </a:effectRef>
+          <a:fontRef idx="minor">
+            <a:schemeClr val="lt1"/>
+          </a:fontRef>
+        </p:style>
+        <p:txBody>
+          <a:bodyPr rtlCol="0" anchor="ctr"/>
+          <a:lstStyle/>
+          <a:p>
+            <a:pPr algn="ctr"/>
+            <a:r>
+              <a:rPr lang="it-IT" dirty="0"/>
+              <a:t>PUT</a:t>
+            </a:r>
+          </a:p>
+        </p:txBody>
+      </p:sp>
+      <p:cxnSp>
+        <p:nvCxnSpPr>
+          <p:cNvPr id="6" name="Straight Arrow Connector 5">
+            <a:extLst>
+              <a:ext uri="{FF2B5EF4-FFF2-40B4-BE49-F238E27FC236}">
+                <a16:creationId xmlns:a16="http://schemas.microsoft.com/office/drawing/2014/main" id="{8B6BB627-E08A-41D5-A371-02E3C9DB30AA}"/>
+              </a:ext>
+            </a:extLst>
+          </p:cNvPr>
+          <p:cNvCxnSpPr>
+            <a:cxnSpLocks/>
+            <a:stCxn id="4" idx="3"/>
+            <a:endCxn id="7" idx="1"/>
+          </p:cNvCxnSpPr>
+          <p:nvPr/>
+        </p:nvCxnSpPr>
+        <p:spPr>
+          <a:xfrm flipV="1">
+            <a:off x="4446495" y="3600080"/>
+            <a:ext cx="2141830" cy="198714"/>
+          </a:xfrm>
+          <a:prstGeom prst="straightConnector1">
+            <a:avLst/>
+          </a:prstGeom>
+          <a:ln>
+            <a:tailEnd type="triangle"/>
+          </a:ln>
+        </p:spPr>
+        <p:style>
+          <a:lnRef idx="1">
+            <a:schemeClr val="accent1"/>
+          </a:lnRef>
+          <a:fillRef idx="0">
+            <a:schemeClr val="accent1"/>
+          </a:fillRef>
+          <a:effectRef idx="0">
+            <a:schemeClr val="accent1"/>
+          </a:effectRef>
+          <a:fontRef idx="minor">
+            <a:schemeClr val="tx1"/>
+          </a:fontRef>
+        </p:style>
+      </p:cxnSp>
+      <p:sp>
+        <p:nvSpPr>
+          <p:cNvPr id="7" name="TextBox 6">
+            <a:extLst>
+              <a:ext uri="{FF2B5EF4-FFF2-40B4-BE49-F238E27FC236}">
+                <a16:creationId xmlns:a16="http://schemas.microsoft.com/office/drawing/2014/main" id="{9160F1FE-ECF7-44CB-BC6D-83FB97206994}"/>
+              </a:ext>
+            </a:extLst>
+          </p:cNvPr>
+          <p:cNvSpPr txBox="1"/>
+          <p:nvPr/>
+        </p:nvSpPr>
+        <p:spPr>
+          <a:xfrm>
+            <a:off x="6588325" y="3415414"/>
+            <a:ext cx="1211233" cy="369332"/>
+          </a:xfrm>
+          <a:prstGeom prst="rect">
+            <a:avLst/>
+          </a:prstGeom>
+          <a:noFill/>
+          <a:ln w="19050">
+            <a:solidFill>
+              <a:schemeClr val="tx1"/>
+            </a:solidFill>
+          </a:ln>
+        </p:spPr>
+        <p:txBody>
+          <a:bodyPr wrap="square" rtlCol="0">
+            <a:spAutoFit/>
+          </a:bodyPr>
+          <a:lstStyle/>
+          <a:p>
+            <a:r>
+              <a:rPr lang="it-IT" dirty="0"/>
+              <a:t>IP/User</a:t>
+            </a:r>
+          </a:p>
+        </p:txBody>
+      </p:sp>
+      <p:cxnSp>
+        <p:nvCxnSpPr>
+          <p:cNvPr id="11" name="Straight Arrow Connector 10">
+            <a:extLst>
+              <a:ext uri="{FF2B5EF4-FFF2-40B4-BE49-F238E27FC236}">
+                <a16:creationId xmlns:a16="http://schemas.microsoft.com/office/drawing/2014/main" id="{97AB31B7-0F30-41A5-B8AA-6D3627F328A5}"/>
+              </a:ext>
+            </a:extLst>
+          </p:cNvPr>
+          <p:cNvCxnSpPr>
+            <a:cxnSpLocks/>
+            <a:stCxn id="4" idx="3"/>
+            <a:endCxn id="14" idx="1"/>
+          </p:cNvCxnSpPr>
+          <p:nvPr/>
+        </p:nvCxnSpPr>
+        <p:spPr>
+          <a:xfrm flipV="1">
+            <a:off x="4446495" y="2387873"/>
+            <a:ext cx="2130251" cy="1410921"/>
+          </a:xfrm>
+          <a:prstGeom prst="straightConnector1">
+            <a:avLst/>
+          </a:prstGeom>
+          <a:ln>
+            <a:tailEnd type="triangle"/>
+          </a:ln>
+        </p:spPr>
+        <p:style>
+          <a:lnRef idx="1">
+            <a:schemeClr val="accent1"/>
+          </a:lnRef>
+          <a:fillRef idx="0">
+            <a:schemeClr val="accent1"/>
+          </a:fillRef>
+          <a:effectRef idx="0">
+            <a:schemeClr val="accent1"/>
+          </a:effectRef>
+          <a:fontRef idx="minor">
+            <a:schemeClr val="tx1"/>
+          </a:fontRef>
+        </p:style>
+      </p:cxnSp>
+      <p:sp>
+        <p:nvSpPr>
+          <p:cNvPr id="14" name="TextBox 13">
+            <a:extLst>
+              <a:ext uri="{FF2B5EF4-FFF2-40B4-BE49-F238E27FC236}">
+                <a16:creationId xmlns:a16="http://schemas.microsoft.com/office/drawing/2014/main" id="{65AC1259-1DAB-4C77-9833-13421BD4289C}"/>
+              </a:ext>
+            </a:extLst>
+          </p:cNvPr>
+          <p:cNvSpPr txBox="1"/>
+          <p:nvPr/>
+        </p:nvSpPr>
+        <p:spPr>
+          <a:xfrm>
+            <a:off x="6576746" y="2203207"/>
+            <a:ext cx="1211233" cy="369332"/>
+          </a:xfrm>
+          <a:prstGeom prst="rect">
+            <a:avLst/>
+          </a:prstGeom>
+          <a:noFill/>
+          <a:ln w="19050">
+            <a:solidFill>
+              <a:schemeClr val="tx1"/>
+            </a:solidFill>
+          </a:ln>
+        </p:spPr>
+        <p:txBody>
+          <a:bodyPr wrap="square" rtlCol="0">
+            <a:spAutoFit/>
+          </a:bodyPr>
+          <a:lstStyle/>
+          <a:p>
+            <a:r>
+              <a:rPr lang="it-IT" dirty="0"/>
+              <a:t>IP/Device</a:t>
+            </a:r>
+          </a:p>
+        </p:txBody>
+      </p:sp>
+      <p:sp>
+        <p:nvSpPr>
+          <p:cNvPr id="20" name="TextBox 19">
+            <a:extLst>
+              <a:ext uri="{FF2B5EF4-FFF2-40B4-BE49-F238E27FC236}">
+                <a16:creationId xmlns:a16="http://schemas.microsoft.com/office/drawing/2014/main" id="{5127204C-2252-4E68-B42C-69F39BF3BEF9}"/>
+              </a:ext>
+            </a:extLst>
+          </p:cNvPr>
+          <p:cNvSpPr txBox="1"/>
+          <p:nvPr/>
+        </p:nvSpPr>
+        <p:spPr>
+          <a:xfrm>
+            <a:off x="6588325" y="4097230"/>
+            <a:ext cx="2215027" cy="369332"/>
+          </a:xfrm>
+          <a:prstGeom prst="rect">
+            <a:avLst/>
+          </a:prstGeom>
+          <a:noFill/>
+          <a:ln w="19050">
+            <a:solidFill>
+              <a:schemeClr val="tx1"/>
+            </a:solidFill>
+          </a:ln>
+        </p:spPr>
+        <p:txBody>
+          <a:bodyPr wrap="square" rtlCol="0">
+            <a:spAutoFit/>
+          </a:bodyPr>
+          <a:lstStyle/>
+          <a:p>
+            <a:r>
+              <a:rPr lang="it-IT" dirty="0"/>
+              <a:t>IP/</a:t>
+            </a:r>
+            <a:r>
+              <a:rPr lang="it-IT" dirty="0" err="1"/>
+              <a:t>AgendaUpdate</a:t>
+            </a:r>
+            <a:endParaRPr lang="it-IT" dirty="0"/>
+          </a:p>
+        </p:txBody>
+      </p:sp>
+      <p:cxnSp>
+        <p:nvCxnSpPr>
+          <p:cNvPr id="35" name="Straight Arrow Connector 34">
+            <a:extLst>
+              <a:ext uri="{FF2B5EF4-FFF2-40B4-BE49-F238E27FC236}">
+                <a16:creationId xmlns:a16="http://schemas.microsoft.com/office/drawing/2014/main" id="{F8B64B66-1024-438E-8AAC-BAF24C7C6185}"/>
+              </a:ext>
+            </a:extLst>
+          </p:cNvPr>
+          <p:cNvCxnSpPr>
+            <a:cxnSpLocks/>
+            <a:stCxn id="4" idx="3"/>
+            <a:endCxn id="20" idx="1"/>
+          </p:cNvCxnSpPr>
+          <p:nvPr/>
+        </p:nvCxnSpPr>
+        <p:spPr>
+          <a:xfrm>
+            <a:off x="4446495" y="3798794"/>
+            <a:ext cx="2141830" cy="483102"/>
+          </a:xfrm>
+          <a:prstGeom prst="straightConnector1">
+            <a:avLst/>
+          </a:prstGeom>
+          <a:ln>
+            <a:tailEnd type="triangle"/>
+          </a:ln>
+        </p:spPr>
+        <p:style>
+          <a:lnRef idx="1">
+            <a:schemeClr val="accent1"/>
+          </a:lnRef>
+          <a:fillRef idx="0">
+            <a:schemeClr val="accent1"/>
+          </a:fillRef>
+          <a:effectRef idx="0">
+            <a:schemeClr val="accent1"/>
+          </a:effectRef>
+          <a:fontRef idx="minor">
+            <a:schemeClr val="tx1"/>
+          </a:fontRef>
+        </p:style>
+      </p:cxnSp>
+      <p:sp>
+        <p:nvSpPr>
+          <p:cNvPr id="53" name="Rectangle 52">
+            <a:extLst>
+              <a:ext uri="{FF2B5EF4-FFF2-40B4-BE49-F238E27FC236}">
+                <a16:creationId xmlns:a16="http://schemas.microsoft.com/office/drawing/2014/main" id="{B8365639-F56A-4DD3-BA29-A6E26D39FF19}"/>
+              </a:ext>
+            </a:extLst>
+          </p:cNvPr>
+          <p:cNvSpPr/>
+          <p:nvPr/>
+        </p:nvSpPr>
+        <p:spPr>
+          <a:xfrm>
+            <a:off x="1004046" y="2672521"/>
+            <a:ext cx="555812" cy="300230"/>
+          </a:xfrm>
+          <a:prstGeom prst="rect">
+            <a:avLst/>
+          </a:prstGeom>
+          <a:noFill/>
+        </p:spPr>
+        <p:style>
+          <a:lnRef idx="2">
+            <a:schemeClr val="accent1">
+              <a:shade val="50000"/>
+            </a:schemeClr>
+          </a:lnRef>
+          <a:fillRef idx="1">
+            <a:schemeClr val="accent1"/>
+          </a:fillRef>
+          <a:effectRef idx="0">
+            <a:schemeClr val="accent1"/>
+          </a:effectRef>
+          <a:fontRef idx="minor">
+            <a:schemeClr val="lt1"/>
+          </a:fontRef>
+        </p:style>
+        <p:txBody>
+          <a:bodyPr rtlCol="0" anchor="ctr"/>
+          <a:lstStyle/>
+          <a:p>
+            <a:pPr algn="ctr"/>
+            <a:endParaRPr lang="it-IT" dirty="0"/>
+          </a:p>
+        </p:txBody>
+      </p:sp>
+      <p:sp>
+        <p:nvSpPr>
+          <p:cNvPr id="32" name="TextBox 31">
+            <a:extLst>
+              <a:ext uri="{FF2B5EF4-FFF2-40B4-BE49-F238E27FC236}">
+                <a16:creationId xmlns:a16="http://schemas.microsoft.com/office/drawing/2014/main" id="{0F1121BF-87AD-4731-B419-4FFE5637C887}"/>
+              </a:ext>
+            </a:extLst>
+          </p:cNvPr>
+          <p:cNvSpPr txBox="1"/>
+          <p:nvPr/>
+        </p:nvSpPr>
+        <p:spPr>
+          <a:xfrm>
+            <a:off x="6576746" y="4800374"/>
+            <a:ext cx="2164475" cy="369332"/>
+          </a:xfrm>
+          <a:prstGeom prst="rect">
+            <a:avLst/>
+          </a:prstGeom>
+          <a:noFill/>
+          <a:ln w="19050">
+            <a:solidFill>
+              <a:schemeClr val="tx1"/>
+            </a:solidFill>
+          </a:ln>
+        </p:spPr>
+        <p:txBody>
+          <a:bodyPr wrap="square" rtlCol="0">
+            <a:spAutoFit/>
+          </a:bodyPr>
+          <a:lstStyle/>
+          <a:p>
+            <a:r>
+              <a:rPr lang="it-IT" dirty="0"/>
+              <a:t>IP/</a:t>
+            </a:r>
+            <a:r>
+              <a:rPr lang="it-IT" dirty="0" err="1"/>
+              <a:t>AgendaRemove</a:t>
+            </a:r>
+            <a:endParaRPr lang="it-IT" dirty="0"/>
+          </a:p>
+        </p:txBody>
+      </p:sp>
+      <p:cxnSp>
+        <p:nvCxnSpPr>
+          <p:cNvPr id="34" name="Straight Arrow Connector 33">
+            <a:extLst>
+              <a:ext uri="{FF2B5EF4-FFF2-40B4-BE49-F238E27FC236}">
+                <a16:creationId xmlns:a16="http://schemas.microsoft.com/office/drawing/2014/main" id="{62BDA9D8-751A-4E91-8E02-2F5D73F91C48}"/>
+              </a:ext>
+            </a:extLst>
+          </p:cNvPr>
+          <p:cNvCxnSpPr>
+            <a:cxnSpLocks/>
+            <a:stCxn id="4" idx="3"/>
+            <a:endCxn id="32" idx="1"/>
+          </p:cNvCxnSpPr>
+          <p:nvPr/>
+        </p:nvCxnSpPr>
+        <p:spPr>
+          <a:xfrm>
+            <a:off x="4446495" y="3798794"/>
+            <a:ext cx="2130251" cy="1186246"/>
+          </a:xfrm>
+          <a:prstGeom prst="straightConnector1">
+            <a:avLst/>
+          </a:prstGeom>
+          <a:ln>
+            <a:tailEnd type="triangle"/>
+          </a:ln>
+        </p:spPr>
+        <p:style>
+          <a:lnRef idx="1">
+            <a:schemeClr val="accent1"/>
+          </a:lnRef>
+          <a:fillRef idx="0">
+            <a:schemeClr val="accent1"/>
+          </a:fillRef>
+          <a:effectRef idx="0">
+            <a:schemeClr val="accent1"/>
+          </a:effectRef>
+          <a:fontRef idx="minor">
+            <a:schemeClr val="tx1"/>
+          </a:fontRef>
+        </p:style>
+      </p:cxnSp>
+      <p:sp>
+        <p:nvSpPr>
+          <p:cNvPr id="46" name="Rectangle: Rounded Corners 45">
+            <a:extLst>
+              <a:ext uri="{FF2B5EF4-FFF2-40B4-BE49-F238E27FC236}">
+                <a16:creationId xmlns:a16="http://schemas.microsoft.com/office/drawing/2014/main" id="{AFC47225-4362-4EC1-B5B6-2C16A03E5890}"/>
+              </a:ext>
+            </a:extLst>
+          </p:cNvPr>
+          <p:cNvSpPr/>
+          <p:nvPr/>
+        </p:nvSpPr>
+        <p:spPr>
+          <a:xfrm>
+            <a:off x="9499243" y="2203207"/>
+            <a:ext cx="1476001" cy="935264"/>
+          </a:xfrm>
+          <a:prstGeom prst="roundRect">
+            <a:avLst/>
+          </a:prstGeom>
+        </p:spPr>
+        <p:style>
+          <a:lnRef idx="2">
+            <a:schemeClr val="accent1">
+              <a:shade val="50000"/>
+            </a:schemeClr>
+          </a:lnRef>
+          <a:fillRef idx="1">
+            <a:schemeClr val="accent1"/>
+          </a:fillRef>
+          <a:effectRef idx="0">
+            <a:schemeClr val="accent1"/>
+          </a:effectRef>
+          <a:fontRef idx="minor">
+            <a:schemeClr val="lt1"/>
+          </a:fontRef>
+        </p:style>
+        <p:txBody>
+          <a:bodyPr rtlCol="0" anchor="ctr"/>
+          <a:lstStyle/>
+          <a:p>
+            <a:pPr algn="ctr"/>
+            <a:r>
+              <a:rPr lang="it-IT" dirty="0" err="1"/>
+              <a:t>Methods</a:t>
+            </a:r>
+            <a:r>
+              <a:rPr lang="it-IT" dirty="0"/>
+              <a:t> </a:t>
+            </a:r>
+            <a:r>
+              <a:rPr lang="it-IT" dirty="0" err="1"/>
+              <a:t>used</a:t>
+            </a:r>
+            <a:r>
+              <a:rPr lang="it-IT" dirty="0"/>
+              <a:t> by </a:t>
+            </a:r>
+            <a:r>
+              <a:rPr lang="it-IT" dirty="0" err="1"/>
+              <a:t>sensors</a:t>
+            </a:r>
+            <a:endParaRPr lang="it-IT" dirty="0"/>
+          </a:p>
+        </p:txBody>
+      </p:sp>
+      <p:sp>
+        <p:nvSpPr>
+          <p:cNvPr id="48" name="TextBox 47">
+            <a:extLst>
+              <a:ext uri="{FF2B5EF4-FFF2-40B4-BE49-F238E27FC236}">
+                <a16:creationId xmlns:a16="http://schemas.microsoft.com/office/drawing/2014/main" id="{841877EB-96F4-4E14-8269-E51EA3C085E9}"/>
+              </a:ext>
+            </a:extLst>
+          </p:cNvPr>
+          <p:cNvSpPr txBox="1"/>
+          <p:nvPr/>
+        </p:nvSpPr>
+        <p:spPr>
+          <a:xfrm>
+            <a:off x="8152433" y="2233984"/>
+            <a:ext cx="1124311" cy="307777"/>
+          </a:xfrm>
+          <a:prstGeom prst="rect">
+            <a:avLst/>
+          </a:prstGeom>
+          <a:noFill/>
+          <a:ln>
+            <a:solidFill>
+              <a:schemeClr val="tx1"/>
+            </a:solidFill>
+            <a:prstDash val="lgDash"/>
+          </a:ln>
+        </p:spPr>
+        <p:txBody>
+          <a:bodyPr wrap="square" rtlCol="0">
+            <a:spAutoFit/>
+          </a:bodyPr>
+          <a:lstStyle/>
+          <a:p>
+            <a:r>
+              <a:rPr lang="it-IT" sz="1400" dirty="0" err="1"/>
+              <a:t>lastUpdate</a:t>
+            </a:r>
+            <a:r>
+              <a:rPr lang="it-IT" sz="1400" dirty="0"/>
+              <a:t> </a:t>
+            </a:r>
+          </a:p>
+        </p:txBody>
+      </p:sp>
+      <p:sp>
+        <p:nvSpPr>
+          <p:cNvPr id="50" name="TextBox 49">
+            <a:extLst>
+              <a:ext uri="{FF2B5EF4-FFF2-40B4-BE49-F238E27FC236}">
+                <a16:creationId xmlns:a16="http://schemas.microsoft.com/office/drawing/2014/main" id="{D3819882-B3C3-4F20-B3EA-37B64D5BA205}"/>
+              </a:ext>
+            </a:extLst>
+          </p:cNvPr>
+          <p:cNvSpPr txBox="1"/>
+          <p:nvPr/>
+        </p:nvSpPr>
+        <p:spPr>
+          <a:xfrm>
+            <a:off x="8012083" y="3446191"/>
+            <a:ext cx="1264661" cy="307777"/>
+          </a:xfrm>
+          <a:prstGeom prst="rect">
+            <a:avLst/>
+          </a:prstGeom>
+          <a:noFill/>
+          <a:ln>
+            <a:solidFill>
+              <a:schemeClr val="tx1"/>
+            </a:solidFill>
+            <a:prstDash val="lgDash"/>
+          </a:ln>
+        </p:spPr>
+        <p:txBody>
+          <a:bodyPr wrap="square" rtlCol="0">
+            <a:spAutoFit/>
+          </a:bodyPr>
+          <a:lstStyle/>
+          <a:p>
+            <a:r>
+              <a:rPr lang="it-IT" sz="1400" dirty="0" err="1"/>
+              <a:t>Battery</a:t>
+            </a:r>
+            <a:r>
+              <a:rPr lang="it-IT" sz="1400" dirty="0"/>
+              <a:t> info</a:t>
+            </a:r>
+          </a:p>
+        </p:txBody>
+      </p:sp>
+      <p:sp>
+        <p:nvSpPr>
+          <p:cNvPr id="51" name="TextBox 50">
+            <a:extLst>
+              <a:ext uri="{FF2B5EF4-FFF2-40B4-BE49-F238E27FC236}">
+                <a16:creationId xmlns:a16="http://schemas.microsoft.com/office/drawing/2014/main" id="{32F1CD30-651D-459E-91D2-766B8E749917}"/>
+              </a:ext>
+            </a:extLst>
+          </p:cNvPr>
+          <p:cNvSpPr txBox="1"/>
+          <p:nvPr/>
+        </p:nvSpPr>
+        <p:spPr>
+          <a:xfrm>
+            <a:off x="8355251" y="2686198"/>
+            <a:ext cx="718674" cy="307777"/>
+          </a:xfrm>
+          <a:prstGeom prst="rect">
+            <a:avLst/>
+          </a:prstGeom>
+          <a:noFill/>
+          <a:ln>
+            <a:solidFill>
+              <a:schemeClr val="tx1"/>
+            </a:solidFill>
+            <a:prstDash val="lgDash"/>
+          </a:ln>
+        </p:spPr>
+        <p:txBody>
+          <a:bodyPr wrap="square" rtlCol="0">
+            <a:spAutoFit/>
+          </a:bodyPr>
+          <a:lstStyle/>
+          <a:p>
+            <a:r>
+              <a:rPr lang="it-IT" sz="1400" dirty="0" err="1"/>
+              <a:t>value</a:t>
+            </a:r>
+            <a:r>
+              <a:rPr lang="it-IT" sz="1400" dirty="0"/>
+              <a:t> </a:t>
+            </a:r>
+          </a:p>
+        </p:txBody>
+      </p:sp>
+      <p:sp>
+        <p:nvSpPr>
+          <p:cNvPr id="69" name="Right Brace 68">
+            <a:extLst>
+              <a:ext uri="{FF2B5EF4-FFF2-40B4-BE49-F238E27FC236}">
+                <a16:creationId xmlns:a16="http://schemas.microsoft.com/office/drawing/2014/main" id="{D28F1892-C35E-457E-BCC9-667F5363CABF}"/>
+              </a:ext>
+            </a:extLst>
+          </p:cNvPr>
+          <p:cNvSpPr/>
+          <p:nvPr/>
+        </p:nvSpPr>
+        <p:spPr>
+          <a:xfrm>
+            <a:off x="9366420" y="3299243"/>
+            <a:ext cx="329226" cy="2095260"/>
+          </a:xfrm>
+          <a:prstGeom prst="rightBrace">
+            <a:avLst/>
+          </a:prstGeom>
+          <a:ln w="28575"/>
+        </p:spPr>
+        <p:style>
+          <a:lnRef idx="1">
+            <a:schemeClr val="accent1"/>
+          </a:lnRef>
+          <a:fillRef idx="0">
+            <a:schemeClr val="accent1"/>
+          </a:fillRef>
+          <a:effectRef idx="0">
+            <a:schemeClr val="accent1"/>
+          </a:effectRef>
+          <a:fontRef idx="minor">
+            <a:schemeClr val="tx1"/>
+          </a:fontRef>
+        </p:style>
+        <p:txBody>
+          <a:bodyPr rtlCol="0" anchor="ctr"/>
+          <a:lstStyle/>
+          <a:p>
+            <a:pPr algn="ctr"/>
+            <a:endParaRPr lang="it-IT"/>
+          </a:p>
+        </p:txBody>
+      </p:sp>
+      <p:sp>
+        <p:nvSpPr>
+          <p:cNvPr id="73" name="Rectangle: Rounded Corners 72">
+            <a:extLst>
+              <a:ext uri="{FF2B5EF4-FFF2-40B4-BE49-F238E27FC236}">
+                <a16:creationId xmlns:a16="http://schemas.microsoft.com/office/drawing/2014/main" id="{9EF1A81D-8865-43A0-999D-546DC923A85D}"/>
+              </a:ext>
+            </a:extLst>
+          </p:cNvPr>
+          <p:cNvSpPr/>
+          <p:nvPr/>
+        </p:nvSpPr>
+        <p:spPr>
+          <a:xfrm>
+            <a:off x="9901943" y="3698246"/>
+            <a:ext cx="1834599" cy="1297254"/>
+          </a:xfrm>
+          <a:prstGeom prst="roundRect">
+            <a:avLst/>
+          </a:prstGeom>
+        </p:spPr>
+        <p:style>
+          <a:lnRef idx="2">
+            <a:schemeClr val="accent1">
+              <a:shade val="50000"/>
+            </a:schemeClr>
+          </a:lnRef>
+          <a:fillRef idx="1">
+            <a:schemeClr val="accent1"/>
+          </a:fillRef>
+          <a:effectRef idx="0">
+            <a:schemeClr val="accent1"/>
+          </a:effectRef>
+          <a:fontRef idx="minor">
+            <a:schemeClr val="lt1"/>
+          </a:fontRef>
+        </p:style>
+        <p:txBody>
+          <a:bodyPr rtlCol="0" anchor="ctr"/>
+          <a:lstStyle/>
+          <a:p>
+            <a:pPr algn="ctr"/>
+            <a:r>
+              <a:rPr lang="it-IT"/>
+              <a:t>Methods </a:t>
+            </a:r>
+            <a:r>
+              <a:rPr lang="it-IT" dirty="0" err="1"/>
+              <a:t>used</a:t>
+            </a:r>
+            <a:r>
+              <a:rPr lang="it-IT" dirty="0"/>
+              <a:t> by user </a:t>
+            </a:r>
+            <a:r>
+              <a:rPr lang="it-IT" dirty="0" err="1"/>
+              <a:t>only</a:t>
+            </a:r>
+            <a:r>
+              <a:rPr lang="it-IT" dirty="0"/>
+              <a:t> </a:t>
+            </a:r>
+            <a:r>
+              <a:rPr lang="it-IT" dirty="0" err="1"/>
+              <a:t>through</a:t>
+            </a:r>
+            <a:r>
+              <a:rPr lang="it-IT" dirty="0"/>
+              <a:t> </a:t>
+            </a:r>
+            <a:r>
+              <a:rPr lang="it-IT" dirty="0" err="1"/>
+              <a:t>PostMan</a:t>
+            </a:r>
+            <a:endParaRPr lang="it-IT" dirty="0"/>
+          </a:p>
+        </p:txBody>
+      </p:sp>
+      <p:cxnSp>
+        <p:nvCxnSpPr>
+          <p:cNvPr id="47" name="Straight Arrow Connector 46">
+            <a:extLst>
+              <a:ext uri="{FF2B5EF4-FFF2-40B4-BE49-F238E27FC236}">
+                <a16:creationId xmlns:a16="http://schemas.microsoft.com/office/drawing/2014/main" id="{A86EDE2E-5B75-4373-A6BD-8D9F7763B775}"/>
+              </a:ext>
+            </a:extLst>
+          </p:cNvPr>
+          <p:cNvCxnSpPr>
+            <a:cxnSpLocks/>
+            <a:endCxn id="49" idx="1"/>
+          </p:cNvCxnSpPr>
+          <p:nvPr/>
+        </p:nvCxnSpPr>
+        <p:spPr>
+          <a:xfrm flipV="1">
+            <a:off x="4446495" y="2924111"/>
+            <a:ext cx="2130251" cy="874684"/>
+          </a:xfrm>
+          <a:prstGeom prst="straightConnector1">
+            <a:avLst/>
+          </a:prstGeom>
+          <a:ln>
+            <a:tailEnd type="triangle"/>
+          </a:ln>
+        </p:spPr>
+        <p:style>
+          <a:lnRef idx="1">
+            <a:schemeClr val="accent1"/>
+          </a:lnRef>
+          <a:fillRef idx="0">
+            <a:schemeClr val="accent1"/>
+          </a:fillRef>
+          <a:effectRef idx="0">
+            <a:schemeClr val="accent1"/>
+          </a:effectRef>
+          <a:fontRef idx="minor">
+            <a:schemeClr val="tx1"/>
+          </a:fontRef>
+        </p:style>
+      </p:cxnSp>
+      <p:sp>
+        <p:nvSpPr>
+          <p:cNvPr id="49" name="TextBox 48">
+            <a:extLst>
+              <a:ext uri="{FF2B5EF4-FFF2-40B4-BE49-F238E27FC236}">
+                <a16:creationId xmlns:a16="http://schemas.microsoft.com/office/drawing/2014/main" id="{71CE29D2-99EF-4B9D-9B19-95829412C858}"/>
+              </a:ext>
+            </a:extLst>
+          </p:cNvPr>
+          <p:cNvSpPr txBox="1"/>
+          <p:nvPr/>
+        </p:nvSpPr>
+        <p:spPr>
+          <a:xfrm>
+            <a:off x="6576746" y="2739445"/>
+            <a:ext cx="1476001" cy="369332"/>
+          </a:xfrm>
+          <a:prstGeom prst="rect">
+            <a:avLst/>
+          </a:prstGeom>
+          <a:noFill/>
+          <a:ln w="19050">
+            <a:solidFill>
+              <a:schemeClr val="tx1"/>
+            </a:solidFill>
+          </a:ln>
+        </p:spPr>
+        <p:txBody>
+          <a:bodyPr wrap="square" rtlCol="0">
+            <a:spAutoFit/>
+          </a:bodyPr>
+          <a:lstStyle/>
+          <a:p>
+            <a:r>
+              <a:rPr lang="it-IT" dirty="0"/>
+              <a:t>IP/</a:t>
+            </a:r>
+            <a:r>
+              <a:rPr lang="it-IT" dirty="0" err="1"/>
+              <a:t>Actuator</a:t>
+            </a:r>
+            <a:endParaRPr lang="it-IT" dirty="0"/>
+          </a:p>
+        </p:txBody>
+      </p:sp>
+    </p:spTree>
+    <p:extLst>
+      <p:ext uri="{BB962C8B-B14F-4D97-AF65-F5344CB8AC3E}">
+        <p14:creationId xmlns:p14="http://schemas.microsoft.com/office/powerpoint/2010/main" val="2839582268"/>
+      </p:ext>
+    </p:extLst>
+  </p:cSld>
+  <p:clrMapOvr>
+    <a:masterClrMapping/>
+  </p:clrMapOvr>
+</p:sld>
+</file>
+
 <file path=ppt/theme/theme1.xml><?xml version="1.0" encoding="utf-8"?>
 <a:theme xmlns:a="http://schemas.openxmlformats.org/drawingml/2006/main" name="Facet">
   <a:themeElements>

--- a/Materiale Extra/Presentazione del progetto.pptx
+++ b/Materiale Extra/Presentazione del progetto.pptx
@@ -36,6 +36,7 @@
     <p:sldId id="267" r:id="rId30"/>
     <p:sldId id="269" r:id="rId31"/>
     <p:sldId id="270" r:id="rId32"/>
+    <p:sldId id="292" r:id="rId33"/>
   </p:sldIdLst>
   <p:sldSz cx="12192000" cy="6858000"/>
   <p:notesSz cx="6858000" cy="9144000"/>
@@ -864,7 +865,7 @@
           <a:p>
             <a:fld id="{C1775FA8-FEF5-4078-A009-D10F19796D95}" type="datetimeFigureOut">
               <a:rPr lang="it-IT" smtClean="0"/>
-              <a:t>30/05/2023</a:t>
+              <a:t>31/05/2023</a:t>
             </a:fld>
             <a:endParaRPr lang="it-IT"/>
           </a:p>
@@ -1115,7 +1116,7 @@
           <a:p>
             <a:fld id="{C1775FA8-FEF5-4078-A009-D10F19796D95}" type="datetimeFigureOut">
               <a:rPr lang="it-IT" smtClean="0"/>
-              <a:t>30/05/2023</a:t>
+              <a:t>31/05/2023</a:t>
             </a:fld>
             <a:endParaRPr lang="it-IT"/>
           </a:p>
@@ -1429,7 +1430,7 @@
           <a:p>
             <a:fld id="{C1775FA8-FEF5-4078-A009-D10F19796D95}" type="datetimeFigureOut">
               <a:rPr lang="it-IT" smtClean="0"/>
-              <a:t>30/05/2023</a:t>
+              <a:t>31/05/2023</a:t>
             </a:fld>
             <a:endParaRPr lang="it-IT"/>
           </a:p>
@@ -1770,7 +1771,7 @@
           <a:p>
             <a:fld id="{C1775FA8-FEF5-4078-A009-D10F19796D95}" type="datetimeFigureOut">
               <a:rPr lang="it-IT" smtClean="0"/>
-              <a:t>30/05/2023</a:t>
+              <a:t>31/05/2023</a:t>
             </a:fld>
             <a:endParaRPr lang="it-IT"/>
           </a:p>
@@ -2084,7 +2085,7 @@
           <a:p>
             <a:fld id="{C1775FA8-FEF5-4078-A009-D10F19796D95}" type="datetimeFigureOut">
               <a:rPr lang="it-IT" smtClean="0"/>
-              <a:t>30/05/2023</a:t>
+              <a:t>31/05/2023</a:t>
             </a:fld>
             <a:endParaRPr lang="it-IT"/>
           </a:p>
@@ -2477,7 +2478,7 @@
           <a:p>
             <a:fld id="{C1775FA8-FEF5-4078-A009-D10F19796D95}" type="datetimeFigureOut">
               <a:rPr lang="it-IT" smtClean="0"/>
-              <a:t>30/05/2023</a:t>
+              <a:t>31/05/2023</a:t>
             </a:fld>
             <a:endParaRPr lang="it-IT"/>
           </a:p>
@@ -2647,7 +2648,7 @@
           <a:p>
             <a:fld id="{C1775FA8-FEF5-4078-A009-D10F19796D95}" type="datetimeFigureOut">
               <a:rPr lang="it-IT" smtClean="0"/>
-              <a:t>30/05/2023</a:t>
+              <a:t>31/05/2023</a:t>
             </a:fld>
             <a:endParaRPr lang="it-IT"/>
           </a:p>
@@ -2827,7 +2828,7 @@
           <a:p>
             <a:fld id="{C1775FA8-FEF5-4078-A009-D10F19796D95}" type="datetimeFigureOut">
               <a:rPr lang="it-IT" smtClean="0"/>
-              <a:t>30/05/2023</a:t>
+              <a:t>31/05/2023</a:t>
             </a:fld>
             <a:endParaRPr lang="it-IT"/>
           </a:p>
@@ -3003,7 +3004,7 @@
           <a:p>
             <a:fld id="{C1775FA8-FEF5-4078-A009-D10F19796D95}" type="datetimeFigureOut">
               <a:rPr lang="it-IT" smtClean="0"/>
-              <a:t>30/05/2023</a:t>
+              <a:t>31/05/2023</a:t>
             </a:fld>
             <a:endParaRPr lang="it-IT"/>
           </a:p>
@@ -3250,7 +3251,7 @@
           <a:p>
             <a:fld id="{C1775FA8-FEF5-4078-A009-D10F19796D95}" type="datetimeFigureOut">
               <a:rPr lang="it-IT" smtClean="0"/>
-              <a:t>30/05/2023</a:t>
+              <a:t>31/05/2023</a:t>
             </a:fld>
             <a:endParaRPr lang="it-IT"/>
           </a:p>
@@ -3482,7 +3483,7 @@
           <a:p>
             <a:fld id="{C1775FA8-FEF5-4078-A009-D10F19796D95}" type="datetimeFigureOut">
               <a:rPr lang="it-IT" smtClean="0"/>
-              <a:t>30/05/2023</a:t>
+              <a:t>31/05/2023</a:t>
             </a:fld>
             <a:endParaRPr lang="it-IT"/>
           </a:p>
@@ -3856,7 +3857,7 @@
           <a:p>
             <a:fld id="{C1775FA8-FEF5-4078-A009-D10F19796D95}" type="datetimeFigureOut">
               <a:rPr lang="it-IT" smtClean="0"/>
-              <a:t>30/05/2023</a:t>
+              <a:t>31/05/2023</a:t>
             </a:fld>
             <a:endParaRPr lang="it-IT"/>
           </a:p>
@@ -3979,7 +3980,7 @@
           <a:p>
             <a:fld id="{C1775FA8-FEF5-4078-A009-D10F19796D95}" type="datetimeFigureOut">
               <a:rPr lang="it-IT" smtClean="0"/>
-              <a:t>30/05/2023</a:t>
+              <a:t>31/05/2023</a:t>
             </a:fld>
             <a:endParaRPr lang="it-IT"/>
           </a:p>
@@ -4074,7 +4075,7 @@
           <a:p>
             <a:fld id="{C1775FA8-FEF5-4078-A009-D10F19796D95}" type="datetimeFigureOut">
               <a:rPr lang="it-IT" smtClean="0"/>
-              <a:t>30/05/2023</a:t>
+              <a:t>31/05/2023</a:t>
             </a:fld>
             <a:endParaRPr lang="it-IT"/>
           </a:p>
@@ -4329,7 +4330,7 @@
           <a:p>
             <a:fld id="{C1775FA8-FEF5-4078-A009-D10F19796D95}" type="datetimeFigureOut">
               <a:rPr lang="it-IT" smtClean="0"/>
-              <a:t>30/05/2023</a:t>
+              <a:t>31/05/2023</a:t>
             </a:fld>
             <a:endParaRPr lang="it-IT"/>
           </a:p>
@@ -4592,7 +4593,7 @@
           <a:p>
             <a:fld id="{C1775FA8-FEF5-4078-A009-D10F19796D95}" type="datetimeFigureOut">
               <a:rPr lang="it-IT" smtClean="0"/>
-              <a:t>30/05/2023</a:t>
+              <a:t>31/05/2023</a:t>
             </a:fld>
             <a:endParaRPr lang="it-IT"/>
           </a:p>
@@ -5335,7 +5336,7 @@
           <a:p>
             <a:fld id="{C1775FA8-FEF5-4078-A009-D10F19796D95}" type="datetimeFigureOut">
               <a:rPr lang="it-IT" smtClean="0"/>
-              <a:t>30/05/2023</a:t>
+              <a:t>31/05/2023</a:t>
             </a:fld>
             <a:endParaRPr lang="it-IT"/>
           </a:p>
@@ -5875,7 +5876,12 @@
             <p:ph type="ctrTitle"/>
           </p:nvPr>
         </p:nvSpPr>
-        <p:spPr/>
+        <p:spPr>
+          <a:xfrm>
+            <a:off x="1444314" y="970181"/>
+            <a:ext cx="7766936" cy="1646302"/>
+          </a:xfrm>
+        </p:spPr>
         <p:txBody>
           <a:bodyPr/>
           <a:lstStyle/>
@@ -5916,7 +5922,12 @@
             <p:ph type="subTitle" idx="1"/>
           </p:nvPr>
         </p:nvSpPr>
-        <p:spPr/>
+        <p:spPr>
+          <a:xfrm>
+            <a:off x="1632573" y="2616483"/>
+            <a:ext cx="7766936" cy="1096899"/>
+          </a:xfrm>
+        </p:spPr>
         <p:txBody>
           <a:bodyPr/>
           <a:lstStyle/>
@@ -6256,7 +6267,7 @@
                   <a:schemeClr val="tx1"/>
                 </a:solidFill>
               </a:rPr>
-              <a:t> </a:t>
+              <a:t> s301556</a:t>
             </a:r>
           </a:p>
           <a:p>
@@ -6267,7 +6278,7 @@
                   <a:schemeClr val="tx1"/>
                 </a:solidFill>
               </a:rPr>
-              <a:t>Michele Claudio Petrocelli</a:t>
+              <a:t>Michele Claudio Petrocelli s305945 </a:t>
             </a:r>
           </a:p>
         </p:txBody>
@@ -23729,6 +23740,714 @@
 </p:sld>
 </file>
 
+<file path=ppt/slides/slide32.xml><?xml version="1.0" encoding="utf-8"?>
+<p:sld xmlns:a="http://schemas.openxmlformats.org/drawingml/2006/main" xmlns:r="http://schemas.openxmlformats.org/officeDocument/2006/relationships" xmlns:p="http://schemas.openxmlformats.org/presentationml/2006/main">
+  <p:cSld>
+    <p:spTree>
+      <p:nvGrpSpPr>
+        <p:cNvPr id="1" name=""/>
+        <p:cNvGrpSpPr/>
+        <p:nvPr/>
+      </p:nvGrpSpPr>
+      <p:grpSpPr>
+        <a:xfrm>
+          <a:off x="0" y="0"/>
+          <a:ext cx="0" cy="0"/>
+          <a:chOff x="0" y="0"/>
+          <a:chExt cx="0" cy="0"/>
+        </a:xfrm>
+      </p:grpSpPr>
+      <p:sp>
+        <p:nvSpPr>
+          <p:cNvPr id="2" name="Title 1">
+            <a:extLst>
+              <a:ext uri="{FF2B5EF4-FFF2-40B4-BE49-F238E27FC236}">
+                <a16:creationId xmlns:a16="http://schemas.microsoft.com/office/drawing/2014/main" id="{E2911497-F8A2-4394-8976-7D9B85659D44}"/>
+              </a:ext>
+            </a:extLst>
+          </p:cNvPr>
+          <p:cNvSpPr>
+            <a:spLocks noGrp="1"/>
+          </p:cNvSpPr>
+          <p:nvPr>
+            <p:ph type="title"/>
+          </p:nvPr>
+        </p:nvSpPr>
+        <p:spPr>
+          <a:xfrm>
+            <a:off x="444252" y="546847"/>
+            <a:ext cx="8596668" cy="1320800"/>
+          </a:xfrm>
+        </p:spPr>
+        <p:txBody>
+          <a:bodyPr/>
+          <a:lstStyle/>
+          <a:p>
+            <a:r>
+              <a:rPr lang="it-IT" dirty="0"/>
+              <a:t>DEMO</a:t>
+            </a:r>
+          </a:p>
+        </p:txBody>
+      </p:sp>
+      <p:sp>
+        <p:nvSpPr>
+          <p:cNvPr id="3" name="Title 1">
+            <a:extLst>
+              <a:ext uri="{FF2B5EF4-FFF2-40B4-BE49-F238E27FC236}">
+                <a16:creationId xmlns:a16="http://schemas.microsoft.com/office/drawing/2014/main" id="{1DF72D31-0373-4636-880F-C42885BD3CA3}"/>
+              </a:ext>
+            </a:extLst>
+          </p:cNvPr>
+          <p:cNvSpPr txBox="1">
+            <a:spLocks/>
+          </p:cNvSpPr>
+          <p:nvPr/>
+        </p:nvSpPr>
+        <p:spPr>
+          <a:xfrm>
+            <a:off x="444252" y="1407459"/>
+            <a:ext cx="8905936" cy="4500281"/>
+          </a:xfrm>
+          <a:prstGeom prst="rect">
+            <a:avLst/>
+          </a:prstGeom>
+        </p:spPr>
+        <p:txBody>
+          <a:bodyPr vert="horz" lIns="91440" tIns="45720" rIns="91440" bIns="45720" rtlCol="0" anchor="t">
+            <a:normAutofit fontScale="55000" lnSpcReduction="20000"/>
+          </a:bodyPr>
+          <a:lstStyle>
+            <a:lvl1pPr algn="l" defTabSz="457200" rtl="0" eaLnBrk="1" latinLnBrk="0" hangingPunct="1">
+              <a:spcBef>
+                <a:spcPct val="0"/>
+              </a:spcBef>
+              <a:buNone/>
+              <a:defRPr sz="3600" kern="1200">
+                <a:solidFill>
+                  <a:schemeClr val="accent1"/>
+                </a:solidFill>
+                <a:latin typeface="+mj-lt"/>
+                <a:ea typeface="+mj-ea"/>
+                <a:cs typeface="+mj-cs"/>
+              </a:defRPr>
+            </a:lvl1pPr>
+            <a:lvl2pPr eaLnBrk="1" hangingPunct="1">
+              <a:defRPr>
+                <a:solidFill>
+                  <a:schemeClr val="tx2"/>
+                </a:solidFill>
+              </a:defRPr>
+            </a:lvl2pPr>
+            <a:lvl3pPr eaLnBrk="1" hangingPunct="1">
+              <a:defRPr>
+                <a:solidFill>
+                  <a:schemeClr val="tx2"/>
+                </a:solidFill>
+              </a:defRPr>
+            </a:lvl3pPr>
+            <a:lvl4pPr eaLnBrk="1" hangingPunct="1">
+              <a:defRPr>
+                <a:solidFill>
+                  <a:schemeClr val="tx2"/>
+                </a:solidFill>
+              </a:defRPr>
+            </a:lvl4pPr>
+            <a:lvl5pPr eaLnBrk="1" hangingPunct="1">
+              <a:defRPr>
+                <a:solidFill>
+                  <a:schemeClr val="tx2"/>
+                </a:solidFill>
+              </a:defRPr>
+            </a:lvl5pPr>
+            <a:lvl6pPr eaLnBrk="1" hangingPunct="1">
+              <a:defRPr>
+                <a:solidFill>
+                  <a:schemeClr val="tx2"/>
+                </a:solidFill>
+              </a:defRPr>
+            </a:lvl6pPr>
+            <a:lvl7pPr eaLnBrk="1" hangingPunct="1">
+              <a:defRPr>
+                <a:solidFill>
+                  <a:schemeClr val="tx2"/>
+                </a:solidFill>
+              </a:defRPr>
+            </a:lvl7pPr>
+            <a:lvl8pPr eaLnBrk="1" hangingPunct="1">
+              <a:defRPr>
+                <a:solidFill>
+                  <a:schemeClr val="tx2"/>
+                </a:solidFill>
+              </a:defRPr>
+            </a:lvl8pPr>
+            <a:lvl9pPr eaLnBrk="1" hangingPunct="1">
+              <a:defRPr>
+                <a:solidFill>
+                  <a:schemeClr val="tx2"/>
+                </a:solidFill>
+              </a:defRPr>
+            </a:lvl9pPr>
+          </a:lstStyle>
+          <a:p>
+            <a:r>
+              <a:rPr lang="it-IT" dirty="0"/>
+              <a:t>3 users and 3 </a:t>
+            </a:r>
+            <a:r>
+              <a:rPr lang="it-IT" dirty="0" err="1"/>
+              <a:t>different</a:t>
+            </a:r>
+            <a:r>
+              <a:rPr lang="it-IT" dirty="0"/>
+              <a:t> scenario: </a:t>
+            </a:r>
+            <a:br>
+              <a:rPr lang="it-IT" dirty="0"/>
+            </a:br>
+            <a:endParaRPr lang="it-IT" dirty="0"/>
+          </a:p>
+          <a:p>
+            <a:pPr marL="571500" indent="-571500">
+              <a:buFont typeface="Arial" panose="020B0604020202020204" pitchFamily="34" charset="0"/>
+              <a:buChar char="•"/>
+            </a:pPr>
+            <a:r>
+              <a:rPr lang="it-IT" b="1" dirty="0">
+                <a:solidFill>
+                  <a:schemeClr val="accent2">
+                    <a:lumMod val="75000"/>
+                  </a:schemeClr>
+                </a:solidFill>
+              </a:rPr>
+              <a:t>User 1 </a:t>
+            </a:r>
+            <a:r>
+              <a:rPr lang="it-IT" dirty="0"/>
+              <a:t>– </a:t>
+            </a:r>
+            <a:r>
+              <a:rPr lang="it-IT" dirty="0" err="1"/>
+              <a:t>Sunny</a:t>
+            </a:r>
+            <a:r>
+              <a:rPr lang="it-IT" dirty="0"/>
+              <a:t> day. </a:t>
+            </a:r>
+            <a:br>
+              <a:rPr lang="it-IT" dirty="0"/>
+            </a:br>
+            <a:r>
+              <a:rPr lang="it-IT" dirty="0"/>
+              <a:t>The </a:t>
+            </a:r>
+            <a:r>
+              <a:rPr lang="it-IT" dirty="0" err="1"/>
+              <a:t>photovoltaic</a:t>
+            </a:r>
+            <a:r>
+              <a:rPr lang="it-IT" dirty="0"/>
+              <a:t> panel are </a:t>
+            </a:r>
+            <a:r>
+              <a:rPr lang="it-IT" dirty="0" err="1"/>
+              <a:t>able</a:t>
+            </a:r>
+            <a:r>
+              <a:rPr lang="it-IT" dirty="0"/>
+              <a:t> to produce a </a:t>
+            </a:r>
+            <a:r>
+              <a:rPr lang="it-IT" dirty="0" err="1"/>
+              <a:t>lot</a:t>
+            </a:r>
+            <a:r>
+              <a:rPr lang="it-IT" dirty="0"/>
+              <a:t> of </a:t>
+            </a:r>
+            <a:r>
+              <a:rPr lang="it-IT" dirty="0" err="1"/>
+              <a:t>electric</a:t>
+            </a:r>
+            <a:r>
+              <a:rPr lang="it-IT" dirty="0"/>
+              <a:t> energy. </a:t>
+            </a:r>
+            <a:br>
+              <a:rPr lang="it-IT" dirty="0"/>
+            </a:br>
+            <a:r>
+              <a:rPr lang="it-IT" dirty="0">
+                <a:solidFill>
+                  <a:schemeClr val="accent2">
+                    <a:lumMod val="75000"/>
+                  </a:schemeClr>
+                </a:solidFill>
+              </a:rPr>
+              <a:t>The </a:t>
+            </a:r>
+            <a:r>
+              <a:rPr lang="it-IT" dirty="0" err="1">
+                <a:solidFill>
+                  <a:schemeClr val="accent2">
+                    <a:lumMod val="75000"/>
+                  </a:schemeClr>
+                </a:solidFill>
+              </a:rPr>
+              <a:t>charger</a:t>
+            </a:r>
+            <a:r>
+              <a:rPr lang="it-IT" dirty="0">
+                <a:solidFill>
+                  <a:schemeClr val="accent2">
+                    <a:lumMod val="75000"/>
+                  </a:schemeClr>
+                </a:solidFill>
+              </a:rPr>
+              <a:t> </a:t>
+            </a:r>
+            <a:r>
+              <a:rPr lang="it-IT" dirty="0" err="1">
+                <a:solidFill>
+                  <a:schemeClr val="accent2">
+                    <a:lumMod val="75000"/>
+                  </a:schemeClr>
+                </a:solidFill>
+              </a:rPr>
+              <a:t>is</a:t>
+            </a:r>
+            <a:r>
+              <a:rPr lang="it-IT" dirty="0">
+                <a:solidFill>
+                  <a:schemeClr val="accent2">
+                    <a:lumMod val="75000"/>
+                  </a:schemeClr>
+                </a:solidFill>
+              </a:rPr>
+              <a:t> set on </a:t>
+            </a:r>
+            <a:r>
+              <a:rPr lang="it-IT" dirty="0" err="1">
+                <a:solidFill>
+                  <a:schemeClr val="accent2">
+                    <a:lumMod val="75000"/>
+                  </a:schemeClr>
+                </a:solidFill>
+              </a:rPr>
+              <a:t>ON</a:t>
+            </a:r>
+            <a:r>
+              <a:rPr lang="it-IT" dirty="0">
+                <a:solidFill>
+                  <a:schemeClr val="accent2">
+                    <a:lumMod val="75000"/>
+                  </a:schemeClr>
+                </a:solidFill>
+              </a:rPr>
+              <a:t> state. </a:t>
+            </a:r>
+            <a:br>
+              <a:rPr lang="it-IT" dirty="0">
+                <a:solidFill>
+                  <a:schemeClr val="accent2">
+                    <a:lumMod val="75000"/>
+                  </a:schemeClr>
+                </a:solidFill>
+              </a:rPr>
+            </a:br>
+            <a:endParaRPr lang="it-IT" dirty="0">
+              <a:solidFill>
+                <a:schemeClr val="accent2">
+                  <a:lumMod val="75000"/>
+                </a:schemeClr>
+              </a:solidFill>
+            </a:endParaRPr>
+          </a:p>
+          <a:p>
+            <a:pPr marL="571500" indent="-571500">
+              <a:buFont typeface="Arial" panose="020B0604020202020204" pitchFamily="34" charset="0"/>
+              <a:buChar char="•"/>
+            </a:pPr>
+            <a:r>
+              <a:rPr lang="it-IT" b="1" dirty="0">
+                <a:solidFill>
+                  <a:schemeClr val="accent2">
+                    <a:lumMod val="75000"/>
+                  </a:schemeClr>
+                </a:solidFill>
+              </a:rPr>
+              <a:t>User 2 </a:t>
+            </a:r>
+            <a:r>
+              <a:rPr lang="it-IT" dirty="0"/>
+              <a:t>– Rainy day.</a:t>
+            </a:r>
+            <a:br>
+              <a:rPr lang="it-IT" dirty="0"/>
+            </a:br>
+            <a:r>
+              <a:rPr lang="it-IT" dirty="0" err="1"/>
+              <a:t>Battery</a:t>
+            </a:r>
+            <a:r>
+              <a:rPr lang="it-IT" dirty="0"/>
+              <a:t> </a:t>
+            </a:r>
+            <a:r>
+              <a:rPr lang="it-IT" dirty="0" err="1"/>
+              <a:t>percentage</a:t>
+            </a:r>
+            <a:r>
+              <a:rPr lang="it-IT" dirty="0"/>
+              <a:t> </a:t>
+            </a:r>
+            <a:r>
+              <a:rPr lang="it-IT" dirty="0" err="1"/>
+              <a:t>necessary</a:t>
+            </a:r>
+            <a:r>
+              <a:rPr lang="it-IT" dirty="0"/>
+              <a:t> for cover </a:t>
+            </a:r>
+            <a:r>
+              <a:rPr lang="it-IT" dirty="0" err="1"/>
+              <a:t>all</a:t>
+            </a:r>
+            <a:r>
+              <a:rPr lang="it-IT" dirty="0"/>
+              <a:t> the day </a:t>
+            </a:r>
+            <a:r>
+              <a:rPr lang="it-IT" dirty="0" err="1"/>
+              <a:t>appointment</a:t>
+            </a:r>
+            <a:r>
+              <a:rPr lang="it-IT" dirty="0"/>
+              <a:t> </a:t>
+            </a:r>
+            <a:r>
+              <a:rPr lang="it-IT" dirty="0" err="1"/>
+              <a:t>is</a:t>
+            </a:r>
+            <a:r>
+              <a:rPr lang="it-IT" dirty="0"/>
+              <a:t> 27%+15% (</a:t>
+            </a:r>
+            <a:r>
+              <a:rPr lang="it-IT" dirty="0" err="1"/>
+              <a:t>safe</a:t>
+            </a:r>
+            <a:r>
+              <a:rPr lang="it-IT" dirty="0"/>
+              <a:t> state)=42%.</a:t>
+            </a:r>
+            <a:br>
+              <a:rPr lang="it-IT" dirty="0"/>
+            </a:br>
+            <a:r>
+              <a:rPr lang="it-IT" dirty="0" err="1"/>
+              <a:t>Battery</a:t>
+            </a:r>
+            <a:r>
+              <a:rPr lang="it-IT" dirty="0"/>
+              <a:t> </a:t>
+            </a:r>
+            <a:r>
+              <a:rPr lang="it-IT" dirty="0" err="1"/>
+              <a:t>percentage</a:t>
+            </a:r>
+            <a:r>
+              <a:rPr lang="it-IT" dirty="0"/>
+              <a:t> </a:t>
+            </a:r>
+            <a:r>
+              <a:rPr lang="it-IT" dirty="0" err="1"/>
+              <a:t>available</a:t>
+            </a:r>
+            <a:r>
+              <a:rPr lang="it-IT" dirty="0"/>
+              <a:t> </a:t>
+            </a:r>
+            <a:r>
+              <a:rPr lang="it-IT" dirty="0" err="1"/>
+              <a:t>is</a:t>
+            </a:r>
+            <a:r>
+              <a:rPr lang="it-IT" dirty="0"/>
+              <a:t> 34%. </a:t>
+            </a:r>
+            <a:br>
+              <a:rPr lang="it-IT" dirty="0"/>
+            </a:br>
+            <a:r>
+              <a:rPr lang="it-IT" dirty="0">
+                <a:solidFill>
+                  <a:schemeClr val="accent2">
+                    <a:lumMod val="75000"/>
+                  </a:schemeClr>
+                </a:solidFill>
+              </a:rPr>
+              <a:t>The </a:t>
+            </a:r>
+            <a:r>
+              <a:rPr lang="it-IT" dirty="0" err="1">
+                <a:solidFill>
+                  <a:schemeClr val="accent2">
+                    <a:lumMod val="75000"/>
+                  </a:schemeClr>
+                </a:solidFill>
+              </a:rPr>
+              <a:t>charger</a:t>
+            </a:r>
+            <a:r>
+              <a:rPr lang="it-IT" dirty="0">
+                <a:solidFill>
+                  <a:schemeClr val="accent2">
+                    <a:lumMod val="75000"/>
+                  </a:schemeClr>
+                </a:solidFill>
+              </a:rPr>
+              <a:t> </a:t>
+            </a:r>
+            <a:r>
+              <a:rPr lang="it-IT" dirty="0" err="1">
+                <a:solidFill>
+                  <a:schemeClr val="accent2">
+                    <a:lumMod val="75000"/>
+                  </a:schemeClr>
+                </a:solidFill>
+              </a:rPr>
+              <a:t>is</a:t>
+            </a:r>
+            <a:r>
+              <a:rPr lang="it-IT" dirty="0">
+                <a:solidFill>
+                  <a:schemeClr val="accent2">
+                    <a:lumMod val="75000"/>
+                  </a:schemeClr>
+                </a:solidFill>
+              </a:rPr>
+              <a:t> set on </a:t>
+            </a:r>
+            <a:r>
+              <a:rPr lang="it-IT" dirty="0" err="1">
+                <a:solidFill>
+                  <a:schemeClr val="accent2">
+                    <a:lumMod val="75000"/>
+                  </a:schemeClr>
+                </a:solidFill>
+              </a:rPr>
+              <a:t>ON</a:t>
+            </a:r>
+            <a:r>
+              <a:rPr lang="it-IT" dirty="0">
+                <a:solidFill>
+                  <a:schemeClr val="accent2">
+                    <a:lumMod val="75000"/>
+                  </a:schemeClr>
+                </a:solidFill>
+              </a:rPr>
+              <a:t> state.</a:t>
+            </a:r>
+            <a:br>
+              <a:rPr lang="it-IT" dirty="0">
+                <a:solidFill>
+                  <a:schemeClr val="accent2">
+                    <a:lumMod val="75000"/>
+                  </a:schemeClr>
+                </a:solidFill>
+              </a:rPr>
+            </a:br>
+            <a:endParaRPr lang="it-IT" dirty="0">
+              <a:solidFill>
+                <a:schemeClr val="accent2">
+                  <a:lumMod val="75000"/>
+                </a:schemeClr>
+              </a:solidFill>
+            </a:endParaRPr>
+          </a:p>
+          <a:p>
+            <a:pPr marL="571500" indent="-571500">
+              <a:buFont typeface="Arial" panose="020B0604020202020204" pitchFamily="34" charset="0"/>
+              <a:buChar char="•"/>
+            </a:pPr>
+            <a:r>
+              <a:rPr lang="it-IT" b="1" dirty="0">
+                <a:solidFill>
+                  <a:schemeClr val="accent2">
+                    <a:lumMod val="75000"/>
+                  </a:schemeClr>
+                </a:solidFill>
+              </a:rPr>
+              <a:t>User 4 </a:t>
+            </a:r>
+            <a:r>
+              <a:rPr lang="it-IT" dirty="0"/>
+              <a:t>– Rainy day.</a:t>
+            </a:r>
+            <a:br>
+              <a:rPr lang="it-IT" dirty="0"/>
+            </a:br>
+            <a:r>
+              <a:rPr lang="it-IT" dirty="0" err="1"/>
+              <a:t>Battery</a:t>
+            </a:r>
+            <a:r>
+              <a:rPr lang="it-IT" dirty="0"/>
+              <a:t> </a:t>
+            </a:r>
+            <a:r>
+              <a:rPr lang="it-IT" dirty="0" err="1"/>
+              <a:t>percentage</a:t>
+            </a:r>
+            <a:r>
+              <a:rPr lang="it-IT" dirty="0"/>
+              <a:t> </a:t>
+            </a:r>
+            <a:r>
+              <a:rPr lang="it-IT" dirty="0" err="1"/>
+              <a:t>necessary</a:t>
+            </a:r>
+            <a:r>
+              <a:rPr lang="it-IT" dirty="0"/>
+              <a:t> to cover </a:t>
+            </a:r>
+            <a:r>
+              <a:rPr lang="it-IT" dirty="0" err="1"/>
+              <a:t>all</a:t>
+            </a:r>
+            <a:r>
+              <a:rPr lang="it-IT" dirty="0"/>
+              <a:t> the day </a:t>
+            </a:r>
+            <a:r>
+              <a:rPr lang="it-IT" dirty="0" err="1"/>
+              <a:t>appointment</a:t>
+            </a:r>
+            <a:r>
+              <a:rPr lang="it-IT" dirty="0"/>
+              <a:t> </a:t>
+            </a:r>
+            <a:r>
+              <a:rPr lang="it-IT" dirty="0" err="1"/>
+              <a:t>is</a:t>
+            </a:r>
+            <a:r>
+              <a:rPr lang="it-IT" dirty="0"/>
+              <a:t> 33% +15% (</a:t>
+            </a:r>
+            <a:r>
+              <a:rPr lang="it-IT" dirty="0" err="1"/>
+              <a:t>safe</a:t>
+            </a:r>
+            <a:r>
+              <a:rPr lang="it-IT" dirty="0"/>
+              <a:t> state) = 48%.</a:t>
+            </a:r>
+            <a:br>
+              <a:rPr lang="it-IT" dirty="0"/>
+            </a:br>
+            <a:r>
+              <a:rPr lang="it-IT" dirty="0" err="1"/>
+              <a:t>Battery</a:t>
+            </a:r>
+            <a:r>
+              <a:rPr lang="it-IT" dirty="0"/>
+              <a:t> </a:t>
+            </a:r>
+            <a:r>
+              <a:rPr lang="it-IT" dirty="0" err="1"/>
+              <a:t>percentage</a:t>
+            </a:r>
+            <a:r>
+              <a:rPr lang="it-IT" dirty="0"/>
+              <a:t> </a:t>
+            </a:r>
+            <a:r>
+              <a:rPr lang="it-IT" dirty="0" err="1"/>
+              <a:t>available</a:t>
+            </a:r>
+            <a:r>
+              <a:rPr lang="it-IT" dirty="0"/>
+              <a:t> </a:t>
+            </a:r>
+            <a:r>
+              <a:rPr lang="it-IT" dirty="0" err="1"/>
+              <a:t>is</a:t>
+            </a:r>
+            <a:r>
+              <a:rPr lang="it-IT" dirty="0"/>
+              <a:t> 80 %. </a:t>
+            </a:r>
+            <a:br>
+              <a:rPr lang="it-IT" dirty="0"/>
+            </a:br>
+            <a:r>
+              <a:rPr lang="it-IT" dirty="0">
+                <a:solidFill>
+                  <a:schemeClr val="accent2">
+                    <a:lumMod val="75000"/>
+                  </a:schemeClr>
+                </a:solidFill>
+              </a:rPr>
+              <a:t>The </a:t>
+            </a:r>
+            <a:r>
+              <a:rPr lang="it-IT" dirty="0" err="1">
+                <a:solidFill>
+                  <a:schemeClr val="accent2">
+                    <a:lumMod val="75000"/>
+                  </a:schemeClr>
+                </a:solidFill>
+              </a:rPr>
+              <a:t>charger</a:t>
+            </a:r>
+            <a:r>
+              <a:rPr lang="it-IT" dirty="0">
+                <a:solidFill>
+                  <a:schemeClr val="accent2">
+                    <a:lumMod val="75000"/>
+                  </a:schemeClr>
+                </a:solidFill>
+              </a:rPr>
+              <a:t> </a:t>
+            </a:r>
+            <a:r>
+              <a:rPr lang="it-IT" dirty="0" err="1">
+                <a:solidFill>
+                  <a:schemeClr val="accent2">
+                    <a:lumMod val="75000"/>
+                  </a:schemeClr>
+                </a:solidFill>
+              </a:rPr>
+              <a:t>is</a:t>
+            </a:r>
+            <a:r>
+              <a:rPr lang="it-IT" dirty="0">
+                <a:solidFill>
+                  <a:schemeClr val="accent2">
+                    <a:lumMod val="75000"/>
+                  </a:schemeClr>
+                </a:solidFill>
+              </a:rPr>
+              <a:t> set on OFF state.  </a:t>
+            </a:r>
+          </a:p>
+        </p:txBody>
+      </p:sp>
+    </p:spTree>
+    <p:extLst>
+      <p:ext uri="{BB962C8B-B14F-4D97-AF65-F5344CB8AC3E}">
+        <p14:creationId xmlns:p14="http://schemas.microsoft.com/office/powerpoint/2010/main" val="3931345290"/>
+      </p:ext>
+    </p:extLst>
+  </p:cSld>
+  <p:clrMapOvr>
+    <a:masterClrMapping/>
+  </p:clrMapOvr>
+</p:sld>
+</file>
+
 <file path=ppt/slides/slide4.xml><?xml version="1.0" encoding="utf-8"?>
 <p:sld xmlns:a="http://schemas.openxmlformats.org/drawingml/2006/main" xmlns:r="http://schemas.openxmlformats.org/officeDocument/2006/relationships" xmlns:p="http://schemas.openxmlformats.org/presentationml/2006/main">
   <p:cSld>
@@ -23778,7 +24497,7 @@
             </a:r>
             <a:r>
               <a:rPr lang="it-IT" dirty="0"/>
-              <a:t> - Update</a:t>
+              <a:t> - Update </a:t>
             </a:r>
           </a:p>
         </p:txBody>
@@ -25593,8 +26312,8 @@
         </p:nvCxnSpPr>
         <p:spPr>
           <a:xfrm flipV="1">
-            <a:off x="8587312" y="1316317"/>
-            <a:ext cx="587545" cy="532504"/>
+            <a:off x="8587312" y="1353671"/>
+            <a:ext cx="686690" cy="495150"/>
           </a:xfrm>
           <a:prstGeom prst="straightConnector1">
             <a:avLst/>

--- a/Materiale Extra/Presentazione del progetto.pptx
+++ b/Materiale Extra/Presentazione del progetto.pptx
@@ -7,8 +7,8 @@
   <p:sldIdLst>
     <p:sldId id="256" r:id="rId2"/>
     <p:sldId id="257" r:id="rId3"/>
-    <p:sldId id="260" r:id="rId4"/>
-    <p:sldId id="259" r:id="rId5"/>
+    <p:sldId id="259" r:id="rId4"/>
+    <p:sldId id="260" r:id="rId5"/>
     <p:sldId id="261" r:id="rId6"/>
     <p:sldId id="275" r:id="rId7"/>
     <p:sldId id="276" r:id="rId8"/>
@@ -865,7 +865,7 @@
           <a:p>
             <a:fld id="{C1775FA8-FEF5-4078-A009-D10F19796D95}" type="datetimeFigureOut">
               <a:rPr lang="it-IT" smtClean="0"/>
-              <a:t>31/05/2023</a:t>
+              <a:t>05/06/2023</a:t>
             </a:fld>
             <a:endParaRPr lang="it-IT"/>
           </a:p>
@@ -1116,7 +1116,7 @@
           <a:p>
             <a:fld id="{C1775FA8-FEF5-4078-A009-D10F19796D95}" type="datetimeFigureOut">
               <a:rPr lang="it-IT" smtClean="0"/>
-              <a:t>31/05/2023</a:t>
+              <a:t>05/06/2023</a:t>
             </a:fld>
             <a:endParaRPr lang="it-IT"/>
           </a:p>
@@ -1430,7 +1430,7 @@
           <a:p>
             <a:fld id="{C1775FA8-FEF5-4078-A009-D10F19796D95}" type="datetimeFigureOut">
               <a:rPr lang="it-IT" smtClean="0"/>
-              <a:t>31/05/2023</a:t>
+              <a:t>05/06/2023</a:t>
             </a:fld>
             <a:endParaRPr lang="it-IT"/>
           </a:p>
@@ -1771,7 +1771,7 @@
           <a:p>
             <a:fld id="{C1775FA8-FEF5-4078-A009-D10F19796D95}" type="datetimeFigureOut">
               <a:rPr lang="it-IT" smtClean="0"/>
-              <a:t>31/05/2023</a:t>
+              <a:t>05/06/2023</a:t>
             </a:fld>
             <a:endParaRPr lang="it-IT"/>
           </a:p>
@@ -2085,7 +2085,7 @@
           <a:p>
             <a:fld id="{C1775FA8-FEF5-4078-A009-D10F19796D95}" type="datetimeFigureOut">
               <a:rPr lang="it-IT" smtClean="0"/>
-              <a:t>31/05/2023</a:t>
+              <a:t>05/06/2023</a:t>
             </a:fld>
             <a:endParaRPr lang="it-IT"/>
           </a:p>
@@ -2478,7 +2478,7 @@
           <a:p>
             <a:fld id="{C1775FA8-FEF5-4078-A009-D10F19796D95}" type="datetimeFigureOut">
               <a:rPr lang="it-IT" smtClean="0"/>
-              <a:t>31/05/2023</a:t>
+              <a:t>05/06/2023</a:t>
             </a:fld>
             <a:endParaRPr lang="it-IT"/>
           </a:p>
@@ -2648,7 +2648,7 @@
           <a:p>
             <a:fld id="{C1775FA8-FEF5-4078-A009-D10F19796D95}" type="datetimeFigureOut">
               <a:rPr lang="it-IT" smtClean="0"/>
-              <a:t>31/05/2023</a:t>
+              <a:t>05/06/2023</a:t>
             </a:fld>
             <a:endParaRPr lang="it-IT"/>
           </a:p>
@@ -2828,7 +2828,7 @@
           <a:p>
             <a:fld id="{C1775FA8-FEF5-4078-A009-D10F19796D95}" type="datetimeFigureOut">
               <a:rPr lang="it-IT" smtClean="0"/>
-              <a:t>31/05/2023</a:t>
+              <a:t>05/06/2023</a:t>
             </a:fld>
             <a:endParaRPr lang="it-IT"/>
           </a:p>
@@ -3004,7 +3004,7 @@
           <a:p>
             <a:fld id="{C1775FA8-FEF5-4078-A009-D10F19796D95}" type="datetimeFigureOut">
               <a:rPr lang="it-IT" smtClean="0"/>
-              <a:t>31/05/2023</a:t>
+              <a:t>05/06/2023</a:t>
             </a:fld>
             <a:endParaRPr lang="it-IT"/>
           </a:p>
@@ -3251,7 +3251,7 @@
           <a:p>
             <a:fld id="{C1775FA8-FEF5-4078-A009-D10F19796D95}" type="datetimeFigureOut">
               <a:rPr lang="it-IT" smtClean="0"/>
-              <a:t>31/05/2023</a:t>
+              <a:t>05/06/2023</a:t>
             </a:fld>
             <a:endParaRPr lang="it-IT"/>
           </a:p>
@@ -3483,7 +3483,7 @@
           <a:p>
             <a:fld id="{C1775FA8-FEF5-4078-A009-D10F19796D95}" type="datetimeFigureOut">
               <a:rPr lang="it-IT" smtClean="0"/>
-              <a:t>31/05/2023</a:t>
+              <a:t>05/06/2023</a:t>
             </a:fld>
             <a:endParaRPr lang="it-IT"/>
           </a:p>
@@ -3857,7 +3857,7 @@
           <a:p>
             <a:fld id="{C1775FA8-FEF5-4078-A009-D10F19796D95}" type="datetimeFigureOut">
               <a:rPr lang="it-IT" smtClean="0"/>
-              <a:t>31/05/2023</a:t>
+              <a:t>05/06/2023</a:t>
             </a:fld>
             <a:endParaRPr lang="it-IT"/>
           </a:p>
@@ -3980,7 +3980,7 @@
           <a:p>
             <a:fld id="{C1775FA8-FEF5-4078-A009-D10F19796D95}" type="datetimeFigureOut">
               <a:rPr lang="it-IT" smtClean="0"/>
-              <a:t>31/05/2023</a:t>
+              <a:t>05/06/2023</a:t>
             </a:fld>
             <a:endParaRPr lang="it-IT"/>
           </a:p>
@@ -4075,7 +4075,7 @@
           <a:p>
             <a:fld id="{C1775FA8-FEF5-4078-A009-D10F19796D95}" type="datetimeFigureOut">
               <a:rPr lang="it-IT" smtClean="0"/>
-              <a:t>31/05/2023</a:t>
+              <a:t>05/06/2023</a:t>
             </a:fld>
             <a:endParaRPr lang="it-IT"/>
           </a:p>
@@ -4330,7 +4330,7 @@
           <a:p>
             <a:fld id="{C1775FA8-FEF5-4078-A009-D10F19796D95}" type="datetimeFigureOut">
               <a:rPr lang="it-IT" smtClean="0"/>
-              <a:t>31/05/2023</a:t>
+              <a:t>05/06/2023</a:t>
             </a:fld>
             <a:endParaRPr lang="it-IT"/>
           </a:p>
@@ -4593,7 +4593,7 @@
           <a:p>
             <a:fld id="{C1775FA8-FEF5-4078-A009-D10F19796D95}" type="datetimeFigureOut">
               <a:rPr lang="it-IT" smtClean="0"/>
-              <a:t>31/05/2023</a:t>
+              <a:t>05/06/2023</a:t>
             </a:fld>
             <a:endParaRPr lang="it-IT"/>
           </a:p>
@@ -5336,7 +5336,7 @@
           <a:p>
             <a:fld id="{C1775FA8-FEF5-4078-A009-D10F19796D95}" type="datetimeFigureOut">
               <a:rPr lang="it-IT" smtClean="0"/>
-              <a:t>31/05/2023</a:t>
+              <a:t>05/06/2023</a:t>
             </a:fld>
             <a:endParaRPr lang="it-IT"/>
           </a:p>
@@ -22027,12 +22027,7 @@
             <p:ph type="title"/>
           </p:nvPr>
         </p:nvSpPr>
-        <p:spPr>
-          <a:xfrm>
-            <a:off x="658673" y="422987"/>
-            <a:ext cx="8596668" cy="1320800"/>
-          </a:xfrm>
-        </p:spPr>
+        <p:spPr/>
         <p:txBody>
           <a:bodyPr/>
           <a:lstStyle/>
@@ -22048,22 +22043,17 @@
             </a:r>
             <a:r>
               <a:rPr lang="it-IT" dirty="0"/>
-              <a:t> - </a:t>
-            </a:r>
-            <a:r>
-              <a:rPr lang="it-IT" dirty="0" err="1"/>
-              <a:t>Proposal</a:t>
-            </a:r>
-            <a:endParaRPr lang="it-IT" dirty="0"/>
+              <a:t> - Update </a:t>
+            </a:r>
           </a:p>
         </p:txBody>
       </p:sp>
       <p:pic>
         <p:nvPicPr>
-          <p:cNvPr id="4" name="Picture 3">
+          <p:cNvPr id="5" name="Picture 4">
             <a:extLst>
               <a:ext uri="{FF2B5EF4-FFF2-40B4-BE49-F238E27FC236}">
-                <a16:creationId xmlns:a16="http://schemas.microsoft.com/office/drawing/2014/main" id="{A937875E-F5DB-0F12-6BCC-55C83DCBA47A}"/>
+                <a16:creationId xmlns:a16="http://schemas.microsoft.com/office/drawing/2014/main" id="{013A3A9F-F569-4F5A-9E4D-7057E321900A}"/>
               </a:ext>
             </a:extLst>
           </p:cNvPr>
@@ -22072,25 +22062,42 @@
           </p:cNvPicPr>
           <p:nvPr/>
         </p:nvPicPr>
-        <p:blipFill rotWithShape="1">
-          <a:blip r:embed="rId2"/>
-          <a:srcRect l="1668" t="1203" b="523"/>
-          <a:stretch/>
+        <p:blipFill>
+          <a:blip r:embed="rId2">
+            <a:extLst>
+              <a:ext uri="{28A0092B-C50C-407E-A947-70E740481C1C}">
+                <a14:useLocalDpi xmlns:a14="http://schemas.microsoft.com/office/drawing/2010/main" val="0"/>
+              </a:ext>
+            </a:extLst>
+          </a:blip>
+          <a:stretch>
+            <a:fillRect/>
+          </a:stretch>
         </p:blipFill>
         <p:spPr>
           <a:xfrm>
-            <a:off x="533570" y="1307323"/>
-            <a:ext cx="8596668" cy="4869543"/>
+            <a:off x="613237" y="1582016"/>
+            <a:ext cx="8001846" cy="4513983"/>
           </a:xfrm>
           <a:prstGeom prst="rect">
             <a:avLst/>
           </a:prstGeom>
+          <a:ln>
+            <a:noFill/>
+          </a:ln>
+          <a:effectLst>
+            <a:outerShdw blurRad="292100" dist="139700" dir="2700000" algn="tl" rotWithShape="0">
+              <a:srgbClr val="333333">
+                <a:alpha val="65000"/>
+              </a:srgbClr>
+            </a:outerShdw>
+          </a:effectLst>
         </p:spPr>
       </p:pic>
     </p:spTree>
     <p:extLst>
       <p:ext uri="{BB962C8B-B14F-4D97-AF65-F5344CB8AC3E}">
-        <p14:creationId xmlns:p14="http://schemas.microsoft.com/office/powerpoint/2010/main" val="2139544822"/>
+        <p14:creationId xmlns:p14="http://schemas.microsoft.com/office/powerpoint/2010/main" val="3302964220"/>
       </p:ext>
     </p:extLst>
   </p:cSld>
@@ -24481,7 +24488,12 @@
             <p:ph type="title"/>
           </p:nvPr>
         </p:nvSpPr>
-        <p:spPr/>
+        <p:spPr>
+          <a:xfrm>
+            <a:off x="658673" y="422987"/>
+            <a:ext cx="8596668" cy="1320800"/>
+          </a:xfrm>
+        </p:spPr>
         <p:txBody>
           <a:bodyPr/>
           <a:lstStyle/>
@@ -24497,17 +24509,22 @@
             </a:r>
             <a:r>
               <a:rPr lang="it-IT" dirty="0"/>
-              <a:t> - Update </a:t>
-            </a:r>
+              <a:t> - </a:t>
+            </a:r>
+            <a:r>
+              <a:rPr lang="it-IT" dirty="0" err="1"/>
+              <a:t>Proposal</a:t>
+            </a:r>
+            <a:endParaRPr lang="it-IT" dirty="0"/>
           </a:p>
         </p:txBody>
       </p:sp>
       <p:pic>
         <p:nvPicPr>
-          <p:cNvPr id="5" name="Picture 4">
+          <p:cNvPr id="4" name="Picture 3">
             <a:extLst>
               <a:ext uri="{FF2B5EF4-FFF2-40B4-BE49-F238E27FC236}">
-                <a16:creationId xmlns:a16="http://schemas.microsoft.com/office/drawing/2014/main" id="{013A3A9F-F569-4F5A-9E4D-7057E321900A}"/>
+                <a16:creationId xmlns:a16="http://schemas.microsoft.com/office/drawing/2014/main" id="{A937875E-F5DB-0F12-6BCC-55C83DCBA47A}"/>
               </a:ext>
             </a:extLst>
           </p:cNvPr>
@@ -24516,42 +24533,25 @@
           </p:cNvPicPr>
           <p:nvPr/>
         </p:nvPicPr>
-        <p:blipFill>
-          <a:blip r:embed="rId2">
-            <a:extLst>
-              <a:ext uri="{28A0092B-C50C-407E-A947-70E740481C1C}">
-                <a14:useLocalDpi xmlns:a14="http://schemas.microsoft.com/office/drawing/2010/main" val="0"/>
-              </a:ext>
-            </a:extLst>
-          </a:blip>
-          <a:stretch>
-            <a:fillRect/>
-          </a:stretch>
+        <p:blipFill rotWithShape="1">
+          <a:blip r:embed="rId2"/>
+          <a:srcRect l="1668" t="1203" b="523"/>
+          <a:stretch/>
         </p:blipFill>
         <p:spPr>
           <a:xfrm>
-            <a:off x="613237" y="1582016"/>
-            <a:ext cx="8001846" cy="4513983"/>
+            <a:off x="533570" y="1307323"/>
+            <a:ext cx="8596668" cy="4869543"/>
           </a:xfrm>
           <a:prstGeom prst="rect">
             <a:avLst/>
           </a:prstGeom>
-          <a:ln>
-            <a:noFill/>
-          </a:ln>
-          <a:effectLst>
-            <a:outerShdw blurRad="292100" dist="139700" dir="2700000" algn="tl" rotWithShape="0">
-              <a:srgbClr val="333333">
-                <a:alpha val="65000"/>
-              </a:srgbClr>
-            </a:outerShdw>
-          </a:effectLst>
         </p:spPr>
       </p:pic>
     </p:spTree>
     <p:extLst>
       <p:ext uri="{BB962C8B-B14F-4D97-AF65-F5344CB8AC3E}">
-        <p14:creationId xmlns:p14="http://schemas.microsoft.com/office/powerpoint/2010/main" val="3302964220"/>
+        <p14:creationId xmlns:p14="http://schemas.microsoft.com/office/powerpoint/2010/main" val="2139544822"/>
       </p:ext>
     </p:extLst>
   </p:cSld>
@@ -28433,8 +28433,8 @@
         </p:nvCxnSpPr>
         <p:spPr>
           <a:xfrm flipV="1">
-            <a:off x="4446495" y="2387873"/>
-            <a:ext cx="2130251" cy="1410921"/>
+            <a:off x="4446495" y="2670839"/>
+            <a:ext cx="2141829" cy="1127955"/>
           </a:xfrm>
           <a:prstGeom prst="straightConnector1">
             <a:avLst/>
@@ -28472,7 +28472,7 @@
         </p:nvSpPr>
         <p:spPr>
           <a:xfrm>
-            <a:off x="6576746" y="2203207"/>
+            <a:off x="6588324" y="2486173"/>
             <a:ext cx="1211233" cy="369332"/>
           </a:xfrm>
           <a:prstGeom prst="rect">
@@ -28801,7 +28801,7 @@
         </p:nvSpPr>
         <p:spPr>
           <a:xfrm>
-            <a:off x="8152433" y="2233984"/>
+            <a:off x="8071751" y="2233982"/>
             <a:ext cx="1124311" cy="307777"/>
           </a:xfrm>
           <a:prstGeom prst="rect">
@@ -28891,7 +28891,7 @@
         </p:nvSpPr>
         <p:spPr>
           <a:xfrm>
-            <a:off x="8355251" y="2686198"/>
+            <a:off x="8294118" y="2686197"/>
             <a:ext cx="718674" cy="307777"/>
           </a:xfrm>
           <a:prstGeom prst="rect">
@@ -29040,93 +29040,6 @@
             <a:r>
               <a:rPr lang="it-IT" dirty="0" err="1"/>
               <a:t>PostMan</a:t>
-            </a:r>
-            <a:endParaRPr lang="it-IT" dirty="0"/>
-          </a:p>
-        </p:txBody>
-      </p:sp>
-      <p:cxnSp>
-        <p:nvCxnSpPr>
-          <p:cNvPr id="47" name="Straight Arrow Connector 46">
-            <a:extLst>
-              <a:ext uri="{FF2B5EF4-FFF2-40B4-BE49-F238E27FC236}">
-                <a16:creationId xmlns:a16="http://schemas.microsoft.com/office/drawing/2014/main" id="{A86EDE2E-5B75-4373-A6BD-8D9F7763B775}"/>
-              </a:ext>
-            </a:extLst>
-          </p:cNvPr>
-          <p:cNvCxnSpPr>
-            <a:cxnSpLocks/>
-            <a:endCxn id="49" idx="1"/>
-          </p:cNvCxnSpPr>
-          <p:nvPr/>
-        </p:nvCxnSpPr>
-        <p:spPr>
-          <a:xfrm flipV="1">
-            <a:off x="4446495" y="2924111"/>
-            <a:ext cx="2130251" cy="874684"/>
-          </a:xfrm>
-          <a:prstGeom prst="straightConnector1">
-            <a:avLst/>
-          </a:prstGeom>
-          <a:ln>
-            <a:tailEnd type="triangle"/>
-          </a:ln>
-        </p:spPr>
-        <p:style>
-          <a:lnRef idx="1">
-            <a:schemeClr val="accent1"/>
-          </a:lnRef>
-          <a:fillRef idx="0">
-            <a:schemeClr val="accent1"/>
-          </a:fillRef>
-          <a:effectRef idx="0">
-            <a:schemeClr val="accent1"/>
-          </a:effectRef>
-          <a:fontRef idx="minor">
-            <a:schemeClr val="tx1"/>
-          </a:fontRef>
-        </p:style>
-      </p:cxnSp>
-      <p:sp>
-        <p:nvSpPr>
-          <p:cNvPr id="49" name="TextBox 48">
-            <a:extLst>
-              <a:ext uri="{FF2B5EF4-FFF2-40B4-BE49-F238E27FC236}">
-                <a16:creationId xmlns:a16="http://schemas.microsoft.com/office/drawing/2014/main" id="{71CE29D2-99EF-4B9D-9B19-95829412C858}"/>
-              </a:ext>
-            </a:extLst>
-          </p:cNvPr>
-          <p:cNvSpPr txBox="1"/>
-          <p:nvPr/>
-        </p:nvSpPr>
-        <p:spPr>
-          <a:xfrm>
-            <a:off x="6576746" y="2739445"/>
-            <a:ext cx="1476001" cy="369332"/>
-          </a:xfrm>
-          <a:prstGeom prst="rect">
-            <a:avLst/>
-          </a:prstGeom>
-          <a:noFill/>
-          <a:ln w="19050">
-            <a:solidFill>
-              <a:schemeClr val="tx1"/>
-            </a:solidFill>
-          </a:ln>
-        </p:spPr>
-        <p:txBody>
-          <a:bodyPr wrap="square" rtlCol="0">
-            <a:spAutoFit/>
-          </a:bodyPr>
-          <a:lstStyle/>
-          <a:p>
-            <a:r>
-              <a:rPr lang="it-IT" dirty="0"/>
-              <a:t>IP/</a:t>
-            </a:r>
-            <a:r>
-              <a:rPr lang="it-IT" dirty="0" err="1"/>
-              <a:t>Actuator</a:t>
             </a:r>
             <a:endParaRPr lang="it-IT" dirty="0"/>
           </a:p>

--- a/Materiale Extra/Presentazione del progetto.pptx
+++ b/Materiale Extra/Presentazione del progetto.pptx
@@ -25,18 +25,19 @@
     <p:sldId id="285" r:id="rId19"/>
     <p:sldId id="286" r:id="rId20"/>
     <p:sldId id="263" r:id="rId21"/>
-    <p:sldId id="268" r:id="rId22"/>
-    <p:sldId id="264" r:id="rId23"/>
-    <p:sldId id="266" r:id="rId24"/>
-    <p:sldId id="287" r:id="rId25"/>
-    <p:sldId id="288" r:id="rId26"/>
-    <p:sldId id="289" r:id="rId27"/>
-    <p:sldId id="290" r:id="rId28"/>
-    <p:sldId id="291" r:id="rId29"/>
-    <p:sldId id="267" r:id="rId30"/>
-    <p:sldId id="269" r:id="rId31"/>
-    <p:sldId id="270" r:id="rId32"/>
-    <p:sldId id="292" r:id="rId33"/>
+    <p:sldId id="293" r:id="rId22"/>
+    <p:sldId id="268" r:id="rId23"/>
+    <p:sldId id="264" r:id="rId24"/>
+    <p:sldId id="266" r:id="rId25"/>
+    <p:sldId id="287" r:id="rId26"/>
+    <p:sldId id="288" r:id="rId27"/>
+    <p:sldId id="289" r:id="rId28"/>
+    <p:sldId id="290" r:id="rId29"/>
+    <p:sldId id="291" r:id="rId30"/>
+    <p:sldId id="267" r:id="rId31"/>
+    <p:sldId id="269" r:id="rId32"/>
+    <p:sldId id="270" r:id="rId33"/>
+    <p:sldId id="292" r:id="rId34"/>
   </p:sldIdLst>
   <p:sldSz cx="12192000" cy="6858000"/>
   <p:notesSz cx="6858000" cy="9144000"/>
@@ -865,7 +866,7 @@
           <a:p>
             <a:fld id="{C1775FA8-FEF5-4078-A009-D10F19796D95}" type="datetimeFigureOut">
               <a:rPr lang="it-IT" smtClean="0"/>
-              <a:t>05/06/2023</a:t>
+              <a:t>19/06/2023</a:t>
             </a:fld>
             <a:endParaRPr lang="it-IT"/>
           </a:p>
@@ -1116,7 +1117,7 @@
           <a:p>
             <a:fld id="{C1775FA8-FEF5-4078-A009-D10F19796D95}" type="datetimeFigureOut">
               <a:rPr lang="it-IT" smtClean="0"/>
-              <a:t>05/06/2023</a:t>
+              <a:t>19/06/2023</a:t>
             </a:fld>
             <a:endParaRPr lang="it-IT"/>
           </a:p>
@@ -1430,7 +1431,7 @@
           <a:p>
             <a:fld id="{C1775FA8-FEF5-4078-A009-D10F19796D95}" type="datetimeFigureOut">
               <a:rPr lang="it-IT" smtClean="0"/>
-              <a:t>05/06/2023</a:t>
+              <a:t>19/06/2023</a:t>
             </a:fld>
             <a:endParaRPr lang="it-IT"/>
           </a:p>
@@ -1771,7 +1772,7 @@
           <a:p>
             <a:fld id="{C1775FA8-FEF5-4078-A009-D10F19796D95}" type="datetimeFigureOut">
               <a:rPr lang="it-IT" smtClean="0"/>
-              <a:t>05/06/2023</a:t>
+              <a:t>19/06/2023</a:t>
             </a:fld>
             <a:endParaRPr lang="it-IT"/>
           </a:p>
@@ -2085,7 +2086,7 @@
           <a:p>
             <a:fld id="{C1775FA8-FEF5-4078-A009-D10F19796D95}" type="datetimeFigureOut">
               <a:rPr lang="it-IT" smtClean="0"/>
-              <a:t>05/06/2023</a:t>
+              <a:t>19/06/2023</a:t>
             </a:fld>
             <a:endParaRPr lang="it-IT"/>
           </a:p>
@@ -2478,7 +2479,7 @@
           <a:p>
             <a:fld id="{C1775FA8-FEF5-4078-A009-D10F19796D95}" type="datetimeFigureOut">
               <a:rPr lang="it-IT" smtClean="0"/>
-              <a:t>05/06/2023</a:t>
+              <a:t>19/06/2023</a:t>
             </a:fld>
             <a:endParaRPr lang="it-IT"/>
           </a:p>
@@ -2648,7 +2649,7 @@
           <a:p>
             <a:fld id="{C1775FA8-FEF5-4078-A009-D10F19796D95}" type="datetimeFigureOut">
               <a:rPr lang="it-IT" smtClean="0"/>
-              <a:t>05/06/2023</a:t>
+              <a:t>19/06/2023</a:t>
             </a:fld>
             <a:endParaRPr lang="it-IT"/>
           </a:p>
@@ -2828,7 +2829,7 @@
           <a:p>
             <a:fld id="{C1775FA8-FEF5-4078-A009-D10F19796D95}" type="datetimeFigureOut">
               <a:rPr lang="it-IT" smtClean="0"/>
-              <a:t>05/06/2023</a:t>
+              <a:t>19/06/2023</a:t>
             </a:fld>
             <a:endParaRPr lang="it-IT"/>
           </a:p>
@@ -3004,7 +3005,7 @@
           <a:p>
             <a:fld id="{C1775FA8-FEF5-4078-A009-D10F19796D95}" type="datetimeFigureOut">
               <a:rPr lang="it-IT" smtClean="0"/>
-              <a:t>05/06/2023</a:t>
+              <a:t>19/06/2023</a:t>
             </a:fld>
             <a:endParaRPr lang="it-IT"/>
           </a:p>
@@ -3251,7 +3252,7 @@
           <a:p>
             <a:fld id="{C1775FA8-FEF5-4078-A009-D10F19796D95}" type="datetimeFigureOut">
               <a:rPr lang="it-IT" smtClean="0"/>
-              <a:t>05/06/2023</a:t>
+              <a:t>19/06/2023</a:t>
             </a:fld>
             <a:endParaRPr lang="it-IT"/>
           </a:p>
@@ -3483,7 +3484,7 @@
           <a:p>
             <a:fld id="{C1775FA8-FEF5-4078-A009-D10F19796D95}" type="datetimeFigureOut">
               <a:rPr lang="it-IT" smtClean="0"/>
-              <a:t>05/06/2023</a:t>
+              <a:t>19/06/2023</a:t>
             </a:fld>
             <a:endParaRPr lang="it-IT"/>
           </a:p>
@@ -3857,7 +3858,7 @@
           <a:p>
             <a:fld id="{C1775FA8-FEF5-4078-A009-D10F19796D95}" type="datetimeFigureOut">
               <a:rPr lang="it-IT" smtClean="0"/>
-              <a:t>05/06/2023</a:t>
+              <a:t>19/06/2023</a:t>
             </a:fld>
             <a:endParaRPr lang="it-IT"/>
           </a:p>
@@ -3980,7 +3981,7 @@
           <a:p>
             <a:fld id="{C1775FA8-FEF5-4078-A009-D10F19796D95}" type="datetimeFigureOut">
               <a:rPr lang="it-IT" smtClean="0"/>
-              <a:t>05/06/2023</a:t>
+              <a:t>19/06/2023</a:t>
             </a:fld>
             <a:endParaRPr lang="it-IT"/>
           </a:p>
@@ -4075,7 +4076,7 @@
           <a:p>
             <a:fld id="{C1775FA8-FEF5-4078-A009-D10F19796D95}" type="datetimeFigureOut">
               <a:rPr lang="it-IT" smtClean="0"/>
-              <a:t>05/06/2023</a:t>
+              <a:t>19/06/2023</a:t>
             </a:fld>
             <a:endParaRPr lang="it-IT"/>
           </a:p>
@@ -4330,7 +4331,7 @@
           <a:p>
             <a:fld id="{C1775FA8-FEF5-4078-A009-D10F19796D95}" type="datetimeFigureOut">
               <a:rPr lang="it-IT" smtClean="0"/>
-              <a:t>05/06/2023</a:t>
+              <a:t>19/06/2023</a:t>
             </a:fld>
             <a:endParaRPr lang="it-IT"/>
           </a:p>
@@ -4593,7 +4594,7 @@
           <a:p>
             <a:fld id="{C1775FA8-FEF5-4078-A009-D10F19796D95}" type="datetimeFigureOut">
               <a:rPr lang="it-IT" smtClean="0"/>
-              <a:t>05/06/2023</a:t>
+              <a:t>19/06/2023</a:t>
             </a:fld>
             <a:endParaRPr lang="it-IT"/>
           </a:p>
@@ -5336,7 +5337,7 @@
           <a:p>
             <a:fld id="{C1775FA8-FEF5-4078-A009-D10F19796D95}" type="datetimeFigureOut">
               <a:rPr lang="it-IT" smtClean="0"/>
-              <a:t>05/06/2023</a:t>
+              <a:t>19/06/2023</a:t>
             </a:fld>
             <a:endParaRPr lang="it-IT"/>
           </a:p>
@@ -13514,7 +13515,7 @@
         </p:nvSpPr>
         <p:spPr>
           <a:xfrm>
-            <a:off x="70871" y="913946"/>
+            <a:off x="985271" y="878114"/>
             <a:ext cx="4320154" cy="5860077"/>
           </a:xfrm>
           <a:prstGeom prst="rect">
@@ -13754,6 +13755,16 @@
             <a:pPr marL="0" indent="0">
               <a:buNone/>
             </a:pPr>
+            <a:endParaRPr lang="it-IT" sz="1600" b="1" dirty="0">
+              <a:solidFill>
+                <a:schemeClr val="tx1"/>
+              </a:solidFill>
+            </a:endParaRPr>
+          </a:p>
+          <a:p>
+            <a:pPr marL="0" indent="0" algn="ctr">
+              <a:buNone/>
+            </a:pPr>
             <a:r>
               <a:rPr lang="it-IT" sz="1600" b="1" dirty="0" err="1">
                 <a:solidFill>
@@ -14311,15 +14322,44 @@
                   <a:schemeClr val="tx1"/>
                 </a:solidFill>
               </a:rPr>
-              <a:t> to the Agenda of the user.  </a:t>
-            </a:r>
-          </a:p>
+              <a:t> to the Agenda of the user.   </a:t>
+            </a:r>
+          </a:p>
+        </p:txBody>
+      </p:sp>
+      <p:sp>
+        <p:nvSpPr>
+          <p:cNvPr id="5" name="TextBox 4">
+            <a:extLst>
+              <a:ext uri="{FF2B5EF4-FFF2-40B4-BE49-F238E27FC236}">
+                <a16:creationId xmlns:a16="http://schemas.microsoft.com/office/drawing/2014/main" id="{669D8F6C-5BFD-42E3-8844-90CFF08C75A8}"/>
+              </a:ext>
+            </a:extLst>
+          </p:cNvPr>
+          <p:cNvSpPr txBox="1"/>
+          <p:nvPr/>
+        </p:nvSpPr>
+        <p:spPr>
+          <a:xfrm>
+            <a:off x="6553199" y="2413337"/>
+            <a:ext cx="2985247" cy="2031325"/>
+          </a:xfrm>
+          <a:prstGeom prst="rect">
+            <a:avLst/>
+          </a:prstGeom>
+          <a:noFill/>
+        </p:spPr>
+        <p:txBody>
+          <a:bodyPr wrap="square" rtlCol="0">
+            <a:spAutoFit/>
+          </a:bodyPr>
+          <a:lstStyle/>
           <a:p>
             <a:pPr marL="0" indent="0">
               <a:buNone/>
             </a:pPr>
             <a:r>
-              <a:rPr lang="it-IT" sz="1600" b="1" dirty="0" err="1">
+              <a:rPr lang="it-IT" sz="1800" b="1" dirty="0" err="1">
                 <a:solidFill>
                   <a:schemeClr val="tx1"/>
                 </a:solidFill>
@@ -14327,7 +14367,7 @@
               <a:t>Main</a:t>
             </a:r>
             <a:r>
-              <a:rPr lang="it-IT" sz="1600" b="1" dirty="0">
+              <a:rPr lang="it-IT" sz="1800" b="1" dirty="0">
                 <a:solidFill>
                   <a:schemeClr val="tx1"/>
                 </a:solidFill>
@@ -14335,7 +14375,7 @@
               <a:t> </a:t>
             </a:r>
             <a:r>
-              <a:rPr lang="it-IT" sz="1600" b="1" dirty="0" err="1">
+              <a:rPr lang="it-IT" sz="1800" b="1" dirty="0" err="1">
                 <a:solidFill>
                   <a:schemeClr val="tx1"/>
                 </a:solidFill>
@@ -14343,7 +14383,7 @@
               <a:t>role</a:t>
             </a:r>
             <a:r>
-              <a:rPr lang="it-IT" sz="1600" b="1" dirty="0">
+              <a:rPr lang="it-IT" sz="1800" b="1" dirty="0">
                 <a:solidFill>
                   <a:schemeClr val="tx1"/>
                 </a:solidFill>
@@ -14356,7 +14396,7 @@
               <a:buNone/>
             </a:pPr>
             <a:r>
-              <a:rPr lang="it-IT" sz="1600" dirty="0" err="1">
+              <a:rPr lang="it-IT" sz="1800" dirty="0" err="1">
                 <a:solidFill>
                   <a:schemeClr val="tx1"/>
                 </a:solidFill>
@@ -14364,7 +14404,7 @@
               <a:t>Retrieve</a:t>
             </a:r>
             <a:r>
-              <a:rPr lang="it-IT" sz="1600" dirty="0">
+              <a:rPr lang="it-IT" sz="1800" dirty="0">
                 <a:solidFill>
                   <a:schemeClr val="tx1"/>
                 </a:solidFill>
@@ -14372,7 +14412,7 @@
               <a:t> data and </a:t>
             </a:r>
             <a:r>
-              <a:rPr lang="it-IT" sz="1600" dirty="0" err="1">
+              <a:rPr lang="it-IT" sz="1800" dirty="0" err="1">
                 <a:solidFill>
                   <a:schemeClr val="tx1"/>
                 </a:solidFill>
@@ -14380,7 +14420,7 @@
               <a:t>choose</a:t>
             </a:r>
             <a:r>
-              <a:rPr lang="it-IT" sz="1600" dirty="0">
+              <a:rPr lang="it-IT" sz="1800" dirty="0">
                 <a:solidFill>
                   <a:schemeClr val="tx1"/>
                 </a:solidFill>
@@ -14388,7 +14428,7 @@
               <a:t> </a:t>
             </a:r>
             <a:r>
-              <a:rPr lang="it-IT" sz="1600" dirty="0" err="1">
+              <a:rPr lang="it-IT" sz="1800" dirty="0" err="1">
                 <a:solidFill>
                   <a:schemeClr val="tx1"/>
                 </a:solidFill>
@@ -14396,7 +14436,7 @@
               <a:t>if</a:t>
             </a:r>
             <a:r>
-              <a:rPr lang="it-IT" sz="1600" dirty="0">
+              <a:rPr lang="it-IT" sz="1800" dirty="0">
                 <a:solidFill>
                   <a:schemeClr val="tx1"/>
                 </a:solidFill>
@@ -14404,7 +14444,7 @@
               <a:t> the car must be in </a:t>
             </a:r>
             <a:r>
-              <a:rPr lang="it-IT" sz="1600" dirty="0" err="1">
+              <a:rPr lang="it-IT" sz="1800" dirty="0" err="1">
                 <a:solidFill>
                   <a:schemeClr val="tx1"/>
                 </a:solidFill>
@@ -14412,7 +14452,7 @@
               <a:t>charge</a:t>
             </a:r>
             <a:r>
-              <a:rPr lang="it-IT" sz="1600" dirty="0">
+              <a:rPr lang="it-IT" sz="1800" dirty="0">
                 <a:solidFill>
                   <a:schemeClr val="tx1"/>
                 </a:solidFill>
@@ -14420,7 +14460,7 @@
               <a:t> or </a:t>
             </a:r>
             <a:r>
-              <a:rPr lang="it-IT" sz="1600" dirty="0" err="1">
+              <a:rPr lang="it-IT" sz="1800" dirty="0" err="1">
                 <a:solidFill>
                   <a:schemeClr val="tx1"/>
                 </a:solidFill>
@@ -14428,7 +14468,7 @@
               <a:t>not</a:t>
             </a:r>
             <a:r>
-              <a:rPr lang="it-IT" sz="1600" dirty="0">
+              <a:rPr lang="it-IT" sz="1800" dirty="0">
                 <a:solidFill>
                   <a:schemeClr val="tx1"/>
                 </a:solidFill>
@@ -14436,7 +14476,7 @@
               <a:t> </a:t>
             </a:r>
             <a:r>
-              <a:rPr lang="it-IT" sz="1600" dirty="0" err="1">
+              <a:rPr lang="it-IT" sz="1800" dirty="0" err="1">
                 <a:solidFill>
                   <a:schemeClr val="tx1"/>
                 </a:solidFill>
@@ -14444,7 +14484,7 @@
               <a:t>according</a:t>
             </a:r>
             <a:r>
-              <a:rPr lang="it-IT" sz="1600" dirty="0">
+              <a:rPr lang="it-IT" sz="1800" dirty="0">
                 <a:solidFill>
                   <a:schemeClr val="tx1"/>
                 </a:solidFill>
@@ -14452,7 +14492,7 @@
               <a:t> to the </a:t>
             </a:r>
             <a:r>
-              <a:rPr lang="it-IT" sz="1600" dirty="0" err="1">
+              <a:rPr lang="it-IT" sz="1800" dirty="0" err="1">
                 <a:solidFill>
                   <a:schemeClr val="tx1"/>
                 </a:solidFill>
@@ -14460,7 +14500,7 @@
               <a:t>logic</a:t>
             </a:r>
             <a:r>
-              <a:rPr lang="it-IT" sz="1600" dirty="0">
+              <a:rPr lang="it-IT" sz="1800" dirty="0">
                 <a:solidFill>
                   <a:schemeClr val="tx1"/>
                 </a:solidFill>
@@ -14468,7 +14508,7 @@
               <a:t> </a:t>
             </a:r>
             <a:r>
-              <a:rPr lang="it-IT" sz="1600" dirty="0" err="1">
+              <a:rPr lang="it-IT" sz="1800" dirty="0" err="1">
                 <a:solidFill>
                   <a:schemeClr val="tx1"/>
                 </a:solidFill>
@@ -14476,7 +14516,7 @@
               <a:t>reported</a:t>
             </a:r>
             <a:r>
-              <a:rPr lang="it-IT" sz="1600" dirty="0">
+              <a:rPr lang="it-IT" sz="1800" dirty="0">
                 <a:solidFill>
                   <a:schemeClr val="tx1"/>
                 </a:solidFill>
@@ -14484,7 +14524,7 @@
               <a:t> on the </a:t>
             </a:r>
             <a:r>
-              <a:rPr lang="it-IT" sz="1600" dirty="0" err="1">
+              <a:rPr lang="it-IT" sz="1800" dirty="0" err="1">
                 <a:solidFill>
                   <a:schemeClr val="tx1"/>
                 </a:solidFill>
@@ -14492,22 +14532,100 @@
               <a:t>right</a:t>
             </a:r>
             <a:r>
-              <a:rPr lang="it-IT" sz="1600" dirty="0">
+              <a:rPr lang="it-IT" sz="1800" dirty="0">
                 <a:solidFill>
                   <a:schemeClr val="tx1"/>
                 </a:solidFill>
               </a:rPr>
               <a:t>. </a:t>
+            </a:r>
+          </a:p>
+          <a:p>
+            <a:endParaRPr lang="it-IT" dirty="0"/>
+          </a:p>
+        </p:txBody>
+      </p:sp>
+    </p:spTree>
+    <p:extLst>
+      <p:ext uri="{BB962C8B-B14F-4D97-AF65-F5344CB8AC3E}">
+        <p14:creationId xmlns:p14="http://schemas.microsoft.com/office/powerpoint/2010/main" val="1903414614"/>
+      </p:ext>
+    </p:extLst>
+  </p:cSld>
+  <p:clrMapOvr>
+    <a:masterClrMapping/>
+  </p:clrMapOvr>
+</p:sld>
+</file>
+
+<file path=ppt/slides/slide21.xml><?xml version="1.0" encoding="utf-8"?>
+<p:sld xmlns:a="http://schemas.openxmlformats.org/drawingml/2006/main" xmlns:r="http://schemas.openxmlformats.org/officeDocument/2006/relationships" xmlns:p="http://schemas.openxmlformats.org/presentationml/2006/main">
+  <p:cSld>
+    <p:spTree>
+      <p:nvGrpSpPr>
+        <p:cNvPr id="1" name=""/>
+        <p:cNvGrpSpPr/>
+        <p:nvPr/>
+      </p:nvGrpSpPr>
+      <p:grpSpPr>
+        <a:xfrm>
+          <a:off x="0" y="0"/>
+          <a:ext cx="0" cy="0"/>
+          <a:chOff x="0" y="0"/>
+          <a:chExt cx="0" cy="0"/>
+        </a:xfrm>
+      </p:grpSpPr>
+      <p:sp>
+        <p:nvSpPr>
+          <p:cNvPr id="2" name="Title 1">
+            <a:extLst>
+              <a:ext uri="{FF2B5EF4-FFF2-40B4-BE49-F238E27FC236}">
+                <a16:creationId xmlns:a16="http://schemas.microsoft.com/office/drawing/2014/main" id="{8D2BA825-A58B-496F-A86B-D9450D114C19}"/>
+              </a:ext>
+            </a:extLst>
+          </p:cNvPr>
+          <p:cNvSpPr>
+            <a:spLocks noGrp="1"/>
+          </p:cNvSpPr>
+          <p:nvPr>
+            <p:ph type="title"/>
+          </p:nvPr>
+        </p:nvSpPr>
+        <p:spPr>
+          <a:xfrm>
+            <a:off x="758016" y="336861"/>
+            <a:ext cx="8596668" cy="1320800"/>
+          </a:xfrm>
+        </p:spPr>
+        <p:txBody>
+          <a:bodyPr/>
+          <a:lstStyle/>
+          <a:p>
+            <a:r>
+              <a:rPr lang="it-IT" dirty="0" err="1"/>
+              <a:t>Battery</a:t>
+            </a:r>
+            <a:r>
+              <a:rPr lang="it-IT" dirty="0"/>
+              <a:t> </a:t>
+            </a:r>
+            <a:r>
+              <a:rPr lang="it-IT" dirty="0" err="1"/>
+              <a:t>Charger</a:t>
+            </a:r>
+            <a:r>
+              <a:rPr lang="it-IT" dirty="0"/>
+              <a:t> System Control </a:t>
             </a:r>
           </a:p>
         </p:txBody>
       </p:sp>
       <p:pic>
         <p:nvPicPr>
-          <p:cNvPr id="6" name="Picture 5">
+          <p:cNvPr id="3" name="Picture 2">
             <a:extLst>
               <a:ext uri="{FF2B5EF4-FFF2-40B4-BE49-F238E27FC236}">
-                <a16:creationId xmlns:a16="http://schemas.microsoft.com/office/drawing/2014/main" id="{4FFF959A-E193-C8AC-906E-32E3540E3647}"/>
+                <a16:creationId xmlns:a16="http://schemas.microsoft.com/office/drawing/2014/main" id="{608A5F3D-A1D6-4A10-8375-3B160324E396}"/>
               </a:ext>
             </a:extLst>
           </p:cNvPr>
@@ -14524,28 +14642,18 @@
         </p:blipFill>
         <p:spPr>
           <a:xfrm>
-            <a:off x="4514850" y="1218293"/>
-            <a:ext cx="7055800" cy="4608926"/>
+            <a:off x="932330" y="934421"/>
+            <a:ext cx="8708288" cy="5923580"/>
           </a:xfrm>
           <a:prstGeom prst="rect">
             <a:avLst/>
           </a:prstGeom>
-          <a:ln>
-            <a:noFill/>
-          </a:ln>
-          <a:effectLst>
-            <a:outerShdw blurRad="292100" dist="139700" dir="2700000" algn="tl" rotWithShape="0">
-              <a:srgbClr val="333333">
-                <a:alpha val="65000"/>
-              </a:srgbClr>
-            </a:outerShdw>
-          </a:effectLst>
         </p:spPr>
       </p:pic>
     </p:spTree>
     <p:extLst>
       <p:ext uri="{BB962C8B-B14F-4D97-AF65-F5344CB8AC3E}">
-        <p14:creationId xmlns:p14="http://schemas.microsoft.com/office/powerpoint/2010/main" val="1903414614"/>
+        <p14:creationId xmlns:p14="http://schemas.microsoft.com/office/powerpoint/2010/main" val="3666790828"/>
       </p:ext>
     </p:extLst>
   </p:cSld>
@@ -14555,7 +14663,7 @@
 </p:sld>
 </file>
 
-<file path=ppt/slides/slide21.xml><?xml version="1.0" encoding="utf-8"?>
+<file path=ppt/slides/slide22.xml><?xml version="1.0" encoding="utf-8"?>
 <p:sld xmlns:a="http://schemas.openxmlformats.org/drawingml/2006/main" xmlns:r="http://schemas.openxmlformats.org/officeDocument/2006/relationships" xmlns:p="http://schemas.openxmlformats.org/presentationml/2006/main">
   <p:cSld>
     <p:spTree>
@@ -15680,7 +15788,7 @@
 </p:sld>
 </file>
 
-<file path=ppt/slides/slide22.xml><?xml version="1.0" encoding="utf-8"?>
+<file path=ppt/slides/slide23.xml><?xml version="1.0" encoding="utf-8"?>
 <p:sld xmlns:a="http://schemas.openxmlformats.org/drawingml/2006/main" xmlns:r="http://schemas.openxmlformats.org/officeDocument/2006/relationships" xmlns:p="http://schemas.openxmlformats.org/presentationml/2006/main">
   <p:cSld>
     <p:spTree>
@@ -17166,7 +17274,7 @@
 </p:sld>
 </file>
 
-<file path=ppt/slides/slide23.xml><?xml version="1.0" encoding="utf-8"?>
+<file path=ppt/slides/slide24.xml><?xml version="1.0" encoding="utf-8"?>
 <p:sld xmlns:a="http://schemas.openxmlformats.org/drawingml/2006/main" xmlns:r="http://schemas.openxmlformats.org/officeDocument/2006/relationships" xmlns:p="http://schemas.openxmlformats.org/presentationml/2006/main">
   <p:cSld>
     <p:spTree>
@@ -18078,7 +18186,7 @@
 </p:sld>
 </file>
 
-<file path=ppt/slides/slide24.xml><?xml version="1.0" encoding="utf-8"?>
+<file path=ppt/slides/slide25.xml><?xml version="1.0" encoding="utf-8"?>
 <p:sld xmlns:a="http://schemas.openxmlformats.org/drawingml/2006/main" xmlns:r="http://schemas.openxmlformats.org/officeDocument/2006/relationships" xmlns:p="http://schemas.openxmlformats.org/presentationml/2006/main">
   <p:cSld>
     <p:spTree>
@@ -18509,7 +18617,7 @@
 </p:sld>
 </file>
 
-<file path=ppt/slides/slide25.xml><?xml version="1.0" encoding="utf-8"?>
+<file path=ppt/slides/slide26.xml><?xml version="1.0" encoding="utf-8"?>
 <p:sld xmlns:a="http://schemas.openxmlformats.org/drawingml/2006/main" xmlns:r="http://schemas.openxmlformats.org/officeDocument/2006/relationships" xmlns:p="http://schemas.openxmlformats.org/presentationml/2006/main">
   <p:cSld>
     <p:spTree>
@@ -19573,7 +19681,7 @@
 </p:sld>
 </file>
 
-<file path=ppt/slides/slide26.xml><?xml version="1.0" encoding="utf-8"?>
+<file path=ppt/slides/slide27.xml><?xml version="1.0" encoding="utf-8"?>
 <p:sld xmlns:a="http://schemas.openxmlformats.org/drawingml/2006/main" xmlns:r="http://schemas.openxmlformats.org/officeDocument/2006/relationships" xmlns:p="http://schemas.openxmlformats.org/presentationml/2006/main">
   <p:cSld>
     <p:spTree>
@@ -20300,7 +20408,7 @@
 </p:sld>
 </file>
 
-<file path=ppt/slides/slide27.xml><?xml version="1.0" encoding="utf-8"?>
+<file path=ppt/slides/slide28.xml><?xml version="1.0" encoding="utf-8"?>
 <p:sld xmlns:a="http://schemas.openxmlformats.org/drawingml/2006/main" xmlns:r="http://schemas.openxmlformats.org/officeDocument/2006/relationships" xmlns:p="http://schemas.openxmlformats.org/presentationml/2006/main">
   <p:cSld>
     <p:spTree>
@@ -20649,7 +20757,7 @@
 </p:sld>
 </file>
 
-<file path=ppt/slides/slide28.xml><?xml version="1.0" encoding="utf-8"?>
+<file path=ppt/slides/slide29.xml><?xml version="1.0" encoding="utf-8"?>
 <p:sld xmlns:a="http://schemas.openxmlformats.org/drawingml/2006/main" xmlns:r="http://schemas.openxmlformats.org/officeDocument/2006/relationships" xmlns:p="http://schemas.openxmlformats.org/presentationml/2006/main">
   <p:cSld>
     <p:spTree>
@@ -20753,7 +20861,120 @@
 </p:sld>
 </file>
 
-<file path=ppt/slides/slide29.xml><?xml version="1.0" encoding="utf-8"?>
+<file path=ppt/slides/slide3.xml><?xml version="1.0" encoding="utf-8"?>
+<p:sld xmlns:a="http://schemas.openxmlformats.org/drawingml/2006/main" xmlns:r="http://schemas.openxmlformats.org/officeDocument/2006/relationships" xmlns:p="http://schemas.openxmlformats.org/presentationml/2006/main">
+  <p:cSld>
+    <p:spTree>
+      <p:nvGrpSpPr>
+        <p:cNvPr id="1" name=""/>
+        <p:cNvGrpSpPr/>
+        <p:nvPr/>
+      </p:nvGrpSpPr>
+      <p:grpSpPr>
+        <a:xfrm>
+          <a:off x="0" y="0"/>
+          <a:ext cx="0" cy="0"/>
+          <a:chOff x="0" y="0"/>
+          <a:chExt cx="0" cy="0"/>
+        </a:xfrm>
+      </p:grpSpPr>
+      <p:sp>
+        <p:nvSpPr>
+          <p:cNvPr id="2" name="Title 1">
+            <a:extLst>
+              <a:ext uri="{FF2B5EF4-FFF2-40B4-BE49-F238E27FC236}">
+                <a16:creationId xmlns:a16="http://schemas.microsoft.com/office/drawing/2014/main" id="{3FDAEF39-2563-D5D8-701B-834175A2DF51}"/>
+              </a:ext>
+            </a:extLst>
+          </p:cNvPr>
+          <p:cNvSpPr>
+            <a:spLocks noGrp="1"/>
+          </p:cNvSpPr>
+          <p:nvPr>
+            <p:ph type="title"/>
+          </p:nvPr>
+        </p:nvSpPr>
+        <p:spPr/>
+        <p:txBody>
+          <a:bodyPr/>
+          <a:lstStyle/>
+          <a:p>
+            <a:pPr algn="ctr"/>
+            <a:r>
+              <a:rPr lang="it-IT" dirty="0"/>
+              <a:t>Use Case </a:t>
+            </a:r>
+            <a:r>
+              <a:rPr lang="it-IT" dirty="0" err="1"/>
+              <a:t>Diagram</a:t>
+            </a:r>
+            <a:r>
+              <a:rPr lang="it-IT" dirty="0"/>
+              <a:t> - Update </a:t>
+            </a:r>
+          </a:p>
+        </p:txBody>
+      </p:sp>
+      <p:pic>
+        <p:nvPicPr>
+          <p:cNvPr id="5" name="Picture 4">
+            <a:extLst>
+              <a:ext uri="{FF2B5EF4-FFF2-40B4-BE49-F238E27FC236}">
+                <a16:creationId xmlns:a16="http://schemas.microsoft.com/office/drawing/2014/main" id="{013A3A9F-F569-4F5A-9E4D-7057E321900A}"/>
+              </a:ext>
+            </a:extLst>
+          </p:cNvPr>
+          <p:cNvPicPr>
+            <a:picLocks noChangeAspect="1"/>
+          </p:cNvPicPr>
+          <p:nvPr/>
+        </p:nvPicPr>
+        <p:blipFill>
+          <a:blip r:embed="rId2">
+            <a:extLst>
+              <a:ext uri="{28A0092B-C50C-407E-A947-70E740481C1C}">
+                <a14:useLocalDpi xmlns:a14="http://schemas.microsoft.com/office/drawing/2010/main" val="0"/>
+              </a:ext>
+            </a:extLst>
+          </a:blip>
+          <a:stretch>
+            <a:fillRect/>
+          </a:stretch>
+        </p:blipFill>
+        <p:spPr>
+          <a:xfrm>
+            <a:off x="613237" y="1582016"/>
+            <a:ext cx="8001846" cy="4513983"/>
+          </a:xfrm>
+          <a:prstGeom prst="rect">
+            <a:avLst/>
+          </a:prstGeom>
+          <a:ln>
+            <a:noFill/>
+          </a:ln>
+          <a:effectLst>
+            <a:outerShdw blurRad="292100" dist="139700" dir="2700000" algn="tl" rotWithShape="0">
+              <a:srgbClr val="333333">
+                <a:alpha val="65000"/>
+              </a:srgbClr>
+            </a:outerShdw>
+          </a:effectLst>
+        </p:spPr>
+      </p:pic>
+    </p:spTree>
+    <p:extLst>
+      <p:ext uri="{BB962C8B-B14F-4D97-AF65-F5344CB8AC3E}">
+        <p14:creationId xmlns:p14="http://schemas.microsoft.com/office/powerpoint/2010/main" val="3302964220"/>
+      </p:ext>
+    </p:extLst>
+  </p:cSld>
+  <p:clrMapOvr>
+    <a:masterClrMapping/>
+  </p:clrMapOvr>
+</p:sld>
+</file>
+
+<file path=ppt/slides/slide30.xml><?xml version="1.0" encoding="utf-8"?>
 <p:sld xmlns:a="http://schemas.openxmlformats.org/drawingml/2006/main" xmlns:r="http://schemas.openxmlformats.org/officeDocument/2006/relationships" xmlns:p="http://schemas.openxmlformats.org/presentationml/2006/main">
   <p:cSld>
     <p:spTree>
@@ -21994,120 +22215,7 @@
 </p:sld>
 </file>
 
-<file path=ppt/slides/slide3.xml><?xml version="1.0" encoding="utf-8"?>
-<p:sld xmlns:a="http://schemas.openxmlformats.org/drawingml/2006/main" xmlns:r="http://schemas.openxmlformats.org/officeDocument/2006/relationships" xmlns:p="http://schemas.openxmlformats.org/presentationml/2006/main">
-  <p:cSld>
-    <p:spTree>
-      <p:nvGrpSpPr>
-        <p:cNvPr id="1" name=""/>
-        <p:cNvGrpSpPr/>
-        <p:nvPr/>
-      </p:nvGrpSpPr>
-      <p:grpSpPr>
-        <a:xfrm>
-          <a:off x="0" y="0"/>
-          <a:ext cx="0" cy="0"/>
-          <a:chOff x="0" y="0"/>
-          <a:chExt cx="0" cy="0"/>
-        </a:xfrm>
-      </p:grpSpPr>
-      <p:sp>
-        <p:nvSpPr>
-          <p:cNvPr id="2" name="Title 1">
-            <a:extLst>
-              <a:ext uri="{FF2B5EF4-FFF2-40B4-BE49-F238E27FC236}">
-                <a16:creationId xmlns:a16="http://schemas.microsoft.com/office/drawing/2014/main" id="{3FDAEF39-2563-D5D8-701B-834175A2DF51}"/>
-              </a:ext>
-            </a:extLst>
-          </p:cNvPr>
-          <p:cNvSpPr>
-            <a:spLocks noGrp="1"/>
-          </p:cNvSpPr>
-          <p:nvPr>
-            <p:ph type="title"/>
-          </p:nvPr>
-        </p:nvSpPr>
-        <p:spPr/>
-        <p:txBody>
-          <a:bodyPr/>
-          <a:lstStyle/>
-          <a:p>
-            <a:pPr algn="ctr"/>
-            <a:r>
-              <a:rPr lang="it-IT" dirty="0"/>
-              <a:t>Use Case </a:t>
-            </a:r>
-            <a:r>
-              <a:rPr lang="it-IT" dirty="0" err="1"/>
-              <a:t>Diagram</a:t>
-            </a:r>
-            <a:r>
-              <a:rPr lang="it-IT" dirty="0"/>
-              <a:t> - Update </a:t>
-            </a:r>
-          </a:p>
-        </p:txBody>
-      </p:sp>
-      <p:pic>
-        <p:nvPicPr>
-          <p:cNvPr id="5" name="Picture 4">
-            <a:extLst>
-              <a:ext uri="{FF2B5EF4-FFF2-40B4-BE49-F238E27FC236}">
-                <a16:creationId xmlns:a16="http://schemas.microsoft.com/office/drawing/2014/main" id="{013A3A9F-F569-4F5A-9E4D-7057E321900A}"/>
-              </a:ext>
-            </a:extLst>
-          </p:cNvPr>
-          <p:cNvPicPr>
-            <a:picLocks noChangeAspect="1"/>
-          </p:cNvPicPr>
-          <p:nvPr/>
-        </p:nvPicPr>
-        <p:blipFill>
-          <a:blip r:embed="rId2">
-            <a:extLst>
-              <a:ext uri="{28A0092B-C50C-407E-A947-70E740481C1C}">
-                <a14:useLocalDpi xmlns:a14="http://schemas.microsoft.com/office/drawing/2010/main" val="0"/>
-              </a:ext>
-            </a:extLst>
-          </a:blip>
-          <a:stretch>
-            <a:fillRect/>
-          </a:stretch>
-        </p:blipFill>
-        <p:spPr>
-          <a:xfrm>
-            <a:off x="613237" y="1582016"/>
-            <a:ext cx="8001846" cy="4513983"/>
-          </a:xfrm>
-          <a:prstGeom prst="rect">
-            <a:avLst/>
-          </a:prstGeom>
-          <a:ln>
-            <a:noFill/>
-          </a:ln>
-          <a:effectLst>
-            <a:outerShdw blurRad="292100" dist="139700" dir="2700000" algn="tl" rotWithShape="0">
-              <a:srgbClr val="333333">
-                <a:alpha val="65000"/>
-              </a:srgbClr>
-            </a:outerShdw>
-          </a:effectLst>
-        </p:spPr>
-      </p:pic>
-    </p:spTree>
-    <p:extLst>
-      <p:ext uri="{BB962C8B-B14F-4D97-AF65-F5344CB8AC3E}">
-        <p14:creationId xmlns:p14="http://schemas.microsoft.com/office/powerpoint/2010/main" val="3302964220"/>
-      </p:ext>
-    </p:extLst>
-  </p:cSld>
-  <p:clrMapOvr>
-    <a:masterClrMapping/>
-  </p:clrMapOvr>
-</p:sld>
-</file>
-
-<file path=ppt/slides/slide30.xml><?xml version="1.0" encoding="utf-8"?>
+<file path=ppt/slides/slide31.xml><?xml version="1.0" encoding="utf-8"?>
 <p:sld xmlns:a="http://schemas.openxmlformats.org/drawingml/2006/main" xmlns:r="http://schemas.openxmlformats.org/officeDocument/2006/relationships" xmlns:p="http://schemas.openxmlformats.org/presentationml/2006/main">
   <p:cSld>
     <p:spTree>
@@ -23003,7 +23111,7 @@
 </p:sld>
 </file>
 
-<file path=ppt/slides/slide31.xml><?xml version="1.0" encoding="utf-8"?>
+<file path=ppt/slides/slide32.xml><?xml version="1.0" encoding="utf-8"?>
 <p:sld xmlns:a="http://schemas.openxmlformats.org/drawingml/2006/main" xmlns:r="http://schemas.openxmlformats.org/officeDocument/2006/relationships" xmlns:p="http://schemas.openxmlformats.org/presentationml/2006/main">
   <p:cSld>
     <p:spTree>
@@ -23747,7 +23855,7 @@
 </p:sld>
 </file>
 
-<file path=ppt/slides/slide32.xml><?xml version="1.0" encoding="utf-8"?>
+<file path=ppt/slides/slide33.xml><?xml version="1.0" encoding="utf-8"?>
 <p:sld xmlns:a="http://schemas.openxmlformats.org/drawingml/2006/main" xmlns:r="http://schemas.openxmlformats.org/officeDocument/2006/relationships" xmlns:p="http://schemas.openxmlformats.org/presentationml/2006/main">
   <p:cSld>
     <p:spTree>
